--- a/Slides/06_JavaScriptTypescript_TrainingPlan.pptx
+++ b/Slides/06_JavaScriptTypescript_TrainingPlan.pptx
@@ -5,7 +5,7 @@
     <p:sldMasterId id="2147483672" r:id="rId1"/>
   </p:sldMasterIdLst>
   <p:notesMasterIdLst>
-    <p:notesMasterId r:id="rId34"/>
+    <p:notesMasterId r:id="rId42"/>
   </p:notesMasterIdLst>
   <p:sldIdLst>
     <p:sldId id="256" r:id="rId2"/>
@@ -38,8 +38,16 @@
     <p:sldId id="347" r:id="rId29"/>
     <p:sldId id="355" r:id="rId30"/>
     <p:sldId id="360" r:id="rId31"/>
-    <p:sldId id="349" r:id="rId32"/>
-    <p:sldId id="356" r:id="rId33"/>
+    <p:sldId id="361" r:id="rId32"/>
+    <p:sldId id="362" r:id="rId33"/>
+    <p:sldId id="363" r:id="rId34"/>
+    <p:sldId id="364" r:id="rId35"/>
+    <p:sldId id="365" r:id="rId36"/>
+    <p:sldId id="366" r:id="rId37"/>
+    <p:sldId id="368" r:id="rId38"/>
+    <p:sldId id="367" r:id="rId39"/>
+    <p:sldId id="349" r:id="rId40"/>
+    <p:sldId id="356" r:id="rId41"/>
   </p:sldIdLst>
   <p:sldSz cx="12192000" cy="6858000"/>
   <p:notesSz cx="6858000" cy="9144000"/>
@@ -228,7 +236,7 @@
           <a:p>
             <a:fld id="{7658ED9B-649B-4A15-B2F1-1E96723C7FC4}" type="datetimeFigureOut">
               <a:rPr lang="en-US" smtClean="0"/>
-              <a:t>2/24/2018</a:t>
+              <a:t>6/22/2018</a:t>
             </a:fld>
             <a:endParaRPr lang="en-US"/>
           </a:p>
@@ -292,38 +300,37 @@
           <a:p>
             <a:pPr lvl="0"/>
             <a:r>
-              <a:rPr lang="en-US" smtClean="0"/>
+              <a:rPr lang="en-US"/>
               <a:t>Click to edit Master text styles</a:t>
             </a:r>
           </a:p>
           <a:p>
             <a:pPr lvl="1"/>
             <a:r>
-              <a:rPr lang="en-US" smtClean="0"/>
+              <a:rPr lang="en-US"/>
               <a:t>Second level</a:t>
             </a:r>
           </a:p>
           <a:p>
             <a:pPr lvl="2"/>
             <a:r>
-              <a:rPr lang="en-US" smtClean="0"/>
+              <a:rPr lang="en-US"/>
               <a:t>Third level</a:t>
             </a:r>
           </a:p>
           <a:p>
             <a:pPr lvl="3"/>
             <a:r>
-              <a:rPr lang="en-US" smtClean="0"/>
+              <a:rPr lang="en-US"/>
               <a:t>Fourth level</a:t>
             </a:r>
           </a:p>
           <a:p>
             <a:pPr lvl="4"/>
             <a:r>
-              <a:rPr lang="en-US" smtClean="0"/>
+              <a:rPr lang="en-US"/>
               <a:t>Fifth level</a:t>
             </a:r>
-            <a:endParaRPr lang="en-US"/>
           </a:p>
         </p:txBody>
       </p:sp>
@@ -629,7 +636,7 @@
               <a:buChar char="•"/>
             </a:pPr>
             <a:r>
-              <a:rPr lang="en-US" sz="1200" kern="1200" dirty="0" smtClean="0">
+              <a:rPr lang="en-US" sz="1200" kern="1200" dirty="0">
                 <a:solidFill>
                   <a:schemeClr val="tx1"/>
                 </a:solidFill>
@@ -641,7 +648,7 @@
               <a:t>Write on the board, the html to link to a </a:t>
             </a:r>
             <a:r>
-              <a:rPr lang="en-US" sz="1200" kern="1200" dirty="0" err="1" smtClean="0">
+              <a:rPr lang="en-US" sz="1200" kern="1200" dirty="0" err="1">
                 <a:solidFill>
                   <a:schemeClr val="tx1"/>
                 </a:solidFill>
@@ -653,7 +660,7 @@
               <a:t>Javascript</a:t>
             </a:r>
             <a:r>
-              <a:rPr lang="en-US" sz="1200" kern="1200" dirty="0" smtClean="0">
+              <a:rPr lang="en-US" sz="1200" kern="1200" dirty="0">
                 <a:solidFill>
                   <a:schemeClr val="tx1"/>
                 </a:solidFill>
@@ -671,7 +678,7 @@
               <a:buChar char="•"/>
             </a:pPr>
             <a:r>
-              <a:rPr lang="en-US" sz="1200" kern="1200" dirty="0" smtClean="0">
+              <a:rPr lang="en-US" sz="1200" kern="1200" dirty="0">
                 <a:solidFill>
                   <a:schemeClr val="tx1"/>
                 </a:solidFill>
@@ -689,7 +696,7 @@
               <a:buChar char="•"/>
             </a:pPr>
             <a:r>
-              <a:rPr lang="en-US" sz="1200" kern="1200" dirty="0" smtClean="0">
+              <a:rPr lang="en-US" sz="1200" kern="1200" dirty="0">
                 <a:solidFill>
                   <a:schemeClr val="tx1"/>
                 </a:solidFill>
@@ -795,7 +802,7 @@
               <a:buChar char="•"/>
             </a:pPr>
             <a:r>
-              <a:rPr lang="en-US" baseline="0" dirty="0" smtClean="0"/>
+              <a:rPr lang="en-US" baseline="0" dirty="0"/>
               <a:t>Here are the comparison operators available.</a:t>
             </a:r>
           </a:p>
@@ -805,7 +812,7 @@
               <a:buChar char="•"/>
             </a:pPr>
             <a:r>
-              <a:rPr lang="en-US" baseline="0" dirty="0" smtClean="0"/>
+              <a:rPr lang="en-US" baseline="0" dirty="0"/>
               <a:t>They are similar to what is available in C#.</a:t>
             </a:r>
           </a:p>
@@ -815,7 +822,7 @@
               <a:buChar char="•"/>
             </a:pPr>
             <a:r>
-              <a:rPr lang="en-US" baseline="0" dirty="0" smtClean="0"/>
+              <a:rPr lang="en-US" baseline="0" dirty="0"/>
               <a:t>=== compares both the value and the type.</a:t>
             </a:r>
           </a:p>
@@ -906,7 +913,7 @@
               <a:buChar char="•"/>
             </a:pPr>
             <a:r>
-              <a:rPr lang="en-US" baseline="0" smtClean="0"/>
+              <a:rPr lang="en-US" baseline="0"/>
               <a:t>Here are the Logical Operators.</a:t>
             </a:r>
           </a:p>
@@ -916,10 +923,10 @@
               <a:buChar char="•"/>
             </a:pPr>
             <a:r>
-              <a:rPr lang="en-US" baseline="0" smtClean="0"/>
+              <a:rPr lang="en-US" baseline="0"/>
               <a:t>Again similar to C#.</a:t>
             </a:r>
-            <a:endParaRPr lang="en-US" baseline="0" dirty="0" smtClean="0"/>
+            <a:endParaRPr lang="en-US" baseline="0" dirty="0"/>
           </a:p>
         </p:txBody>
       </p:sp>
@@ -1008,7 +1015,7 @@
               <a:buChar char="•"/>
             </a:pPr>
             <a:r>
-              <a:rPr lang="en-US" baseline="0" dirty="0" smtClean="0"/>
+              <a:rPr lang="en-US" baseline="0" dirty="0"/>
               <a:t>For conditional statements you again have if, else, else if, and switch.</a:t>
             </a:r>
           </a:p>
@@ -1018,7 +1025,7 @@
               <a:buChar char="•"/>
             </a:pPr>
             <a:r>
-              <a:rPr lang="en-US" baseline="0" dirty="0" smtClean="0"/>
+              <a:rPr lang="en-US" baseline="0" dirty="0"/>
               <a:t>Let’s look at some examples.</a:t>
             </a:r>
           </a:p>
@@ -1028,16 +1035,16 @@
               <a:buChar char="•"/>
             </a:pPr>
             <a:r>
-              <a:rPr lang="en-US" sz="1200" dirty="0" smtClean="0"/>
+              <a:rPr lang="en-US" sz="1200" dirty="0"/>
               <a:t>Example:  </a:t>
             </a:r>
             <a:r>
-              <a:rPr lang="en-US" sz="1200" dirty="0" smtClean="0">
+              <a:rPr lang="en-US" sz="1200" dirty="0">
                 <a:hlinkClick r:id="rId3"/>
               </a:rPr>
               <a:t>https://www.w3schools.com/js/js_if_else.asp</a:t>
             </a:r>
-            <a:endParaRPr lang="en-US" sz="1200" dirty="0" smtClean="0"/>
+            <a:endParaRPr lang="en-US" sz="1200" dirty="0"/>
           </a:p>
           <a:p>
             <a:pPr marL="171450" indent="-171450">
@@ -1045,23 +1052,23 @@
               <a:buChar char="•"/>
             </a:pPr>
             <a:r>
-              <a:rPr lang="en-US" sz="1200" dirty="0" smtClean="0"/>
+              <a:rPr lang="en-US" sz="1200" dirty="0"/>
               <a:t>Example:  </a:t>
             </a:r>
             <a:r>
-              <a:rPr lang="en-US" sz="1200" dirty="0" smtClean="0">
+              <a:rPr lang="en-US" sz="1200" dirty="0">
                 <a:hlinkClick r:id="rId4"/>
               </a:rPr>
               <a:t>https://www.w3schools.com/js/js_switch.asp</a:t>
             </a:r>
-            <a:endParaRPr lang="en-US" sz="1200" dirty="0" smtClean="0"/>
+            <a:endParaRPr lang="en-US" sz="1200" dirty="0"/>
           </a:p>
           <a:p>
             <a:pPr marL="171450" indent="-171450">
               <a:buFont typeface="Arial" panose="020B0604020202020204" pitchFamily="34" charset="0"/>
               <a:buChar char="•"/>
             </a:pPr>
-            <a:endParaRPr lang="en-US" baseline="0" dirty="0" smtClean="0"/>
+            <a:endParaRPr lang="en-US" baseline="0" dirty="0"/>
           </a:p>
         </p:txBody>
       </p:sp>
@@ -1146,7 +1153,7 @@
           <a:lstStyle/>
           <a:p>
             <a:r>
-              <a:rPr lang="en-US" dirty="0" smtClean="0"/>
+              <a:rPr lang="en-US" dirty="0"/>
               <a:t>Let’s go through some more examples.</a:t>
             </a:r>
           </a:p>
@@ -1156,11 +1163,11 @@
               <a:buChar char="•"/>
             </a:pPr>
             <a:r>
-              <a:rPr lang="en-US" dirty="0" smtClean="0"/>
+              <a:rPr lang="en-US" dirty="0"/>
               <a:t>Create various</a:t>
             </a:r>
             <a:r>
-              <a:rPr lang="en-US" baseline="0" dirty="0" smtClean="0"/>
+              <a:rPr lang="en-US" baseline="0" dirty="0"/>
               <a:t> conditions</a:t>
             </a:r>
             <a:endParaRPr lang="en-US" dirty="0"/>
@@ -1252,7 +1259,7 @@
               <a:buChar char="•"/>
             </a:pPr>
             <a:r>
-              <a:rPr lang="en-US" sz="1200" kern="1200" dirty="0" smtClean="0">
+              <a:rPr lang="en-US" sz="1200" kern="1200" dirty="0">
                 <a:solidFill>
                   <a:schemeClr val="tx1"/>
                 </a:solidFill>
@@ -1270,7 +1277,7 @@
               <a:buChar char="•"/>
             </a:pPr>
             <a:r>
-              <a:rPr lang="en-US" sz="1200" kern="1200" dirty="0" smtClean="0">
+              <a:rPr lang="en-US" sz="1200" kern="1200" dirty="0">
                 <a:solidFill>
                   <a:schemeClr val="tx1"/>
                 </a:solidFill>
@@ -1288,7 +1295,7 @@
               <a:buChar char="•"/>
             </a:pPr>
             <a:r>
-              <a:rPr lang="en-US" sz="1200" kern="1200" dirty="0" smtClean="0">
+              <a:rPr lang="en-US" sz="1200" kern="1200" dirty="0">
                 <a:solidFill>
                   <a:schemeClr val="tx1"/>
                 </a:solidFill>
@@ -1306,7 +1313,7 @@
               <a:buChar char="•"/>
             </a:pPr>
             <a:r>
-              <a:rPr lang="en-US" sz="1200" kern="1200" dirty="0" smtClean="0">
+              <a:rPr lang="en-US" sz="1200" kern="1200" dirty="0">
                 <a:solidFill>
                   <a:schemeClr val="tx1"/>
                 </a:solidFill>
@@ -1324,7 +1331,7 @@
               <a:buChar char="•"/>
             </a:pPr>
             <a:r>
-              <a:rPr lang="en-US" sz="1200" kern="1200" dirty="0" smtClean="0">
+              <a:rPr lang="en-US" sz="1200" kern="1200" dirty="0">
                 <a:solidFill>
                   <a:schemeClr val="tx1"/>
                 </a:solidFill>
@@ -1342,7 +1349,7 @@
               <a:buChar char="•"/>
             </a:pPr>
             <a:r>
-              <a:rPr lang="en-US" sz="1200" kern="1200" dirty="0" smtClean="0">
+              <a:rPr lang="en-US" sz="1200" kern="1200" dirty="0">
                 <a:solidFill>
                   <a:schemeClr val="tx1"/>
                 </a:solidFill>
@@ -1359,7 +1366,7 @@
               <a:buFont typeface="Arial" panose="020B0604020202020204" pitchFamily="34" charset="0"/>
               <a:buNone/>
             </a:pPr>
-            <a:endParaRPr lang="en-US" dirty="0" smtClean="0"/>
+            <a:endParaRPr lang="en-US" dirty="0"/>
           </a:p>
           <a:p>
             <a:pPr marL="457200" lvl="1" indent="0">
@@ -1543,7 +1550,7 @@
               <a:buChar char="•"/>
             </a:pPr>
             <a:r>
-              <a:rPr lang="en-US" baseline="0" dirty="0" smtClean="0"/>
+              <a:rPr lang="en-US" baseline="0" dirty="0"/>
               <a:t>Here are the loops available.  Similar to c#.</a:t>
             </a:r>
           </a:p>
@@ -1553,15 +1560,15 @@
               <a:buChar char="•"/>
             </a:pPr>
             <a:r>
-              <a:rPr lang="en-US" baseline="0" dirty="0" smtClean="0"/>
+              <a:rPr lang="en-US" baseline="0" dirty="0"/>
               <a:t>The only difference is that for / in replaces </a:t>
             </a:r>
             <a:r>
-              <a:rPr lang="en-US" baseline="0" dirty="0" err="1" smtClean="0"/>
+              <a:rPr lang="en-US" baseline="0" dirty="0" err="1"/>
               <a:t>foreach</a:t>
             </a:r>
             <a:r>
-              <a:rPr lang="en-US" baseline="0" dirty="0" smtClean="0"/>
+              <a:rPr lang="en-US" baseline="0" dirty="0"/>
               <a:t>.</a:t>
             </a:r>
           </a:p>
@@ -1571,16 +1578,16 @@
               <a:buChar char="•"/>
             </a:pPr>
             <a:r>
-              <a:rPr lang="en-US" dirty="0" smtClean="0"/>
+              <a:rPr lang="en-US" dirty="0"/>
               <a:t>Example:  </a:t>
             </a:r>
             <a:r>
-              <a:rPr lang="en-US" dirty="0" smtClean="0">
+              <a:rPr lang="en-US" dirty="0">
                 <a:hlinkClick r:id="rId3"/>
               </a:rPr>
               <a:t>https://www.w3schools.com/js/js_loop_for.asp</a:t>
             </a:r>
-            <a:endParaRPr lang="en-US" dirty="0" smtClean="0"/>
+            <a:endParaRPr lang="en-US" dirty="0"/>
           </a:p>
           <a:p>
             <a:pPr marL="171450" indent="-171450">
@@ -1588,16 +1595,16 @@
               <a:buChar char="•"/>
             </a:pPr>
             <a:r>
-              <a:rPr lang="en-US" dirty="0" smtClean="0"/>
+              <a:rPr lang="en-US" dirty="0"/>
               <a:t>Example:  </a:t>
             </a:r>
             <a:r>
-              <a:rPr lang="en-US" dirty="0" smtClean="0">
+              <a:rPr lang="en-US" dirty="0">
                 <a:hlinkClick r:id="rId4"/>
               </a:rPr>
               <a:t>https://www.w3schools.com/js/js_loop_while.asp</a:t>
             </a:r>
-            <a:endParaRPr lang="en-US" dirty="0" smtClean="0"/>
+            <a:endParaRPr lang="en-US" dirty="0"/>
           </a:p>
         </p:txBody>
       </p:sp>
@@ -1682,11 +1689,11 @@
           <a:lstStyle/>
           <a:p>
             <a:r>
-              <a:rPr lang="en-US" dirty="0" smtClean="0"/>
+              <a:rPr lang="en-US" dirty="0"/>
               <a:t>Let’s go through some more</a:t>
             </a:r>
             <a:r>
-              <a:rPr lang="en-US" baseline="0" dirty="0" smtClean="0"/>
+              <a:rPr lang="en-US" baseline="0" dirty="0"/>
               <a:t> examples.</a:t>
             </a:r>
           </a:p>
@@ -1696,7 +1703,7 @@
               <a:buChar char="•"/>
             </a:pPr>
             <a:r>
-              <a:rPr lang="en-US" baseline="0" dirty="0" smtClean="0"/>
+              <a:rPr lang="en-US" baseline="0" dirty="0"/>
               <a:t>Create various loops</a:t>
             </a:r>
             <a:endParaRPr lang="en-US" dirty="0"/>
@@ -1788,7 +1795,7 @@
               <a:buChar char="•"/>
             </a:pPr>
             <a:r>
-              <a:rPr lang="en-US" sz="1200" kern="1200" dirty="0" smtClean="0">
+              <a:rPr lang="en-US" sz="1200" kern="1200" dirty="0">
                 <a:solidFill>
                   <a:schemeClr val="tx1"/>
                 </a:solidFill>
@@ -1806,7 +1813,7 @@
               <a:buChar char="•"/>
             </a:pPr>
             <a:r>
-              <a:rPr lang="en-US" sz="1200" kern="1200" dirty="0" smtClean="0">
+              <a:rPr lang="en-US" sz="1200" kern="1200" dirty="0">
                 <a:solidFill>
                   <a:schemeClr val="tx1"/>
                 </a:solidFill>
@@ -1824,7 +1831,7 @@
               <a:buChar char="•"/>
             </a:pPr>
             <a:r>
-              <a:rPr lang="en-US" sz="1200" kern="1200" dirty="0" smtClean="0">
+              <a:rPr lang="en-US" sz="1200" kern="1200" dirty="0">
                 <a:solidFill>
                   <a:schemeClr val="tx1"/>
                 </a:solidFill>
@@ -1842,7 +1849,7 @@
               <a:buChar char="•"/>
             </a:pPr>
             <a:r>
-              <a:rPr lang="en-US" sz="1200" kern="1200" dirty="0" smtClean="0">
+              <a:rPr lang="en-US" sz="1200" kern="1200" dirty="0">
                 <a:solidFill>
                   <a:schemeClr val="tx1"/>
                 </a:solidFill>
@@ -1860,7 +1867,7 @@
               <a:buChar char="•"/>
             </a:pPr>
             <a:r>
-              <a:rPr lang="en-US" sz="1200" kern="1200" dirty="0" smtClean="0">
+              <a:rPr lang="en-US" sz="1200" kern="1200" dirty="0">
                 <a:solidFill>
                   <a:schemeClr val="tx1"/>
                 </a:solidFill>
@@ -1877,7 +1884,7 @@
               <a:buFont typeface="Arial" panose="020B0604020202020204" pitchFamily="34" charset="0"/>
               <a:buNone/>
             </a:pPr>
-            <a:endParaRPr lang="en-US" dirty="0" smtClean="0"/>
+            <a:endParaRPr lang="en-US" dirty="0"/>
           </a:p>
           <a:p>
             <a:pPr marL="457200" lvl="1" indent="0">
@@ -1973,11 +1980,11 @@
               <a:buChar char="•"/>
             </a:pPr>
             <a:r>
-              <a:rPr lang="en-US" baseline="0" dirty="0" err="1" smtClean="0"/>
+              <a:rPr lang="en-US" baseline="0" dirty="0" err="1"/>
               <a:t>Javascript</a:t>
             </a:r>
             <a:r>
-              <a:rPr lang="en-US" baseline="0" dirty="0" smtClean="0"/>
+              <a:rPr lang="en-US" baseline="0" dirty="0"/>
               <a:t> is a programming language.</a:t>
             </a:r>
           </a:p>
@@ -1987,7 +1994,7 @@
               <a:buChar char="•"/>
             </a:pPr>
             <a:r>
-              <a:rPr lang="en-US" baseline="0" dirty="0" smtClean="0"/>
+              <a:rPr lang="en-US" baseline="0" dirty="0"/>
               <a:t>It’s not Java and it doesn’t have anything to do with Java.</a:t>
             </a:r>
           </a:p>
@@ -1997,23 +2004,23 @@
               <a:buChar char="•"/>
             </a:pPr>
             <a:r>
-              <a:rPr lang="en-US" baseline="0" dirty="0" smtClean="0"/>
+              <a:rPr lang="en-US" baseline="0" dirty="0"/>
               <a:t>It’s original name was Mocha then </a:t>
             </a:r>
             <a:r>
-              <a:rPr lang="en-US" baseline="0" dirty="0" err="1" smtClean="0"/>
+              <a:rPr lang="en-US" baseline="0" dirty="0" err="1"/>
               <a:t>LiveScript</a:t>
             </a:r>
             <a:r>
-              <a:rPr lang="en-US" baseline="0" dirty="0" smtClean="0"/>
+              <a:rPr lang="en-US" baseline="0" dirty="0"/>
               <a:t> and it was renamed to </a:t>
             </a:r>
             <a:r>
-              <a:rPr lang="en-US" baseline="0" dirty="0" err="1" smtClean="0"/>
+              <a:rPr lang="en-US" baseline="0" dirty="0" err="1"/>
               <a:t>Javascript</a:t>
             </a:r>
             <a:r>
-              <a:rPr lang="en-US" baseline="0" dirty="0" smtClean="0"/>
+              <a:rPr lang="en-US" baseline="0" dirty="0"/>
               <a:t> because Java was so popular at the time.</a:t>
             </a:r>
           </a:p>
@@ -2023,7 +2030,7 @@
               <a:buChar char="•"/>
             </a:pPr>
             <a:r>
-              <a:rPr lang="en-US" baseline="0" dirty="0" smtClean="0"/>
+              <a:rPr lang="en-US" baseline="0" dirty="0"/>
               <a:t>ECMA made it into a standard and each standard is referred to as ECMAScript.</a:t>
             </a:r>
           </a:p>
@@ -2033,11 +2040,11 @@
               <a:buChar char="•"/>
             </a:pPr>
             <a:r>
-              <a:rPr lang="en-US" baseline="0" dirty="0" err="1" smtClean="0"/>
+              <a:rPr lang="en-US" baseline="0" dirty="0" err="1"/>
               <a:t>Javascript</a:t>
             </a:r>
             <a:r>
-              <a:rPr lang="en-US" baseline="0" dirty="0" smtClean="0"/>
+              <a:rPr lang="en-US" baseline="0" dirty="0"/>
               <a:t> was made for client side scripting, but is now being used as a full language.  It is being used as both client and server side coding.</a:t>
             </a:r>
           </a:p>
@@ -2047,15 +2054,15 @@
               <a:buChar char="•"/>
             </a:pPr>
             <a:r>
-              <a:rPr lang="en-US" baseline="0" dirty="0" smtClean="0"/>
+              <a:rPr lang="en-US" baseline="0" dirty="0"/>
               <a:t>The </a:t>
             </a:r>
             <a:r>
-              <a:rPr lang="en-US" baseline="0" dirty="0" err="1" smtClean="0"/>
+              <a:rPr lang="en-US" baseline="0" dirty="0" err="1"/>
               <a:t>Javascript</a:t>
             </a:r>
             <a:r>
-              <a:rPr lang="en-US" baseline="0" dirty="0" smtClean="0"/>
+              <a:rPr lang="en-US" baseline="0" dirty="0"/>
               <a:t> engine or virtual machine turns the code into something that works.</a:t>
             </a:r>
           </a:p>
@@ -2065,7 +2072,7 @@
               <a:buChar char="•"/>
             </a:pPr>
             <a:r>
-              <a:rPr lang="en-US" baseline="0" dirty="0" smtClean="0"/>
+              <a:rPr lang="en-US" baseline="0" dirty="0"/>
               <a:t>Browsers implement this for client side scripting.</a:t>
             </a:r>
           </a:p>
@@ -2075,11 +2082,11 @@
               <a:buChar char="•"/>
             </a:pPr>
             <a:r>
-              <a:rPr lang="en-US" baseline="0" dirty="0" err="1" smtClean="0"/>
+              <a:rPr lang="en-US" baseline="0" dirty="0" err="1"/>
               <a:t>Javascript</a:t>
             </a:r>
             <a:r>
-              <a:rPr lang="en-US" baseline="0" dirty="0" smtClean="0"/>
+              <a:rPr lang="en-US" baseline="0" dirty="0"/>
               <a:t> is a safe programming language as there is nothing for it to interact with the CPU or memory.</a:t>
             </a:r>
           </a:p>
@@ -2089,11 +2096,11 @@
               <a:buChar char="•"/>
             </a:pPr>
             <a:r>
-              <a:rPr lang="en-US" baseline="0" dirty="0" err="1" smtClean="0"/>
+              <a:rPr lang="en-US" baseline="0" dirty="0" err="1"/>
               <a:t>Javascript</a:t>
             </a:r>
             <a:r>
-              <a:rPr lang="en-US" baseline="0" dirty="0" smtClean="0"/>
+              <a:rPr lang="en-US" baseline="0" dirty="0"/>
               <a:t> has objects, but it is not really an object oriented programming language.</a:t>
             </a:r>
           </a:p>
@@ -2103,7 +2110,7 @@
               <a:buChar char="•"/>
             </a:pPr>
             <a:r>
-              <a:rPr lang="en-US" baseline="0" dirty="0" smtClean="0"/>
+              <a:rPr lang="en-US" baseline="0" dirty="0"/>
               <a:t>There is no inheritance or interfaces.</a:t>
             </a:r>
           </a:p>
@@ -2282,7 +2289,7 @@
               <a:buChar char="•"/>
             </a:pPr>
             <a:r>
-              <a:rPr lang="en-US" baseline="0" smtClean="0"/>
+              <a:rPr lang="en-US" baseline="0"/>
               <a:t>Functions perform an action.</a:t>
             </a:r>
           </a:p>
@@ -2292,7 +2299,7 @@
               <a:buChar char="•"/>
             </a:pPr>
             <a:r>
-              <a:rPr lang="en-US" baseline="0" smtClean="0"/>
+              <a:rPr lang="en-US" baseline="0"/>
               <a:t>In Javascript as you saw a function can also be a type.</a:t>
             </a:r>
           </a:p>
@@ -2302,7 +2309,7 @@
               <a:buChar char="•"/>
             </a:pPr>
             <a:r>
-              <a:rPr lang="en-US" baseline="0" smtClean="0"/>
+              <a:rPr lang="en-US" baseline="0"/>
               <a:t>This is similar to a delegate in C#.</a:t>
             </a:r>
           </a:p>
@@ -2312,10 +2319,10 @@
               <a:buChar char="•"/>
             </a:pPr>
             <a:r>
-              <a:rPr lang="en-US" baseline="0" smtClean="0"/>
+              <a:rPr lang="en-US" baseline="0"/>
               <a:t>The example shows a simple square function and how it’s called.</a:t>
             </a:r>
-            <a:endParaRPr lang="en-US" baseline="0" dirty="0" smtClean="0"/>
+            <a:endParaRPr lang="en-US" baseline="0" dirty="0"/>
           </a:p>
         </p:txBody>
       </p:sp>
@@ -2400,11 +2407,11 @@
           <a:lstStyle/>
           <a:p>
             <a:r>
-              <a:rPr lang="en-US" dirty="0" smtClean="0"/>
+              <a:rPr lang="en-US" dirty="0"/>
               <a:t>Let’s go through some</a:t>
             </a:r>
             <a:r>
-              <a:rPr lang="en-US" baseline="0" dirty="0" smtClean="0"/>
+              <a:rPr lang="en-US" baseline="0" dirty="0"/>
               <a:t> more examples.</a:t>
             </a:r>
           </a:p>
@@ -2414,7 +2421,7 @@
               <a:buChar char="•"/>
             </a:pPr>
             <a:r>
-              <a:rPr lang="en-US" baseline="0" dirty="0" smtClean="0"/>
+              <a:rPr lang="en-US" baseline="0" dirty="0"/>
               <a:t>Create basic functions</a:t>
             </a:r>
           </a:p>
@@ -2424,7 +2431,7 @@
               <a:buChar char="•"/>
             </a:pPr>
             <a:r>
-              <a:rPr lang="en-US" baseline="0" dirty="0" smtClean="0"/>
+              <a:rPr lang="en-US" baseline="0" dirty="0"/>
               <a:t>Create functions in functions</a:t>
             </a:r>
           </a:p>
@@ -2434,7 +2441,7 @@
               <a:buChar char="•"/>
             </a:pPr>
             <a:r>
-              <a:rPr lang="en-US" baseline="0" dirty="0" smtClean="0"/>
+              <a:rPr lang="en-US" baseline="0" dirty="0"/>
               <a:t>Create closures</a:t>
             </a:r>
             <a:endParaRPr lang="en-US" dirty="0"/>
@@ -2526,7 +2533,7 @@
               <a:buChar char="•"/>
             </a:pPr>
             <a:r>
-              <a:rPr lang="en-US" sz="1200" kern="1200" dirty="0" smtClean="0">
+              <a:rPr lang="en-US" sz="1200" kern="1200" dirty="0">
                 <a:solidFill>
                   <a:schemeClr val="tx1"/>
                 </a:solidFill>
@@ -2544,7 +2551,7 @@
               <a:buChar char="•"/>
             </a:pPr>
             <a:r>
-              <a:rPr lang="en-US" sz="1200" kern="1200" dirty="0" smtClean="0">
+              <a:rPr lang="en-US" sz="1200" kern="1200" dirty="0">
                 <a:solidFill>
                   <a:schemeClr val="tx1"/>
                 </a:solidFill>
@@ -2561,7 +2568,7 @@
               <a:buFont typeface="Arial" panose="020B0604020202020204" pitchFamily="34" charset="0"/>
               <a:buNone/>
             </a:pPr>
-            <a:endParaRPr lang="en-US" dirty="0" smtClean="0"/>
+            <a:endParaRPr lang="en-US" dirty="0"/>
           </a:p>
           <a:p>
             <a:pPr marL="457200" lvl="1" indent="0">
@@ -2745,15 +2752,15 @@
               <a:buChar char="•"/>
             </a:pPr>
             <a:r>
-              <a:rPr lang="en-US" baseline="0" dirty="0" smtClean="0"/>
+              <a:rPr lang="en-US" baseline="0" dirty="0"/>
               <a:t>Typescript is a preprocessor it is a superset of the </a:t>
             </a:r>
             <a:r>
-              <a:rPr lang="en-US" baseline="0" dirty="0" err="1" smtClean="0"/>
+              <a:rPr lang="en-US" baseline="0" dirty="0" err="1"/>
               <a:t>Javascript</a:t>
             </a:r>
             <a:r>
-              <a:rPr lang="en-US" baseline="0" dirty="0" smtClean="0"/>
+              <a:rPr lang="en-US" baseline="0" dirty="0"/>
               <a:t> language.</a:t>
             </a:r>
           </a:p>
@@ -2763,15 +2770,15 @@
               <a:buChar char="•"/>
             </a:pPr>
             <a:r>
-              <a:rPr lang="en-US" baseline="0" dirty="0" smtClean="0"/>
+              <a:rPr lang="en-US" baseline="0" dirty="0"/>
               <a:t>This means it is a language that uses </a:t>
             </a:r>
             <a:r>
-              <a:rPr lang="en-US" baseline="0" dirty="0" err="1" smtClean="0"/>
+              <a:rPr lang="en-US" baseline="0" dirty="0" err="1"/>
               <a:t>Javascript</a:t>
             </a:r>
             <a:r>
-              <a:rPr lang="en-US" baseline="0" dirty="0" smtClean="0"/>
+              <a:rPr lang="en-US" baseline="0" dirty="0"/>
               <a:t>, but adds to it.</a:t>
             </a:r>
           </a:p>
@@ -2781,31 +2788,31 @@
               <a:buChar char="•"/>
             </a:pPr>
             <a:r>
-              <a:rPr lang="en-US" baseline="0" dirty="0" smtClean="0"/>
+              <a:rPr lang="en-US" baseline="0" dirty="0"/>
               <a:t>Before you run the website the </a:t>
             </a:r>
             <a:r>
-              <a:rPr lang="en-US" baseline="0" dirty="0" err="1" smtClean="0"/>
+              <a:rPr lang="en-US" baseline="0" dirty="0" err="1"/>
               <a:t>TypeScript</a:t>
             </a:r>
             <a:r>
-              <a:rPr lang="en-US" baseline="0" dirty="0" smtClean="0"/>
+              <a:rPr lang="en-US" baseline="0" dirty="0"/>
               <a:t> files are </a:t>
             </a:r>
             <a:r>
-              <a:rPr lang="en-US" baseline="0" dirty="0" err="1" smtClean="0"/>
+              <a:rPr lang="en-US" baseline="0" dirty="0" err="1"/>
               <a:t>transpiled</a:t>
             </a:r>
             <a:r>
-              <a:rPr lang="en-US" baseline="0" dirty="0" smtClean="0"/>
+              <a:rPr lang="en-US" baseline="0" dirty="0"/>
               <a:t> into regular </a:t>
             </a:r>
             <a:r>
-              <a:rPr lang="en-US" baseline="0" dirty="0" err="1" smtClean="0"/>
+              <a:rPr lang="en-US" baseline="0" dirty="0" err="1"/>
               <a:t>Javascript</a:t>
             </a:r>
             <a:r>
-              <a:rPr lang="en-US" baseline="0" dirty="0" smtClean="0"/>
+              <a:rPr lang="en-US" baseline="0" dirty="0"/>
               <a:t>.</a:t>
             </a:r>
           </a:p>
@@ -2815,7 +2822,7 @@
               <a:buChar char="•"/>
             </a:pPr>
             <a:r>
-              <a:rPr lang="en-US" baseline="0" dirty="0" smtClean="0"/>
+              <a:rPr lang="en-US" baseline="0" dirty="0"/>
               <a:t>Typescript is strongly typed and offers support for generics, classes, interfaces, and namespaces.</a:t>
             </a:r>
           </a:p>
@@ -2825,7 +2832,7 @@
               <a:buChar char="•"/>
             </a:pPr>
             <a:r>
-              <a:rPr lang="en-US" baseline="0" dirty="0" smtClean="0"/>
+              <a:rPr lang="en-US" baseline="0" dirty="0"/>
               <a:t>This gives the developer the feel of developing in an object oriented language.</a:t>
             </a:r>
           </a:p>
@@ -2916,15 +2923,15 @@
               <a:buChar char="•"/>
             </a:pPr>
             <a:r>
-              <a:rPr lang="en-US" dirty="0" smtClean="0"/>
+              <a:rPr lang="en-US" dirty="0"/>
               <a:t>These are the types that can be specified in </a:t>
             </a:r>
             <a:r>
-              <a:rPr lang="en-US" dirty="0" err="1" smtClean="0"/>
+              <a:rPr lang="en-US" dirty="0" err="1"/>
               <a:t>TypeScript</a:t>
             </a:r>
             <a:r>
-              <a:rPr lang="en-US" dirty="0" smtClean="0"/>
+              <a:rPr lang="en-US" dirty="0"/>
               <a:t>.</a:t>
             </a:r>
           </a:p>
@@ -2934,19 +2941,19 @@
               <a:buChar char="•"/>
             </a:pPr>
             <a:r>
-              <a:rPr lang="en-US" dirty="0" smtClean="0"/>
+              <a:rPr lang="en-US" dirty="0"/>
               <a:t>They mostly</a:t>
             </a:r>
             <a:r>
-              <a:rPr lang="en-US" baseline="0" dirty="0" smtClean="0"/>
+              <a:rPr lang="en-US" baseline="0" dirty="0"/>
               <a:t> map to the </a:t>
             </a:r>
             <a:r>
-              <a:rPr lang="en-US" baseline="0" dirty="0" err="1" smtClean="0"/>
+              <a:rPr lang="en-US" baseline="0" dirty="0" err="1"/>
               <a:t>Javascript</a:t>
             </a:r>
             <a:r>
-              <a:rPr lang="en-US" baseline="0" dirty="0" smtClean="0"/>
+              <a:rPr lang="en-US" baseline="0" dirty="0"/>
               <a:t> types.</a:t>
             </a:r>
           </a:p>
@@ -2956,7 +2963,7 @@
               <a:buChar char="•"/>
             </a:pPr>
             <a:r>
-              <a:rPr lang="en-US" baseline="0" dirty="0" smtClean="0"/>
+              <a:rPr lang="en-US" baseline="0" dirty="0"/>
               <a:t>You have Number, String, Boolean, Void, Null, and Undefined.</a:t>
             </a:r>
           </a:p>
@@ -2966,7 +2973,7 @@
               <a:buChar char="•"/>
             </a:pPr>
             <a:r>
-              <a:rPr lang="en-US" baseline="0" dirty="0" smtClean="0"/>
+              <a:rPr lang="en-US" baseline="0" dirty="0"/>
               <a:t>Then there are user-defined types.</a:t>
             </a:r>
           </a:p>
@@ -2976,7 +2983,7 @@
               <a:buChar char="•"/>
             </a:pPr>
             <a:r>
-              <a:rPr lang="en-US" baseline="0" dirty="0" smtClean="0"/>
+              <a:rPr lang="en-US" baseline="0" dirty="0"/>
               <a:t>Like in C#, anyone can create user-defined types.</a:t>
             </a:r>
             <a:endParaRPr lang="en-US" dirty="0"/>
@@ -3068,15 +3075,15 @@
               <a:buChar char="•"/>
             </a:pPr>
             <a:r>
-              <a:rPr lang="en-US" baseline="0" dirty="0" smtClean="0"/>
+              <a:rPr lang="en-US" baseline="0" dirty="0"/>
               <a:t>Here is the </a:t>
             </a:r>
             <a:r>
-              <a:rPr lang="en-US" baseline="0" dirty="0" err="1" smtClean="0"/>
+              <a:rPr lang="en-US" baseline="0" dirty="0" err="1"/>
               <a:t>TypeScript</a:t>
             </a:r>
             <a:r>
-              <a:rPr lang="en-US" baseline="0" dirty="0" smtClean="0"/>
+              <a:rPr lang="en-US" baseline="0" dirty="0"/>
               <a:t> syntax.</a:t>
             </a:r>
           </a:p>
@@ -3086,31 +3093,31 @@
               <a:buChar char="•"/>
             </a:pPr>
             <a:r>
-              <a:rPr lang="en-US" baseline="0" dirty="0" smtClean="0"/>
+              <a:rPr lang="en-US" baseline="0" dirty="0"/>
               <a:t>The files are .</a:t>
             </a:r>
             <a:r>
-              <a:rPr lang="en-US" baseline="0" dirty="0" err="1" smtClean="0"/>
+              <a:rPr lang="en-US" baseline="0" dirty="0" err="1"/>
               <a:t>ts</a:t>
             </a:r>
             <a:r>
-              <a:rPr lang="en-US" baseline="0" dirty="0" smtClean="0"/>
+              <a:rPr lang="en-US" baseline="0" dirty="0"/>
               <a:t> files.  These are the ones that get </a:t>
             </a:r>
             <a:r>
-              <a:rPr lang="en-US" baseline="0" dirty="0" err="1" smtClean="0"/>
+              <a:rPr lang="en-US" baseline="0" dirty="0" err="1"/>
               <a:t>transpiled</a:t>
             </a:r>
             <a:r>
-              <a:rPr lang="en-US" baseline="0" dirty="0" smtClean="0"/>
+              <a:rPr lang="en-US" baseline="0" dirty="0"/>
               <a:t> into .</a:t>
             </a:r>
             <a:r>
-              <a:rPr lang="en-US" baseline="0" dirty="0" err="1" smtClean="0"/>
+              <a:rPr lang="en-US" baseline="0" dirty="0" err="1"/>
               <a:t>js</a:t>
             </a:r>
             <a:r>
-              <a:rPr lang="en-US" baseline="0" dirty="0" smtClean="0"/>
+              <a:rPr lang="en-US" baseline="0" dirty="0"/>
               <a:t> files.</a:t>
             </a:r>
           </a:p>
@@ -3120,7 +3127,7 @@
               <a:buChar char="•"/>
             </a:pPr>
             <a:r>
-              <a:rPr lang="en-US" baseline="0" dirty="0" smtClean="0"/>
+              <a:rPr lang="en-US" baseline="0" dirty="0"/>
               <a:t>A variable declaration is done by using let followed by the variable name : variable type = the value.</a:t>
             </a:r>
           </a:p>
@@ -3130,7 +3137,7 @@
               <a:buChar char="•"/>
             </a:pPr>
             <a:r>
-              <a:rPr lang="en-US" baseline="0" dirty="0" smtClean="0"/>
+              <a:rPr lang="en-US" baseline="0" dirty="0"/>
               <a:t>Functions can also use the type as parameters and as a return type.</a:t>
             </a:r>
           </a:p>
@@ -3140,7 +3147,7 @@
               <a:buChar char="•"/>
             </a:pPr>
             <a:r>
-              <a:rPr lang="en-US" baseline="0" dirty="0" smtClean="0"/>
+              <a:rPr lang="en-US" baseline="0" dirty="0"/>
               <a:t>Let’s look at the example.</a:t>
             </a:r>
           </a:p>
@@ -3226,162 +3233,9 @@
           <a:bodyPr/>
           <a:lstStyle/>
           <a:p>
-            <a:r>
-              <a:rPr lang="en-US" dirty="0" smtClean="0"/>
-              <a:t>Let’s go</a:t>
-            </a:r>
-            <a:r>
-              <a:rPr lang="en-US" baseline="0" dirty="0" smtClean="0"/>
-              <a:t> through some examples.</a:t>
-            </a:r>
-          </a:p>
-          <a:p>
-            <a:pPr marL="628650" lvl="1" indent="-171450">
-              <a:buFont typeface="Arial" panose="020B0604020202020204" pitchFamily="34" charset="0"/>
-              <a:buChar char="•"/>
-            </a:pPr>
-            <a:r>
-              <a:rPr lang="en-US" baseline="0" dirty="0" err="1" smtClean="0"/>
-              <a:t>getByElementID</a:t>
-            </a:r>
-            <a:r>
-              <a:rPr lang="en-US" baseline="0" dirty="0" smtClean="0"/>
-              <a:t> example</a:t>
-            </a:r>
-          </a:p>
-          <a:p>
-            <a:pPr marL="628650" lvl="1" indent="-171450">
-              <a:buFont typeface="Arial" panose="020B0604020202020204" pitchFamily="34" charset="0"/>
-              <a:buChar char="•"/>
-            </a:pPr>
-            <a:r>
-              <a:rPr lang="en-US" baseline="0" dirty="0" err="1" smtClean="0"/>
-              <a:t>GetByClassName</a:t>
-            </a:r>
-            <a:r>
-              <a:rPr lang="en-US" baseline="0" dirty="0" smtClean="0"/>
-              <a:t> example</a:t>
-            </a:r>
-          </a:p>
-          <a:p>
-            <a:pPr marL="628650" lvl="1" indent="-171450">
-              <a:buFont typeface="Arial" panose="020B0604020202020204" pitchFamily="34" charset="0"/>
-              <a:buChar char="•"/>
-            </a:pPr>
-            <a:r>
-              <a:rPr lang="en-US" baseline="0" dirty="0" err="1" smtClean="0"/>
-              <a:t>Document.QuerySelectorAll</a:t>
-            </a:r>
-            <a:r>
-              <a:rPr lang="en-US" baseline="0" dirty="0" smtClean="0"/>
-              <a:t> example</a:t>
-            </a:r>
-          </a:p>
-          <a:p>
-            <a:pPr marL="628650" lvl="1" indent="-171450">
-              <a:buFont typeface="Arial" panose="020B0604020202020204" pitchFamily="34" charset="0"/>
-              <a:buChar char="•"/>
-            </a:pPr>
-            <a:r>
-              <a:rPr lang="en-US" baseline="0" dirty="0" smtClean="0"/>
-              <a:t>Inner html update</a:t>
-            </a:r>
-          </a:p>
-          <a:p>
-            <a:pPr marL="628650" lvl="1" indent="-171450">
-              <a:buFont typeface="Arial" panose="020B0604020202020204" pitchFamily="34" charset="0"/>
-              <a:buChar char="•"/>
-            </a:pPr>
-            <a:r>
-              <a:rPr lang="en-US" baseline="0" dirty="0" smtClean="0"/>
-              <a:t>Attribute update</a:t>
-            </a:r>
-          </a:p>
-          <a:p>
-            <a:pPr marL="628650" lvl="1" indent="-171450">
-              <a:buFont typeface="Arial" panose="020B0604020202020204" pitchFamily="34" charset="0"/>
-              <a:buChar char="•"/>
-            </a:pPr>
-            <a:r>
-              <a:rPr lang="en-US" baseline="0" dirty="0" smtClean="0"/>
-              <a:t>Style update</a:t>
-            </a:r>
-          </a:p>
-          <a:p>
-            <a:pPr marL="628650" lvl="1" indent="-171450">
-              <a:buFont typeface="Arial" panose="020B0604020202020204" pitchFamily="34" charset="0"/>
-              <a:buChar char="•"/>
-            </a:pPr>
-            <a:r>
-              <a:rPr lang="en-US" baseline="0" dirty="0" smtClean="0"/>
-              <a:t>Create element</a:t>
-            </a:r>
-          </a:p>
-          <a:p>
-            <a:pPr marL="628650" lvl="1" indent="-171450">
-              <a:buFont typeface="Arial" panose="020B0604020202020204" pitchFamily="34" charset="0"/>
-              <a:buChar char="•"/>
-            </a:pPr>
-            <a:r>
-              <a:rPr lang="en-US" baseline="0" dirty="0" smtClean="0"/>
-              <a:t>Remove child</a:t>
-            </a:r>
-          </a:p>
-          <a:p>
-            <a:pPr marL="628650" lvl="1" indent="-171450">
-              <a:buFont typeface="Arial" panose="020B0604020202020204" pitchFamily="34" charset="0"/>
-              <a:buChar char="•"/>
-            </a:pPr>
-            <a:r>
-              <a:rPr lang="en-US" baseline="0" dirty="0" smtClean="0"/>
-              <a:t>Append child</a:t>
-            </a:r>
-          </a:p>
-          <a:p>
-            <a:pPr marL="628650" lvl="1" indent="-171450">
-              <a:buFont typeface="Arial" panose="020B0604020202020204" pitchFamily="34" charset="0"/>
-              <a:buChar char="•"/>
-            </a:pPr>
-            <a:r>
-              <a:rPr lang="en-US" baseline="0" dirty="0" smtClean="0"/>
-              <a:t>Replace child</a:t>
-            </a:r>
-          </a:p>
-          <a:p>
-            <a:pPr marL="628650" lvl="1" indent="-171450">
-              <a:buFont typeface="Arial" panose="020B0604020202020204" pitchFamily="34" charset="0"/>
-              <a:buChar char="•"/>
-            </a:pPr>
-            <a:r>
-              <a:rPr lang="en-US" baseline="0" dirty="0" smtClean="0"/>
-              <a:t>event</a:t>
-            </a:r>
-          </a:p>
-          <a:p>
-            <a:pPr marL="628650" lvl="1" indent="-171450">
-              <a:buFont typeface="Arial" panose="020B0604020202020204" pitchFamily="34" charset="0"/>
-              <a:buChar char="•"/>
-            </a:pPr>
-            <a:endParaRPr lang="en-US" baseline="0" dirty="0" smtClean="0"/>
-          </a:p>
-          <a:p>
-            <a:pPr marL="628650" lvl="1" indent="-171450">
-              <a:buFont typeface="Arial" panose="020B0604020202020204" pitchFamily="34" charset="0"/>
-              <a:buChar char="•"/>
-            </a:pPr>
-            <a:endParaRPr lang="en-US" baseline="0" dirty="0" smtClean="0"/>
-          </a:p>
-          <a:p>
-            <a:pPr marL="628650" lvl="1" indent="-171450">
-              <a:buFont typeface="Arial" panose="020B0604020202020204" pitchFamily="34" charset="0"/>
-              <a:buChar char="•"/>
-            </a:pPr>
-            <a:endParaRPr lang="en-US" baseline="0" dirty="0" smtClean="0"/>
-          </a:p>
-          <a:p>
-            <a:pPr marL="628650" lvl="1" indent="-171450">
-              <a:buFont typeface="Arial" panose="020B0604020202020204" pitchFamily="34" charset="0"/>
-              <a:buChar char="•"/>
+            <a:pPr marL="457200" lvl="1" indent="0">
+              <a:buFont typeface="Arial" panose="020B0604020202020204" pitchFamily="34" charset="0"/>
+              <a:buNone/>
             </a:pPr>
             <a:endParaRPr lang="en-US" dirty="0"/>
           </a:p>
@@ -3472,7 +3326,7 @@
               <a:buChar char="•"/>
             </a:pPr>
             <a:r>
-              <a:rPr lang="en-US" sz="1200" kern="1200" dirty="0" smtClean="0">
+              <a:rPr lang="en-US" sz="1200" kern="1200" dirty="0">
                 <a:solidFill>
                   <a:schemeClr val="tx1"/>
                 </a:solidFill>
@@ -3490,7 +3344,7 @@
               <a:buChar char="•"/>
             </a:pPr>
             <a:r>
-              <a:rPr lang="en-US" sz="1200" kern="1200" dirty="0" smtClean="0">
+              <a:rPr lang="en-US" sz="1200" kern="1200" dirty="0">
                 <a:solidFill>
                   <a:schemeClr val="tx1"/>
                 </a:solidFill>
@@ -3596,11 +3450,11 @@
               <a:buChar char="•"/>
             </a:pPr>
             <a:r>
-              <a:rPr lang="en-US" baseline="0" dirty="0" err="1" smtClean="0"/>
+              <a:rPr lang="en-US" baseline="0" dirty="0" err="1"/>
               <a:t>Javascript</a:t>
             </a:r>
             <a:r>
-              <a:rPr lang="en-US" baseline="0" dirty="0" smtClean="0"/>
+              <a:rPr lang="en-US" baseline="0" dirty="0"/>
               <a:t> can be written directly in the html page.</a:t>
             </a:r>
           </a:p>
@@ -3610,15 +3464,15 @@
               <a:buChar char="•"/>
             </a:pPr>
             <a:r>
-              <a:rPr lang="en-US" baseline="0" dirty="0" smtClean="0"/>
+              <a:rPr lang="en-US" baseline="0" dirty="0"/>
               <a:t>To do that you can use the script element and put your </a:t>
             </a:r>
             <a:r>
-              <a:rPr lang="en-US" baseline="0" dirty="0" err="1" smtClean="0"/>
+              <a:rPr lang="en-US" baseline="0" dirty="0" err="1"/>
               <a:t>javascript</a:t>
             </a:r>
             <a:r>
-              <a:rPr lang="en-US" baseline="0" dirty="0" smtClean="0"/>
+              <a:rPr lang="en-US" baseline="0" dirty="0"/>
               <a:t> inside of the start and end tags.</a:t>
             </a:r>
           </a:p>
@@ -3628,23 +3482,23 @@
               <a:buChar char="•"/>
             </a:pPr>
             <a:r>
-              <a:rPr lang="en-US" baseline="0" dirty="0" smtClean="0"/>
+              <a:rPr lang="en-US" baseline="0" dirty="0"/>
               <a:t>You can also create a separate </a:t>
             </a:r>
             <a:r>
-              <a:rPr lang="en-US" baseline="0" dirty="0" err="1" smtClean="0"/>
+              <a:rPr lang="en-US" baseline="0" dirty="0" err="1"/>
               <a:t>javascript</a:t>
             </a:r>
             <a:r>
-              <a:rPr lang="en-US" baseline="0" dirty="0" smtClean="0"/>
+              <a:rPr lang="en-US" baseline="0" dirty="0"/>
               <a:t> (.</a:t>
             </a:r>
             <a:r>
-              <a:rPr lang="en-US" baseline="0" dirty="0" err="1" smtClean="0"/>
+              <a:rPr lang="en-US" baseline="0" dirty="0" err="1"/>
               <a:t>js</a:t>
             </a:r>
             <a:r>
-              <a:rPr lang="en-US" baseline="0" dirty="0" smtClean="0"/>
+              <a:rPr lang="en-US" baseline="0" dirty="0"/>
               <a:t>) file.</a:t>
             </a:r>
           </a:p>
@@ -3654,7 +3508,7 @@
               <a:buChar char="•"/>
             </a:pPr>
             <a:r>
-              <a:rPr lang="en-US" baseline="0" dirty="0" smtClean="0"/>
+              <a:rPr lang="en-US" baseline="0" dirty="0"/>
               <a:t>To link to that code use the script tag within the head tag.</a:t>
             </a:r>
           </a:p>
@@ -3664,23 +3518,23 @@
               <a:buChar char="•"/>
             </a:pPr>
             <a:r>
-              <a:rPr lang="en-US" baseline="0" dirty="0" smtClean="0"/>
+              <a:rPr lang="en-US" baseline="0" dirty="0"/>
               <a:t>Specify the </a:t>
             </a:r>
             <a:r>
-              <a:rPr lang="en-US" baseline="0" dirty="0" err="1" smtClean="0"/>
+              <a:rPr lang="en-US" baseline="0" dirty="0" err="1"/>
               <a:t>src</a:t>
             </a:r>
             <a:r>
-              <a:rPr lang="en-US" baseline="0" dirty="0" smtClean="0"/>
+              <a:rPr lang="en-US" baseline="0" dirty="0"/>
               <a:t> attribute as the location of the </a:t>
             </a:r>
             <a:r>
-              <a:rPr lang="en-US" baseline="0" dirty="0" err="1" smtClean="0"/>
+              <a:rPr lang="en-US" baseline="0" dirty="0" err="1"/>
               <a:t>javascript</a:t>
             </a:r>
             <a:r>
-              <a:rPr lang="en-US" baseline="0" dirty="0" smtClean="0"/>
+              <a:rPr lang="en-US" baseline="0" dirty="0"/>
               <a:t> file.</a:t>
             </a:r>
           </a:p>
@@ -3854,340 +3708,64 @@
           <a:bodyPr/>
           <a:lstStyle/>
           <a:p>
-            <a:pPr marL="171450" lvl="0" indent="-171450">
-              <a:buFont typeface="Arial" panose="020B0604020202020204" pitchFamily="34" charset="0"/>
-              <a:buChar char="•"/>
-            </a:pPr>
-            <a:r>
-              <a:rPr lang="en-US" sz="1200" kern="1200" dirty="0" smtClean="0">
-                <a:solidFill>
-                  <a:schemeClr val="tx1"/>
-                </a:solidFill>
-                <a:effectLst/>
-                <a:latin typeface="+mn-lt"/>
-                <a:ea typeface="+mn-ea"/>
-                <a:cs typeface="+mn-cs"/>
-              </a:rPr>
-              <a:t>Write on the board, the html to link to a </a:t>
-            </a:r>
-            <a:r>
-              <a:rPr lang="en-US" sz="1200" kern="1200" dirty="0" err="1" smtClean="0">
-                <a:solidFill>
-                  <a:schemeClr val="tx1"/>
-                </a:solidFill>
-                <a:effectLst/>
-                <a:latin typeface="+mn-lt"/>
-                <a:ea typeface="+mn-ea"/>
-                <a:cs typeface="+mn-cs"/>
-              </a:rPr>
-              <a:t>Javascript</a:t>
-            </a:r>
-            <a:r>
-              <a:rPr lang="en-US" sz="1200" kern="1200" dirty="0" smtClean="0">
-                <a:solidFill>
-                  <a:schemeClr val="tx1"/>
-                </a:solidFill>
-                <a:effectLst/>
-                <a:latin typeface="+mn-lt"/>
-                <a:ea typeface="+mn-ea"/>
-                <a:cs typeface="+mn-cs"/>
-              </a:rPr>
-              <a:t> file name “script.js”</a:t>
-            </a:r>
-          </a:p>
-          <a:p>
-            <a:pPr marL="171450" lvl="0" indent="-171450">
-              <a:buFont typeface="Arial" panose="020B0604020202020204" pitchFamily="34" charset="0"/>
-              <a:buChar char="•"/>
-            </a:pPr>
-            <a:r>
-              <a:rPr lang="en-US" sz="1200" kern="1200" dirty="0" smtClean="0">
-                <a:solidFill>
-                  <a:schemeClr val="tx1"/>
-                </a:solidFill>
-                <a:effectLst/>
-                <a:latin typeface="+mn-lt"/>
-                <a:ea typeface="+mn-ea"/>
-                <a:cs typeface="+mn-cs"/>
-              </a:rPr>
-              <a:t>Write on the board the symbols for a single line comment.</a:t>
-            </a:r>
-          </a:p>
-          <a:p>
-            <a:pPr marL="171450" lvl="0" indent="-171450">
-              <a:buFont typeface="Arial" panose="020B0604020202020204" pitchFamily="34" charset="0"/>
-              <a:buChar char="•"/>
-            </a:pPr>
-            <a:r>
-              <a:rPr lang="en-US" sz="1200" kern="1200" dirty="0" smtClean="0">
-                <a:solidFill>
-                  <a:schemeClr val="tx1"/>
-                </a:solidFill>
-                <a:effectLst/>
-                <a:latin typeface="+mn-lt"/>
-                <a:ea typeface="+mn-ea"/>
-                <a:cs typeface="+mn-cs"/>
-              </a:rPr>
-              <a:t>Write on the board the declaration of a string variable with the value “hello world”</a:t>
-            </a:r>
-          </a:p>
-          <a:p>
-            <a:pPr marL="171450" lvl="0" indent="-171450">
-              <a:buFont typeface="Arial" panose="020B0604020202020204" pitchFamily="34" charset="0"/>
-              <a:buChar char="•"/>
-            </a:pPr>
-            <a:r>
-              <a:rPr lang="en-US" sz="1200" kern="1200" dirty="0" smtClean="0">
-                <a:solidFill>
-                  <a:schemeClr val="tx1"/>
-                </a:solidFill>
-                <a:effectLst/>
-                <a:latin typeface="+mn-lt"/>
-                <a:ea typeface="+mn-ea"/>
-                <a:cs typeface="+mn-cs"/>
-              </a:rPr>
-              <a:t>Write an if statement on the board that checks if a bool variable is true.</a:t>
-            </a:r>
-          </a:p>
-          <a:p>
-            <a:pPr marL="171450" lvl="0" indent="-171450">
-              <a:buFont typeface="Arial" panose="020B0604020202020204" pitchFamily="34" charset="0"/>
-              <a:buChar char="•"/>
-            </a:pPr>
-            <a:r>
-              <a:rPr lang="en-US" sz="1200" kern="1200" dirty="0" smtClean="0">
-                <a:solidFill>
-                  <a:schemeClr val="tx1"/>
-                </a:solidFill>
-                <a:effectLst/>
-                <a:latin typeface="+mn-lt"/>
-                <a:ea typeface="+mn-ea"/>
-                <a:cs typeface="+mn-cs"/>
-              </a:rPr>
-              <a:t>Write an if else statement on the board that checks if a bool variable is true.</a:t>
-            </a:r>
-          </a:p>
-          <a:p>
-            <a:pPr marL="171450" lvl="0" indent="-171450">
-              <a:buFont typeface="Arial" panose="020B0604020202020204" pitchFamily="34" charset="0"/>
-              <a:buChar char="•"/>
-            </a:pPr>
-            <a:r>
-              <a:rPr lang="en-US" sz="1200" kern="1200" dirty="0" smtClean="0">
-                <a:solidFill>
-                  <a:schemeClr val="tx1"/>
-                </a:solidFill>
-                <a:effectLst/>
-                <a:latin typeface="+mn-lt"/>
-                <a:ea typeface="+mn-ea"/>
-                <a:cs typeface="+mn-cs"/>
-              </a:rPr>
-              <a:t>Write a nested if statement on the board that checks two different bool variables.</a:t>
-            </a:r>
-          </a:p>
-          <a:p>
-            <a:pPr marL="171450" lvl="0" indent="-171450">
-              <a:buFont typeface="Arial" panose="020B0604020202020204" pitchFamily="34" charset="0"/>
-              <a:buChar char="•"/>
-            </a:pPr>
-            <a:r>
-              <a:rPr lang="en-US" sz="1200" kern="1200" dirty="0" smtClean="0">
-                <a:solidFill>
-                  <a:schemeClr val="tx1"/>
-                </a:solidFill>
-                <a:effectLst/>
-                <a:latin typeface="+mn-lt"/>
-                <a:ea typeface="+mn-ea"/>
-                <a:cs typeface="+mn-cs"/>
-              </a:rPr>
-              <a:t>Write if, else, else if statements to write to the console the text representation of the numbers 1 to 3.</a:t>
-            </a:r>
-          </a:p>
-          <a:p>
-            <a:pPr marL="171450" lvl="0" indent="-171450">
-              <a:buFont typeface="Arial" panose="020B0604020202020204" pitchFamily="34" charset="0"/>
-              <a:buChar char="•"/>
-            </a:pPr>
-            <a:r>
-              <a:rPr lang="en-US" sz="1200" kern="1200" dirty="0" smtClean="0">
-                <a:solidFill>
-                  <a:schemeClr val="tx1"/>
-                </a:solidFill>
-                <a:effectLst/>
-                <a:latin typeface="+mn-lt"/>
-                <a:ea typeface="+mn-ea"/>
-                <a:cs typeface="+mn-cs"/>
-              </a:rPr>
-              <a:t>Write a switch statement to write to the console the text representation of the numbers 1 to 3.</a:t>
-            </a:r>
-          </a:p>
-          <a:p>
-            <a:pPr marL="171450" lvl="0" indent="-171450">
-              <a:buFont typeface="Arial" panose="020B0604020202020204" pitchFamily="34" charset="0"/>
-              <a:buChar char="•"/>
-            </a:pPr>
-            <a:r>
-              <a:rPr lang="en-US" sz="1200" kern="1200" dirty="0" smtClean="0">
-                <a:solidFill>
-                  <a:schemeClr val="tx1"/>
-                </a:solidFill>
-                <a:effectLst/>
-                <a:latin typeface="+mn-lt"/>
-                <a:ea typeface="+mn-ea"/>
-                <a:cs typeface="+mn-cs"/>
-              </a:rPr>
-              <a:t>Write on the board a declaration of an array and initialize in with the numbers 1 to 3.</a:t>
-            </a:r>
-          </a:p>
-          <a:p>
-            <a:pPr marL="171450" lvl="0" indent="-171450">
-              <a:buFont typeface="Arial" panose="020B0604020202020204" pitchFamily="34" charset="0"/>
-              <a:buChar char="•"/>
-            </a:pPr>
-            <a:r>
-              <a:rPr lang="en-US" sz="1200" kern="1200" dirty="0" smtClean="0">
-                <a:solidFill>
-                  <a:schemeClr val="tx1"/>
-                </a:solidFill>
-                <a:effectLst/>
-                <a:latin typeface="+mn-lt"/>
-                <a:ea typeface="+mn-ea"/>
-                <a:cs typeface="+mn-cs"/>
-              </a:rPr>
-              <a:t>Write a while loop that loops through an integer array 1 to 3 and writes each number to the console.</a:t>
-            </a:r>
-          </a:p>
-          <a:p>
-            <a:pPr marL="171450" lvl="0" indent="-171450">
-              <a:buFont typeface="Arial" panose="020B0604020202020204" pitchFamily="34" charset="0"/>
-              <a:buChar char="•"/>
-            </a:pPr>
-            <a:r>
-              <a:rPr lang="en-US" sz="1200" kern="1200" dirty="0" smtClean="0">
-                <a:solidFill>
-                  <a:schemeClr val="tx1"/>
-                </a:solidFill>
-                <a:effectLst/>
-                <a:latin typeface="+mn-lt"/>
-                <a:ea typeface="+mn-ea"/>
-                <a:cs typeface="+mn-cs"/>
-              </a:rPr>
-              <a:t>Write a do while loop that loops through an integer array 1 to 3 and writes each number to the console.</a:t>
-            </a:r>
-          </a:p>
-          <a:p>
-            <a:pPr marL="171450" lvl="0" indent="-171450">
-              <a:buFont typeface="Arial" panose="020B0604020202020204" pitchFamily="34" charset="0"/>
-              <a:buChar char="•"/>
-            </a:pPr>
-            <a:r>
-              <a:rPr lang="en-US" sz="1200" kern="1200" dirty="0" smtClean="0">
-                <a:solidFill>
-                  <a:schemeClr val="tx1"/>
-                </a:solidFill>
-                <a:effectLst/>
-                <a:latin typeface="+mn-lt"/>
-                <a:ea typeface="+mn-ea"/>
-                <a:cs typeface="+mn-cs"/>
-              </a:rPr>
-              <a:t>Write a for loop that loops through an integer array 1 to 3 and writes each number to the console.</a:t>
-            </a:r>
-          </a:p>
-          <a:p>
-            <a:pPr marL="171450" lvl="0" indent="-171450">
-              <a:buFont typeface="Arial" panose="020B0604020202020204" pitchFamily="34" charset="0"/>
-              <a:buChar char="•"/>
-            </a:pPr>
-            <a:r>
-              <a:rPr lang="en-US" sz="1200" kern="1200" dirty="0" smtClean="0">
-                <a:solidFill>
-                  <a:schemeClr val="tx1"/>
-                </a:solidFill>
-                <a:effectLst/>
-                <a:latin typeface="+mn-lt"/>
-                <a:ea typeface="+mn-ea"/>
-                <a:cs typeface="+mn-cs"/>
-              </a:rPr>
-              <a:t>Write a for in loop that loops through an integer array 1 to 3 and writes each number to the console.</a:t>
-            </a:r>
-          </a:p>
-          <a:p>
-            <a:pPr marL="171450" lvl="0" indent="-171450">
-              <a:buFont typeface="Arial" panose="020B0604020202020204" pitchFamily="34" charset="0"/>
-              <a:buChar char="•"/>
-            </a:pPr>
-            <a:r>
-              <a:rPr lang="en-US" sz="1200" kern="1200" dirty="0" smtClean="0">
-                <a:solidFill>
-                  <a:schemeClr val="tx1"/>
-                </a:solidFill>
-                <a:effectLst/>
-                <a:latin typeface="+mn-lt"/>
-                <a:ea typeface="+mn-ea"/>
-                <a:cs typeface="+mn-cs"/>
-              </a:rPr>
-              <a:t>Write a method definition that does not return anything and takes two integers as parameters.</a:t>
-            </a:r>
-          </a:p>
-          <a:p>
-            <a:pPr marL="171450" lvl="0" indent="-171450">
-              <a:buFont typeface="Arial" panose="020B0604020202020204" pitchFamily="34" charset="0"/>
-              <a:buChar char="•"/>
-            </a:pPr>
-            <a:r>
-              <a:rPr lang="en-US" sz="1200" kern="1200" dirty="0" smtClean="0">
-                <a:solidFill>
-                  <a:schemeClr val="tx1"/>
-                </a:solidFill>
-                <a:effectLst/>
-                <a:latin typeface="+mn-lt"/>
-                <a:ea typeface="+mn-ea"/>
-                <a:cs typeface="+mn-cs"/>
-              </a:rPr>
-              <a:t>Write a method definition that returns a string and takes two integers as parameters.</a:t>
-            </a:r>
-          </a:p>
-          <a:p>
-            <a:pPr marL="171450" lvl="0" indent="-171450">
-              <a:buFont typeface="Arial" panose="020B0604020202020204" pitchFamily="34" charset="0"/>
-              <a:buChar char="•"/>
-            </a:pPr>
-            <a:r>
-              <a:rPr lang="en-US" sz="1200" kern="1200" dirty="0" smtClean="0">
-                <a:solidFill>
-                  <a:schemeClr val="tx1"/>
-                </a:solidFill>
-                <a:effectLst/>
-                <a:latin typeface="+mn-lt"/>
-                <a:ea typeface="+mn-ea"/>
-                <a:cs typeface="+mn-cs"/>
-              </a:rPr>
-              <a:t>Write on the board a class named Car with a variable named miles and a constructor that set miles to 100.</a:t>
-            </a:r>
-          </a:p>
-          <a:p>
-            <a:pPr marL="171450" lvl="0" indent="-171450">
-              <a:buFont typeface="Arial" panose="020B0604020202020204" pitchFamily="34" charset="0"/>
-              <a:buChar char="•"/>
-            </a:pPr>
-            <a:r>
-              <a:rPr lang="en-US" sz="1200" kern="1200" dirty="0" smtClean="0">
-                <a:solidFill>
-                  <a:schemeClr val="tx1"/>
-                </a:solidFill>
-                <a:effectLst/>
-                <a:latin typeface="+mn-lt"/>
-                <a:ea typeface="+mn-ea"/>
-                <a:cs typeface="+mn-cs"/>
-              </a:rPr>
-              <a:t>Write on the board a function that returns a number and is passed a number called Miles.  The function should be named Drive.</a:t>
-            </a:r>
-          </a:p>
-          <a:p>
-            <a:pPr marL="457200" lvl="1" indent="0">
-              <a:buFont typeface="Arial" panose="020B0604020202020204" pitchFamily="34" charset="0"/>
-              <a:buNone/>
-            </a:pPr>
+            <a:pPr marL="171450" indent="-171450">
+              <a:buFont typeface="Arial" panose="020B0604020202020204" pitchFamily="34" charset="0"/>
+              <a:buChar char="•"/>
+            </a:pPr>
+            <a:r>
+              <a:rPr lang="en-US" baseline="0" dirty="0"/>
+              <a:t>The DOM is the document object model.</a:t>
+            </a:r>
+          </a:p>
+          <a:p>
+            <a:pPr marL="171450" indent="-171450">
+              <a:buFont typeface="Arial" panose="020B0604020202020204" pitchFamily="34" charset="0"/>
+              <a:buChar char="•"/>
+            </a:pPr>
+            <a:r>
+              <a:rPr lang="en-US" baseline="0" dirty="0"/>
+              <a:t>The browser creates the model when the page is loaded</a:t>
+            </a:r>
+          </a:p>
+          <a:p>
+            <a:pPr marL="171450" indent="-171450">
+              <a:buFont typeface="Arial" panose="020B0604020202020204" pitchFamily="34" charset="0"/>
+              <a:buChar char="•"/>
+            </a:pPr>
+            <a:r>
+              <a:rPr lang="en-US" baseline="0" dirty="0"/>
+              <a:t>The DOM is specified by the W3C standard</a:t>
+            </a:r>
+          </a:p>
+          <a:p>
+            <a:pPr marL="171450" indent="-171450">
+              <a:buFont typeface="Arial" panose="020B0604020202020204" pitchFamily="34" charset="0"/>
+              <a:buChar char="•"/>
+            </a:pPr>
+            <a:r>
+              <a:rPr lang="en-US" baseline="0" dirty="0"/>
+              <a:t>There is the Core DOM, XML DOM, and HTML DOM</a:t>
+            </a:r>
+          </a:p>
+          <a:p>
+            <a:pPr marL="171450" indent="-171450">
+              <a:buFont typeface="Arial" panose="020B0604020202020204" pitchFamily="34" charset="0"/>
+              <a:buChar char="•"/>
+            </a:pPr>
+            <a:r>
+              <a:rPr lang="en-US" baseline="0" dirty="0"/>
+              <a:t>We will focus on the HTML DOM</a:t>
+            </a:r>
+          </a:p>
+          <a:p>
+            <a:pPr marL="171450" indent="-171450">
+              <a:buFont typeface="Arial" panose="020B0604020202020204" pitchFamily="34" charset="0"/>
+              <a:buChar char="•"/>
+            </a:pPr>
+            <a:r>
+              <a:rPr lang="en-US" baseline="0" dirty="0"/>
+              <a:t>In the DOM every element is an object</a:t>
+            </a:r>
             <a:endParaRPr lang="en-US" dirty="0"/>
           </a:p>
         </p:txBody>
@@ -4207,7 +3785,7 @@
           <a:bodyPr/>
           <a:lstStyle/>
           <a:p>
-            <a:fld id="{226FA58D-4B12-4E7B-A2FA-693CE3EACDFD}" type="slidenum">
+            <a:fld id="{90562276-63C7-43F9-8E9E-CFA137F6F839}" type="slidenum">
               <a:rPr lang="en-US" smtClean="0"/>
               <a:t>31</a:t>
             </a:fld>
@@ -4218,7 +3796,7 @@
     </p:spTree>
     <p:extLst>
       <p:ext uri="{BB962C8B-B14F-4D97-AF65-F5344CB8AC3E}">
-        <p14:creationId xmlns:p14="http://schemas.microsoft.com/office/powerpoint/2010/main" val="2157254006"/>
+        <p14:creationId xmlns:p14="http://schemas.microsoft.com/office/powerpoint/2010/main" val="2703498801"/>
       </p:ext>
     </p:extLst>
   </p:cSld>
@@ -4276,6 +3854,56 @@
               <a:buFont typeface="Arial" panose="020B0604020202020204" pitchFamily="34" charset="0"/>
               <a:buChar char="•"/>
             </a:pPr>
+            <a:r>
+              <a:rPr lang="en-US" baseline="0" dirty="0"/>
+              <a:t>HTML DOM follows HTML nesting.</a:t>
+            </a:r>
+          </a:p>
+          <a:p>
+            <a:pPr marL="171450" indent="-171450">
+              <a:buFont typeface="Arial" panose="020B0604020202020204" pitchFamily="34" charset="0"/>
+              <a:buChar char="•"/>
+            </a:pPr>
+            <a:r>
+              <a:rPr lang="en-US" baseline="0" dirty="0"/>
+              <a:t>Everything starts with the Document</a:t>
+            </a:r>
+          </a:p>
+          <a:p>
+            <a:pPr marL="171450" indent="-171450">
+              <a:buFont typeface="Arial" panose="020B0604020202020204" pitchFamily="34" charset="0"/>
+              <a:buChar char="•"/>
+            </a:pPr>
+            <a:r>
+              <a:rPr lang="en-US" baseline="0" dirty="0"/>
+              <a:t>The html element is inside of the document</a:t>
+            </a:r>
+          </a:p>
+          <a:p>
+            <a:pPr marL="171450" indent="-171450">
+              <a:buFont typeface="Arial" panose="020B0604020202020204" pitchFamily="34" charset="0"/>
+              <a:buChar char="•"/>
+            </a:pPr>
+            <a:r>
+              <a:rPr lang="en-US" baseline="0" dirty="0"/>
+              <a:t>The body is inside the html element</a:t>
+            </a:r>
+          </a:p>
+          <a:p>
+            <a:pPr marL="171450" indent="-171450">
+              <a:buFont typeface="Arial" panose="020B0604020202020204" pitchFamily="34" charset="0"/>
+              <a:buChar char="•"/>
+            </a:pPr>
+            <a:r>
+              <a:rPr lang="en-US" baseline="0" dirty="0"/>
+              <a:t>From there elements own other elements based upon the nesting in the html of the page</a:t>
+            </a:r>
+          </a:p>
+          <a:p>
+            <a:pPr marL="0" indent="0">
+              <a:buFont typeface="Arial" panose="020B0604020202020204" pitchFamily="34" charset="0"/>
+              <a:buNone/>
+            </a:pPr>
             <a:endParaRPr lang="en-US" dirty="0"/>
           </a:p>
         </p:txBody>
@@ -4295,7 +3923,7 @@
           <a:bodyPr/>
           <a:lstStyle/>
           <a:p>
-            <a:fld id="{226FA58D-4B12-4E7B-A2FA-693CE3EACDFD}" type="slidenum">
+            <a:fld id="{90562276-63C7-43F9-8E9E-CFA137F6F839}" type="slidenum">
               <a:rPr lang="en-US" smtClean="0"/>
               <a:t>32</a:t>
             </a:fld>
@@ -4306,7 +3934,1106 @@
     </p:spTree>
     <p:extLst>
       <p:ext uri="{BB962C8B-B14F-4D97-AF65-F5344CB8AC3E}">
-        <p14:creationId xmlns:p14="http://schemas.microsoft.com/office/powerpoint/2010/main" val="2286655880"/>
+        <p14:creationId xmlns:p14="http://schemas.microsoft.com/office/powerpoint/2010/main" val="2701714796"/>
+      </p:ext>
+    </p:extLst>
+  </p:cSld>
+  <p:clrMapOvr>
+    <a:masterClrMapping/>
+  </p:clrMapOvr>
+</p:notes>
+</file>
+
+<file path=ppt/notesSlides/notesSlide33.xml><?xml version="1.0" encoding="utf-8"?>
+<p:notes xmlns:a="http://schemas.openxmlformats.org/drawingml/2006/main" xmlns:r="http://schemas.openxmlformats.org/officeDocument/2006/relationships" xmlns:p="http://schemas.openxmlformats.org/presentationml/2006/main">
+  <p:cSld>
+    <p:spTree>
+      <p:nvGrpSpPr>
+        <p:cNvPr id="1" name=""/>
+        <p:cNvGrpSpPr/>
+        <p:nvPr/>
+      </p:nvGrpSpPr>
+      <p:grpSpPr>
+        <a:xfrm>
+          <a:off x="0" y="0"/>
+          <a:ext cx="0" cy="0"/>
+          <a:chOff x="0" y="0"/>
+          <a:chExt cx="0" cy="0"/>
+        </a:xfrm>
+      </p:grpSpPr>
+      <p:sp>
+        <p:nvSpPr>
+          <p:cNvPr id="2" name="Slide Image Placeholder 1"/>
+          <p:cNvSpPr>
+            <a:spLocks noGrp="1" noRot="1" noChangeAspect="1"/>
+          </p:cNvSpPr>
+          <p:nvPr>
+            <p:ph type="sldImg"/>
+          </p:nvPr>
+        </p:nvSpPr>
+        <p:spPr/>
+      </p:sp>
+      <p:sp>
+        <p:nvSpPr>
+          <p:cNvPr id="3" name="Notes Placeholder 2"/>
+          <p:cNvSpPr>
+            <a:spLocks noGrp="1"/>
+          </p:cNvSpPr>
+          <p:nvPr>
+            <p:ph type="body" idx="1"/>
+          </p:nvPr>
+        </p:nvSpPr>
+        <p:spPr/>
+        <p:txBody>
+          <a:bodyPr/>
+          <a:lstStyle/>
+          <a:p>
+            <a:pPr marL="0" indent="0">
+              <a:buFont typeface="Arial" panose="020B0604020202020204" pitchFamily="34" charset="0"/>
+              <a:buNone/>
+            </a:pPr>
+            <a:endParaRPr lang="en-US" dirty="0"/>
+          </a:p>
+        </p:txBody>
+      </p:sp>
+      <p:sp>
+        <p:nvSpPr>
+          <p:cNvPr id="4" name="Slide Number Placeholder 3"/>
+          <p:cNvSpPr>
+            <a:spLocks noGrp="1"/>
+          </p:cNvSpPr>
+          <p:nvPr>
+            <p:ph type="sldNum" sz="quarter" idx="10"/>
+          </p:nvPr>
+        </p:nvSpPr>
+        <p:spPr/>
+        <p:txBody>
+          <a:bodyPr/>
+          <a:lstStyle/>
+          <a:p>
+            <a:fld id="{90562276-63C7-43F9-8E9E-CFA137F6F839}" type="slidenum">
+              <a:rPr lang="en-US" smtClean="0"/>
+              <a:t>33</a:t>
+            </a:fld>
+            <a:endParaRPr lang="en-US"/>
+          </a:p>
+        </p:txBody>
+      </p:sp>
+    </p:spTree>
+    <p:extLst>
+      <p:ext uri="{BB962C8B-B14F-4D97-AF65-F5344CB8AC3E}">
+        <p14:creationId xmlns:p14="http://schemas.microsoft.com/office/powerpoint/2010/main" val="2552791641"/>
+      </p:ext>
+    </p:extLst>
+  </p:cSld>
+  <p:clrMapOvr>
+    <a:masterClrMapping/>
+  </p:clrMapOvr>
+</p:notes>
+</file>
+
+<file path=ppt/notesSlides/notesSlide34.xml><?xml version="1.0" encoding="utf-8"?>
+<p:notes xmlns:a="http://schemas.openxmlformats.org/drawingml/2006/main" xmlns:r="http://schemas.openxmlformats.org/officeDocument/2006/relationships" xmlns:p="http://schemas.openxmlformats.org/presentationml/2006/main">
+  <p:cSld>
+    <p:spTree>
+      <p:nvGrpSpPr>
+        <p:cNvPr id="1" name=""/>
+        <p:cNvGrpSpPr/>
+        <p:nvPr/>
+      </p:nvGrpSpPr>
+      <p:grpSpPr>
+        <a:xfrm>
+          <a:off x="0" y="0"/>
+          <a:ext cx="0" cy="0"/>
+          <a:chOff x="0" y="0"/>
+          <a:chExt cx="0" cy="0"/>
+        </a:xfrm>
+      </p:grpSpPr>
+      <p:sp>
+        <p:nvSpPr>
+          <p:cNvPr id="2" name="Slide Image Placeholder 1"/>
+          <p:cNvSpPr>
+            <a:spLocks noGrp="1" noRot="1" noChangeAspect="1"/>
+          </p:cNvSpPr>
+          <p:nvPr>
+            <p:ph type="sldImg"/>
+          </p:nvPr>
+        </p:nvSpPr>
+        <p:spPr/>
+      </p:sp>
+      <p:sp>
+        <p:nvSpPr>
+          <p:cNvPr id="3" name="Notes Placeholder 2"/>
+          <p:cNvSpPr>
+            <a:spLocks noGrp="1"/>
+          </p:cNvSpPr>
+          <p:nvPr>
+            <p:ph type="body" idx="1"/>
+          </p:nvPr>
+        </p:nvSpPr>
+        <p:spPr/>
+        <p:txBody>
+          <a:bodyPr/>
+          <a:lstStyle/>
+          <a:p>
+            <a:pPr marL="0" indent="0">
+              <a:buFont typeface="Arial" panose="020B0604020202020204" pitchFamily="34" charset="0"/>
+              <a:buNone/>
+            </a:pPr>
+            <a:endParaRPr lang="en-US" dirty="0"/>
+          </a:p>
+        </p:txBody>
+      </p:sp>
+      <p:sp>
+        <p:nvSpPr>
+          <p:cNvPr id="4" name="Slide Number Placeholder 3"/>
+          <p:cNvSpPr>
+            <a:spLocks noGrp="1"/>
+          </p:cNvSpPr>
+          <p:nvPr>
+            <p:ph type="sldNum" sz="quarter" idx="10"/>
+          </p:nvPr>
+        </p:nvSpPr>
+        <p:spPr/>
+        <p:txBody>
+          <a:bodyPr/>
+          <a:lstStyle/>
+          <a:p>
+            <a:fld id="{90562276-63C7-43F9-8E9E-CFA137F6F839}" type="slidenum">
+              <a:rPr lang="en-US" smtClean="0"/>
+              <a:t>34</a:t>
+            </a:fld>
+            <a:endParaRPr lang="en-US"/>
+          </a:p>
+        </p:txBody>
+      </p:sp>
+    </p:spTree>
+    <p:extLst>
+      <p:ext uri="{BB962C8B-B14F-4D97-AF65-F5344CB8AC3E}">
+        <p14:creationId xmlns:p14="http://schemas.microsoft.com/office/powerpoint/2010/main" val="3502910842"/>
+      </p:ext>
+    </p:extLst>
+  </p:cSld>
+  <p:clrMapOvr>
+    <a:masterClrMapping/>
+  </p:clrMapOvr>
+</p:notes>
+</file>
+
+<file path=ppt/notesSlides/notesSlide35.xml><?xml version="1.0" encoding="utf-8"?>
+<p:notes xmlns:a="http://schemas.openxmlformats.org/drawingml/2006/main" xmlns:r="http://schemas.openxmlformats.org/officeDocument/2006/relationships" xmlns:p="http://schemas.openxmlformats.org/presentationml/2006/main">
+  <p:cSld>
+    <p:spTree>
+      <p:nvGrpSpPr>
+        <p:cNvPr id="1" name=""/>
+        <p:cNvGrpSpPr/>
+        <p:nvPr/>
+      </p:nvGrpSpPr>
+      <p:grpSpPr>
+        <a:xfrm>
+          <a:off x="0" y="0"/>
+          <a:ext cx="0" cy="0"/>
+          <a:chOff x="0" y="0"/>
+          <a:chExt cx="0" cy="0"/>
+        </a:xfrm>
+      </p:grpSpPr>
+      <p:sp>
+        <p:nvSpPr>
+          <p:cNvPr id="2" name="Slide Image Placeholder 1"/>
+          <p:cNvSpPr>
+            <a:spLocks noGrp="1" noRot="1" noChangeAspect="1"/>
+          </p:cNvSpPr>
+          <p:nvPr>
+            <p:ph type="sldImg"/>
+          </p:nvPr>
+        </p:nvSpPr>
+        <p:spPr/>
+      </p:sp>
+      <p:sp>
+        <p:nvSpPr>
+          <p:cNvPr id="3" name="Notes Placeholder 2"/>
+          <p:cNvSpPr>
+            <a:spLocks noGrp="1"/>
+          </p:cNvSpPr>
+          <p:nvPr>
+            <p:ph type="body" idx="1"/>
+          </p:nvPr>
+        </p:nvSpPr>
+        <p:spPr/>
+        <p:txBody>
+          <a:bodyPr/>
+          <a:lstStyle/>
+          <a:p>
+            <a:pPr marL="0" indent="0">
+              <a:buFont typeface="Arial" panose="020B0604020202020204" pitchFamily="34" charset="0"/>
+              <a:buNone/>
+            </a:pPr>
+            <a:endParaRPr lang="en-US" dirty="0"/>
+          </a:p>
+        </p:txBody>
+      </p:sp>
+      <p:sp>
+        <p:nvSpPr>
+          <p:cNvPr id="4" name="Slide Number Placeholder 3"/>
+          <p:cNvSpPr>
+            <a:spLocks noGrp="1"/>
+          </p:cNvSpPr>
+          <p:nvPr>
+            <p:ph type="sldNum" sz="quarter" idx="10"/>
+          </p:nvPr>
+        </p:nvSpPr>
+        <p:spPr/>
+        <p:txBody>
+          <a:bodyPr/>
+          <a:lstStyle/>
+          <a:p>
+            <a:fld id="{90562276-63C7-43F9-8E9E-CFA137F6F839}" type="slidenum">
+              <a:rPr lang="en-US" smtClean="0"/>
+              <a:t>35</a:t>
+            </a:fld>
+            <a:endParaRPr lang="en-US"/>
+          </a:p>
+        </p:txBody>
+      </p:sp>
+    </p:spTree>
+    <p:extLst>
+      <p:ext uri="{BB962C8B-B14F-4D97-AF65-F5344CB8AC3E}">
+        <p14:creationId xmlns:p14="http://schemas.microsoft.com/office/powerpoint/2010/main" val="3644585631"/>
+      </p:ext>
+    </p:extLst>
+  </p:cSld>
+  <p:clrMapOvr>
+    <a:masterClrMapping/>
+  </p:clrMapOvr>
+</p:notes>
+</file>
+
+<file path=ppt/notesSlides/notesSlide36.xml><?xml version="1.0" encoding="utf-8"?>
+<p:notes xmlns:a="http://schemas.openxmlformats.org/drawingml/2006/main" xmlns:r="http://schemas.openxmlformats.org/officeDocument/2006/relationships" xmlns:p="http://schemas.openxmlformats.org/presentationml/2006/main">
+  <p:cSld>
+    <p:spTree>
+      <p:nvGrpSpPr>
+        <p:cNvPr id="1" name=""/>
+        <p:cNvGrpSpPr/>
+        <p:nvPr/>
+      </p:nvGrpSpPr>
+      <p:grpSpPr>
+        <a:xfrm>
+          <a:off x="0" y="0"/>
+          <a:ext cx="0" cy="0"/>
+          <a:chOff x="0" y="0"/>
+          <a:chExt cx="0" cy="0"/>
+        </a:xfrm>
+      </p:grpSpPr>
+      <p:sp>
+        <p:nvSpPr>
+          <p:cNvPr id="2" name="Slide Image Placeholder 1"/>
+          <p:cNvSpPr>
+            <a:spLocks noGrp="1" noRot="1" noChangeAspect="1"/>
+          </p:cNvSpPr>
+          <p:nvPr>
+            <p:ph type="sldImg"/>
+          </p:nvPr>
+        </p:nvSpPr>
+        <p:spPr/>
+      </p:sp>
+      <p:sp>
+        <p:nvSpPr>
+          <p:cNvPr id="3" name="Notes Placeholder 2"/>
+          <p:cNvSpPr>
+            <a:spLocks noGrp="1"/>
+          </p:cNvSpPr>
+          <p:nvPr>
+            <p:ph type="body" idx="1"/>
+          </p:nvPr>
+        </p:nvSpPr>
+        <p:spPr/>
+        <p:txBody>
+          <a:bodyPr/>
+          <a:lstStyle/>
+          <a:p>
+            <a:pPr marL="0" indent="0">
+              <a:buFont typeface="Arial" panose="020B0604020202020204" pitchFamily="34" charset="0"/>
+              <a:buNone/>
+            </a:pPr>
+            <a:endParaRPr lang="en-US" dirty="0"/>
+          </a:p>
+        </p:txBody>
+      </p:sp>
+      <p:sp>
+        <p:nvSpPr>
+          <p:cNvPr id="4" name="Slide Number Placeholder 3"/>
+          <p:cNvSpPr>
+            <a:spLocks noGrp="1"/>
+          </p:cNvSpPr>
+          <p:nvPr>
+            <p:ph type="sldNum" sz="quarter" idx="10"/>
+          </p:nvPr>
+        </p:nvSpPr>
+        <p:spPr/>
+        <p:txBody>
+          <a:bodyPr/>
+          <a:lstStyle/>
+          <a:p>
+            <a:fld id="{90562276-63C7-43F9-8E9E-CFA137F6F839}" type="slidenum">
+              <a:rPr lang="en-US" smtClean="0"/>
+              <a:t>36</a:t>
+            </a:fld>
+            <a:endParaRPr lang="en-US"/>
+          </a:p>
+        </p:txBody>
+      </p:sp>
+    </p:spTree>
+    <p:extLst>
+      <p:ext uri="{BB962C8B-B14F-4D97-AF65-F5344CB8AC3E}">
+        <p14:creationId xmlns:p14="http://schemas.microsoft.com/office/powerpoint/2010/main" val="3131275054"/>
+      </p:ext>
+    </p:extLst>
+  </p:cSld>
+  <p:clrMapOvr>
+    <a:masterClrMapping/>
+  </p:clrMapOvr>
+</p:notes>
+</file>
+
+<file path=ppt/notesSlides/notesSlide37.xml><?xml version="1.0" encoding="utf-8"?>
+<p:notes xmlns:a="http://schemas.openxmlformats.org/drawingml/2006/main" xmlns:r="http://schemas.openxmlformats.org/officeDocument/2006/relationships" xmlns:p="http://schemas.openxmlformats.org/presentationml/2006/main">
+  <p:cSld>
+    <p:spTree>
+      <p:nvGrpSpPr>
+        <p:cNvPr id="1" name=""/>
+        <p:cNvGrpSpPr/>
+        <p:nvPr/>
+      </p:nvGrpSpPr>
+      <p:grpSpPr>
+        <a:xfrm>
+          <a:off x="0" y="0"/>
+          <a:ext cx="0" cy="0"/>
+          <a:chOff x="0" y="0"/>
+          <a:chExt cx="0" cy="0"/>
+        </a:xfrm>
+      </p:grpSpPr>
+      <p:sp>
+        <p:nvSpPr>
+          <p:cNvPr id="2" name="Slide Image Placeholder 1"/>
+          <p:cNvSpPr>
+            <a:spLocks noGrp="1" noRot="1" noChangeAspect="1"/>
+          </p:cNvSpPr>
+          <p:nvPr>
+            <p:ph type="sldImg"/>
+          </p:nvPr>
+        </p:nvSpPr>
+        <p:spPr/>
+      </p:sp>
+      <p:sp>
+        <p:nvSpPr>
+          <p:cNvPr id="3" name="Notes Placeholder 2"/>
+          <p:cNvSpPr>
+            <a:spLocks noGrp="1"/>
+          </p:cNvSpPr>
+          <p:nvPr>
+            <p:ph type="body" idx="1"/>
+          </p:nvPr>
+        </p:nvSpPr>
+        <p:spPr/>
+        <p:txBody>
+          <a:bodyPr/>
+          <a:lstStyle/>
+          <a:p>
+            <a:r>
+              <a:rPr lang="en-US" dirty="0"/>
+              <a:t>Let’s go</a:t>
+            </a:r>
+            <a:r>
+              <a:rPr lang="en-US" baseline="0" dirty="0"/>
+              <a:t> through some examples.</a:t>
+            </a:r>
+          </a:p>
+          <a:p>
+            <a:pPr marL="628650" lvl="1" indent="-171450">
+              <a:buFont typeface="Arial" panose="020B0604020202020204" pitchFamily="34" charset="0"/>
+              <a:buChar char="•"/>
+            </a:pPr>
+            <a:r>
+              <a:rPr lang="en-US" baseline="0" dirty="0" err="1"/>
+              <a:t>getByElementID</a:t>
+            </a:r>
+            <a:r>
+              <a:rPr lang="en-US" baseline="0" dirty="0"/>
+              <a:t> example</a:t>
+            </a:r>
+          </a:p>
+          <a:p>
+            <a:pPr marL="628650" lvl="1" indent="-171450">
+              <a:buFont typeface="Arial" panose="020B0604020202020204" pitchFamily="34" charset="0"/>
+              <a:buChar char="•"/>
+            </a:pPr>
+            <a:r>
+              <a:rPr lang="en-US" baseline="0" dirty="0" err="1"/>
+              <a:t>GetByClassName</a:t>
+            </a:r>
+            <a:r>
+              <a:rPr lang="en-US" baseline="0" dirty="0"/>
+              <a:t> example</a:t>
+            </a:r>
+          </a:p>
+          <a:p>
+            <a:pPr marL="628650" lvl="1" indent="-171450">
+              <a:buFont typeface="Arial" panose="020B0604020202020204" pitchFamily="34" charset="0"/>
+              <a:buChar char="•"/>
+            </a:pPr>
+            <a:r>
+              <a:rPr lang="en-US" baseline="0" dirty="0" err="1"/>
+              <a:t>Document.QuerySelectorAll</a:t>
+            </a:r>
+            <a:r>
+              <a:rPr lang="en-US" baseline="0" dirty="0"/>
+              <a:t> example</a:t>
+            </a:r>
+          </a:p>
+          <a:p>
+            <a:pPr marL="628650" lvl="1" indent="-171450">
+              <a:buFont typeface="Arial" panose="020B0604020202020204" pitchFamily="34" charset="0"/>
+              <a:buChar char="•"/>
+            </a:pPr>
+            <a:r>
+              <a:rPr lang="en-US" baseline="0" dirty="0"/>
+              <a:t>Inner html update</a:t>
+            </a:r>
+          </a:p>
+          <a:p>
+            <a:pPr marL="628650" lvl="1" indent="-171450">
+              <a:buFont typeface="Arial" panose="020B0604020202020204" pitchFamily="34" charset="0"/>
+              <a:buChar char="•"/>
+            </a:pPr>
+            <a:r>
+              <a:rPr lang="en-US" baseline="0" dirty="0"/>
+              <a:t>Attribute update</a:t>
+            </a:r>
+          </a:p>
+          <a:p>
+            <a:pPr marL="628650" lvl="1" indent="-171450">
+              <a:buFont typeface="Arial" panose="020B0604020202020204" pitchFamily="34" charset="0"/>
+              <a:buChar char="•"/>
+            </a:pPr>
+            <a:r>
+              <a:rPr lang="en-US" baseline="0" dirty="0"/>
+              <a:t>Style update</a:t>
+            </a:r>
+          </a:p>
+          <a:p>
+            <a:pPr marL="628650" lvl="1" indent="-171450">
+              <a:buFont typeface="Arial" panose="020B0604020202020204" pitchFamily="34" charset="0"/>
+              <a:buChar char="•"/>
+            </a:pPr>
+            <a:r>
+              <a:rPr lang="en-US" baseline="0" dirty="0"/>
+              <a:t>Create element</a:t>
+            </a:r>
+          </a:p>
+          <a:p>
+            <a:pPr marL="628650" lvl="1" indent="-171450">
+              <a:buFont typeface="Arial" panose="020B0604020202020204" pitchFamily="34" charset="0"/>
+              <a:buChar char="•"/>
+            </a:pPr>
+            <a:r>
+              <a:rPr lang="en-US" baseline="0" dirty="0"/>
+              <a:t>Remove child</a:t>
+            </a:r>
+          </a:p>
+          <a:p>
+            <a:pPr marL="628650" lvl="1" indent="-171450">
+              <a:buFont typeface="Arial" panose="020B0604020202020204" pitchFamily="34" charset="0"/>
+              <a:buChar char="•"/>
+            </a:pPr>
+            <a:r>
+              <a:rPr lang="en-US" baseline="0" dirty="0"/>
+              <a:t>Append child</a:t>
+            </a:r>
+          </a:p>
+          <a:p>
+            <a:pPr marL="628650" lvl="1" indent="-171450">
+              <a:buFont typeface="Arial" panose="020B0604020202020204" pitchFamily="34" charset="0"/>
+              <a:buChar char="•"/>
+            </a:pPr>
+            <a:r>
+              <a:rPr lang="en-US" baseline="0" dirty="0"/>
+              <a:t>Replace child</a:t>
+            </a:r>
+          </a:p>
+          <a:p>
+            <a:pPr marL="628650" lvl="1" indent="-171450">
+              <a:buFont typeface="Arial" panose="020B0604020202020204" pitchFamily="34" charset="0"/>
+              <a:buChar char="•"/>
+            </a:pPr>
+            <a:r>
+              <a:rPr lang="en-US" baseline="0" dirty="0"/>
+              <a:t>event</a:t>
+            </a:r>
+          </a:p>
+          <a:p>
+            <a:pPr marL="628650" lvl="1" indent="-171450">
+              <a:buFont typeface="Arial" panose="020B0604020202020204" pitchFamily="34" charset="0"/>
+              <a:buChar char="•"/>
+            </a:pPr>
+            <a:endParaRPr lang="en-US" baseline="0" dirty="0"/>
+          </a:p>
+          <a:p>
+            <a:pPr marL="628650" lvl="1" indent="-171450">
+              <a:buFont typeface="Arial" panose="020B0604020202020204" pitchFamily="34" charset="0"/>
+              <a:buChar char="•"/>
+            </a:pPr>
+            <a:endParaRPr lang="en-US" baseline="0" dirty="0"/>
+          </a:p>
+          <a:p>
+            <a:pPr marL="628650" lvl="1" indent="-171450">
+              <a:buFont typeface="Arial" panose="020B0604020202020204" pitchFamily="34" charset="0"/>
+              <a:buChar char="•"/>
+            </a:pPr>
+            <a:endParaRPr lang="en-US" baseline="0" dirty="0"/>
+          </a:p>
+          <a:p>
+            <a:pPr marL="628650" lvl="1" indent="-171450">
+              <a:buFont typeface="Arial" panose="020B0604020202020204" pitchFamily="34" charset="0"/>
+              <a:buChar char="•"/>
+            </a:pPr>
+            <a:endParaRPr lang="en-US" dirty="0"/>
+          </a:p>
+        </p:txBody>
+      </p:sp>
+      <p:sp>
+        <p:nvSpPr>
+          <p:cNvPr id="4" name="Slide Number Placeholder 3"/>
+          <p:cNvSpPr>
+            <a:spLocks noGrp="1"/>
+          </p:cNvSpPr>
+          <p:nvPr>
+            <p:ph type="sldNum" sz="quarter" idx="10"/>
+          </p:nvPr>
+        </p:nvSpPr>
+        <p:spPr/>
+        <p:txBody>
+          <a:bodyPr/>
+          <a:lstStyle/>
+          <a:p>
+            <a:fld id="{E4704519-48BF-4605-AA23-905137934897}" type="slidenum">
+              <a:rPr lang="en-US" smtClean="0"/>
+              <a:t>37</a:t>
+            </a:fld>
+            <a:endParaRPr lang="en-US"/>
+          </a:p>
+        </p:txBody>
+      </p:sp>
+    </p:spTree>
+    <p:extLst>
+      <p:ext uri="{BB962C8B-B14F-4D97-AF65-F5344CB8AC3E}">
+        <p14:creationId xmlns:p14="http://schemas.microsoft.com/office/powerpoint/2010/main" val="3876466376"/>
+      </p:ext>
+    </p:extLst>
+  </p:cSld>
+  <p:clrMapOvr>
+    <a:masterClrMapping/>
+  </p:clrMapOvr>
+</p:notes>
+</file>
+
+<file path=ppt/notesSlides/notesSlide38.xml><?xml version="1.0" encoding="utf-8"?>
+<p:notes xmlns:a="http://schemas.openxmlformats.org/drawingml/2006/main" xmlns:r="http://schemas.openxmlformats.org/officeDocument/2006/relationships" xmlns:p="http://schemas.openxmlformats.org/presentationml/2006/main">
+  <p:cSld>
+    <p:spTree>
+      <p:nvGrpSpPr>
+        <p:cNvPr id="1" name=""/>
+        <p:cNvGrpSpPr/>
+        <p:nvPr/>
+      </p:nvGrpSpPr>
+      <p:grpSpPr>
+        <a:xfrm>
+          <a:off x="0" y="0"/>
+          <a:ext cx="0" cy="0"/>
+          <a:chOff x="0" y="0"/>
+          <a:chExt cx="0" cy="0"/>
+        </a:xfrm>
+      </p:grpSpPr>
+      <p:sp>
+        <p:nvSpPr>
+          <p:cNvPr id="2" name="Slide Image Placeholder 1"/>
+          <p:cNvSpPr>
+            <a:spLocks noGrp="1" noRot="1" noChangeAspect="1"/>
+          </p:cNvSpPr>
+          <p:nvPr>
+            <p:ph type="sldImg"/>
+          </p:nvPr>
+        </p:nvSpPr>
+        <p:spPr/>
+      </p:sp>
+      <p:sp>
+        <p:nvSpPr>
+          <p:cNvPr id="3" name="Notes Placeholder 2"/>
+          <p:cNvSpPr>
+            <a:spLocks noGrp="1"/>
+          </p:cNvSpPr>
+          <p:nvPr>
+            <p:ph type="body" idx="1"/>
+          </p:nvPr>
+        </p:nvSpPr>
+        <p:spPr/>
+        <p:txBody>
+          <a:bodyPr/>
+          <a:lstStyle/>
+          <a:p>
+            <a:pPr marL="171450" indent="-171450">
+              <a:buFont typeface="Arial" panose="020B0604020202020204" pitchFamily="34" charset="0"/>
+              <a:buChar char="•"/>
+            </a:pPr>
+            <a:endParaRPr lang="en-US" dirty="0"/>
+          </a:p>
+        </p:txBody>
+      </p:sp>
+      <p:sp>
+        <p:nvSpPr>
+          <p:cNvPr id="4" name="Slide Number Placeholder 3"/>
+          <p:cNvSpPr>
+            <a:spLocks noGrp="1"/>
+          </p:cNvSpPr>
+          <p:nvPr>
+            <p:ph type="sldNum" sz="quarter" idx="10"/>
+          </p:nvPr>
+        </p:nvSpPr>
+        <p:spPr/>
+        <p:txBody>
+          <a:bodyPr/>
+          <a:lstStyle/>
+          <a:p>
+            <a:fld id="{226FA58D-4B12-4E7B-A2FA-693CE3EACDFD}" type="slidenum">
+              <a:rPr lang="en-US" smtClean="0"/>
+              <a:t>38</a:t>
+            </a:fld>
+            <a:endParaRPr lang="en-US"/>
+          </a:p>
+        </p:txBody>
+      </p:sp>
+    </p:spTree>
+    <p:extLst>
+      <p:ext uri="{BB962C8B-B14F-4D97-AF65-F5344CB8AC3E}">
+        <p14:creationId xmlns:p14="http://schemas.microsoft.com/office/powerpoint/2010/main" val="732631183"/>
+      </p:ext>
+    </p:extLst>
+  </p:cSld>
+  <p:clrMapOvr>
+    <a:masterClrMapping/>
+  </p:clrMapOvr>
+</p:notes>
+</file>
+
+<file path=ppt/notesSlides/notesSlide39.xml><?xml version="1.0" encoding="utf-8"?>
+<p:notes xmlns:a="http://schemas.openxmlformats.org/drawingml/2006/main" xmlns:r="http://schemas.openxmlformats.org/officeDocument/2006/relationships" xmlns:p="http://schemas.openxmlformats.org/presentationml/2006/main">
+  <p:cSld>
+    <p:spTree>
+      <p:nvGrpSpPr>
+        <p:cNvPr id="1" name=""/>
+        <p:cNvGrpSpPr/>
+        <p:nvPr/>
+      </p:nvGrpSpPr>
+      <p:grpSpPr>
+        <a:xfrm>
+          <a:off x="0" y="0"/>
+          <a:ext cx="0" cy="0"/>
+          <a:chOff x="0" y="0"/>
+          <a:chExt cx="0" cy="0"/>
+        </a:xfrm>
+      </p:grpSpPr>
+      <p:sp>
+        <p:nvSpPr>
+          <p:cNvPr id="2" name="Slide Image Placeholder 1"/>
+          <p:cNvSpPr>
+            <a:spLocks noGrp="1" noRot="1" noChangeAspect="1"/>
+          </p:cNvSpPr>
+          <p:nvPr>
+            <p:ph type="sldImg"/>
+          </p:nvPr>
+        </p:nvSpPr>
+        <p:spPr/>
+      </p:sp>
+      <p:sp>
+        <p:nvSpPr>
+          <p:cNvPr id="3" name="Notes Placeholder 2"/>
+          <p:cNvSpPr>
+            <a:spLocks noGrp="1"/>
+          </p:cNvSpPr>
+          <p:nvPr>
+            <p:ph type="body" idx="1"/>
+          </p:nvPr>
+        </p:nvSpPr>
+        <p:spPr/>
+        <p:txBody>
+          <a:bodyPr/>
+          <a:lstStyle/>
+          <a:p>
+            <a:pPr marL="171450" lvl="0" indent="-171450">
+              <a:buFont typeface="Arial" panose="020B0604020202020204" pitchFamily="34" charset="0"/>
+              <a:buChar char="•"/>
+            </a:pPr>
+            <a:r>
+              <a:rPr lang="en-US" sz="1200" kern="1200" dirty="0">
+                <a:solidFill>
+                  <a:schemeClr val="tx1"/>
+                </a:solidFill>
+                <a:effectLst/>
+                <a:latin typeface="+mn-lt"/>
+                <a:ea typeface="+mn-ea"/>
+                <a:cs typeface="+mn-cs"/>
+              </a:rPr>
+              <a:t>Write on the board, the html to link to a </a:t>
+            </a:r>
+            <a:r>
+              <a:rPr lang="en-US" sz="1200" kern="1200" dirty="0" err="1">
+                <a:solidFill>
+                  <a:schemeClr val="tx1"/>
+                </a:solidFill>
+                <a:effectLst/>
+                <a:latin typeface="+mn-lt"/>
+                <a:ea typeface="+mn-ea"/>
+                <a:cs typeface="+mn-cs"/>
+              </a:rPr>
+              <a:t>Javascript</a:t>
+            </a:r>
+            <a:r>
+              <a:rPr lang="en-US" sz="1200" kern="1200" dirty="0">
+                <a:solidFill>
+                  <a:schemeClr val="tx1"/>
+                </a:solidFill>
+                <a:effectLst/>
+                <a:latin typeface="+mn-lt"/>
+                <a:ea typeface="+mn-ea"/>
+                <a:cs typeface="+mn-cs"/>
+              </a:rPr>
+              <a:t> file name “script.js”</a:t>
+            </a:r>
+          </a:p>
+          <a:p>
+            <a:pPr marL="171450" lvl="0" indent="-171450">
+              <a:buFont typeface="Arial" panose="020B0604020202020204" pitchFamily="34" charset="0"/>
+              <a:buChar char="•"/>
+            </a:pPr>
+            <a:r>
+              <a:rPr lang="en-US" sz="1200" kern="1200" dirty="0">
+                <a:solidFill>
+                  <a:schemeClr val="tx1"/>
+                </a:solidFill>
+                <a:effectLst/>
+                <a:latin typeface="+mn-lt"/>
+                <a:ea typeface="+mn-ea"/>
+                <a:cs typeface="+mn-cs"/>
+              </a:rPr>
+              <a:t>Write on the board the symbols for a single line comment.</a:t>
+            </a:r>
+          </a:p>
+          <a:p>
+            <a:pPr marL="171450" lvl="0" indent="-171450">
+              <a:buFont typeface="Arial" panose="020B0604020202020204" pitchFamily="34" charset="0"/>
+              <a:buChar char="•"/>
+            </a:pPr>
+            <a:r>
+              <a:rPr lang="en-US" sz="1200" kern="1200" dirty="0">
+                <a:solidFill>
+                  <a:schemeClr val="tx1"/>
+                </a:solidFill>
+                <a:effectLst/>
+                <a:latin typeface="+mn-lt"/>
+                <a:ea typeface="+mn-ea"/>
+                <a:cs typeface="+mn-cs"/>
+              </a:rPr>
+              <a:t>Write on the board the declaration of a string variable with the value “hello world”</a:t>
+            </a:r>
+          </a:p>
+          <a:p>
+            <a:pPr marL="171450" lvl="0" indent="-171450">
+              <a:buFont typeface="Arial" panose="020B0604020202020204" pitchFamily="34" charset="0"/>
+              <a:buChar char="•"/>
+            </a:pPr>
+            <a:r>
+              <a:rPr lang="en-US" sz="1200" kern="1200" dirty="0">
+                <a:solidFill>
+                  <a:schemeClr val="tx1"/>
+                </a:solidFill>
+                <a:effectLst/>
+                <a:latin typeface="+mn-lt"/>
+                <a:ea typeface="+mn-ea"/>
+                <a:cs typeface="+mn-cs"/>
+              </a:rPr>
+              <a:t>Write an if statement on the board that checks if a bool variable is true.</a:t>
+            </a:r>
+          </a:p>
+          <a:p>
+            <a:pPr marL="171450" lvl="0" indent="-171450">
+              <a:buFont typeface="Arial" panose="020B0604020202020204" pitchFamily="34" charset="0"/>
+              <a:buChar char="•"/>
+            </a:pPr>
+            <a:r>
+              <a:rPr lang="en-US" sz="1200" kern="1200" dirty="0">
+                <a:solidFill>
+                  <a:schemeClr val="tx1"/>
+                </a:solidFill>
+                <a:effectLst/>
+                <a:latin typeface="+mn-lt"/>
+                <a:ea typeface="+mn-ea"/>
+                <a:cs typeface="+mn-cs"/>
+              </a:rPr>
+              <a:t>Write an if else statement on the board that checks if a bool variable is true.</a:t>
+            </a:r>
+          </a:p>
+          <a:p>
+            <a:pPr marL="171450" lvl="0" indent="-171450">
+              <a:buFont typeface="Arial" panose="020B0604020202020204" pitchFamily="34" charset="0"/>
+              <a:buChar char="•"/>
+            </a:pPr>
+            <a:r>
+              <a:rPr lang="en-US" sz="1200" kern="1200" dirty="0">
+                <a:solidFill>
+                  <a:schemeClr val="tx1"/>
+                </a:solidFill>
+                <a:effectLst/>
+                <a:latin typeface="+mn-lt"/>
+                <a:ea typeface="+mn-ea"/>
+                <a:cs typeface="+mn-cs"/>
+              </a:rPr>
+              <a:t>Write a nested if statement on the board that checks two different bool variables.</a:t>
+            </a:r>
+          </a:p>
+          <a:p>
+            <a:pPr marL="171450" lvl="0" indent="-171450">
+              <a:buFont typeface="Arial" panose="020B0604020202020204" pitchFamily="34" charset="0"/>
+              <a:buChar char="•"/>
+            </a:pPr>
+            <a:r>
+              <a:rPr lang="en-US" sz="1200" kern="1200" dirty="0">
+                <a:solidFill>
+                  <a:schemeClr val="tx1"/>
+                </a:solidFill>
+                <a:effectLst/>
+                <a:latin typeface="+mn-lt"/>
+                <a:ea typeface="+mn-ea"/>
+                <a:cs typeface="+mn-cs"/>
+              </a:rPr>
+              <a:t>Write if, else, else if statements to write to the console the text representation of the numbers 1 to 3.</a:t>
+            </a:r>
+          </a:p>
+          <a:p>
+            <a:pPr marL="171450" lvl="0" indent="-171450">
+              <a:buFont typeface="Arial" panose="020B0604020202020204" pitchFamily="34" charset="0"/>
+              <a:buChar char="•"/>
+            </a:pPr>
+            <a:r>
+              <a:rPr lang="en-US" sz="1200" kern="1200" dirty="0">
+                <a:solidFill>
+                  <a:schemeClr val="tx1"/>
+                </a:solidFill>
+                <a:effectLst/>
+                <a:latin typeface="+mn-lt"/>
+                <a:ea typeface="+mn-ea"/>
+                <a:cs typeface="+mn-cs"/>
+              </a:rPr>
+              <a:t>Write a switch statement to write to the console the text representation of the numbers 1 to 3.</a:t>
+            </a:r>
+          </a:p>
+          <a:p>
+            <a:pPr marL="171450" lvl="0" indent="-171450">
+              <a:buFont typeface="Arial" panose="020B0604020202020204" pitchFamily="34" charset="0"/>
+              <a:buChar char="•"/>
+            </a:pPr>
+            <a:r>
+              <a:rPr lang="en-US" sz="1200" kern="1200" dirty="0">
+                <a:solidFill>
+                  <a:schemeClr val="tx1"/>
+                </a:solidFill>
+                <a:effectLst/>
+                <a:latin typeface="+mn-lt"/>
+                <a:ea typeface="+mn-ea"/>
+                <a:cs typeface="+mn-cs"/>
+              </a:rPr>
+              <a:t>Write on the board a declaration of an array and initialize in with the numbers 1 to 3.</a:t>
+            </a:r>
+          </a:p>
+          <a:p>
+            <a:pPr marL="171450" lvl="0" indent="-171450">
+              <a:buFont typeface="Arial" panose="020B0604020202020204" pitchFamily="34" charset="0"/>
+              <a:buChar char="•"/>
+            </a:pPr>
+            <a:r>
+              <a:rPr lang="en-US" sz="1200" kern="1200" dirty="0">
+                <a:solidFill>
+                  <a:schemeClr val="tx1"/>
+                </a:solidFill>
+                <a:effectLst/>
+                <a:latin typeface="+mn-lt"/>
+                <a:ea typeface="+mn-ea"/>
+                <a:cs typeface="+mn-cs"/>
+              </a:rPr>
+              <a:t>Write a while loop that loops through an integer array 1 to 3 and writes each number to the console.</a:t>
+            </a:r>
+          </a:p>
+          <a:p>
+            <a:pPr marL="171450" lvl="0" indent="-171450">
+              <a:buFont typeface="Arial" panose="020B0604020202020204" pitchFamily="34" charset="0"/>
+              <a:buChar char="•"/>
+            </a:pPr>
+            <a:r>
+              <a:rPr lang="en-US" sz="1200" kern="1200" dirty="0">
+                <a:solidFill>
+                  <a:schemeClr val="tx1"/>
+                </a:solidFill>
+                <a:effectLst/>
+                <a:latin typeface="+mn-lt"/>
+                <a:ea typeface="+mn-ea"/>
+                <a:cs typeface="+mn-cs"/>
+              </a:rPr>
+              <a:t>Write a do while loop that loops through an integer array 1 to 3 and writes each number to the console.</a:t>
+            </a:r>
+          </a:p>
+          <a:p>
+            <a:pPr marL="171450" lvl="0" indent="-171450">
+              <a:buFont typeface="Arial" panose="020B0604020202020204" pitchFamily="34" charset="0"/>
+              <a:buChar char="•"/>
+            </a:pPr>
+            <a:r>
+              <a:rPr lang="en-US" sz="1200" kern="1200" dirty="0">
+                <a:solidFill>
+                  <a:schemeClr val="tx1"/>
+                </a:solidFill>
+                <a:effectLst/>
+                <a:latin typeface="+mn-lt"/>
+                <a:ea typeface="+mn-ea"/>
+                <a:cs typeface="+mn-cs"/>
+              </a:rPr>
+              <a:t>Write a for loop that loops through an integer array 1 to 3 and writes each number to the console.</a:t>
+            </a:r>
+          </a:p>
+          <a:p>
+            <a:pPr marL="171450" lvl="0" indent="-171450">
+              <a:buFont typeface="Arial" panose="020B0604020202020204" pitchFamily="34" charset="0"/>
+              <a:buChar char="•"/>
+            </a:pPr>
+            <a:r>
+              <a:rPr lang="en-US" sz="1200" kern="1200" dirty="0">
+                <a:solidFill>
+                  <a:schemeClr val="tx1"/>
+                </a:solidFill>
+                <a:effectLst/>
+                <a:latin typeface="+mn-lt"/>
+                <a:ea typeface="+mn-ea"/>
+                <a:cs typeface="+mn-cs"/>
+              </a:rPr>
+              <a:t>Write a for in loop that loops through an integer array 1 to 3 and writes each number to the console.</a:t>
+            </a:r>
+          </a:p>
+          <a:p>
+            <a:pPr marL="171450" lvl="0" indent="-171450">
+              <a:buFont typeface="Arial" panose="020B0604020202020204" pitchFamily="34" charset="0"/>
+              <a:buChar char="•"/>
+            </a:pPr>
+            <a:r>
+              <a:rPr lang="en-US" sz="1200" kern="1200" dirty="0">
+                <a:solidFill>
+                  <a:schemeClr val="tx1"/>
+                </a:solidFill>
+                <a:effectLst/>
+                <a:latin typeface="+mn-lt"/>
+                <a:ea typeface="+mn-ea"/>
+                <a:cs typeface="+mn-cs"/>
+              </a:rPr>
+              <a:t>Write a method definition that does not return anything and takes two integers as parameters.</a:t>
+            </a:r>
+          </a:p>
+          <a:p>
+            <a:pPr marL="171450" lvl="0" indent="-171450">
+              <a:buFont typeface="Arial" panose="020B0604020202020204" pitchFamily="34" charset="0"/>
+              <a:buChar char="•"/>
+            </a:pPr>
+            <a:r>
+              <a:rPr lang="en-US" sz="1200" kern="1200" dirty="0">
+                <a:solidFill>
+                  <a:schemeClr val="tx1"/>
+                </a:solidFill>
+                <a:effectLst/>
+                <a:latin typeface="+mn-lt"/>
+                <a:ea typeface="+mn-ea"/>
+                <a:cs typeface="+mn-cs"/>
+              </a:rPr>
+              <a:t>Write a method definition that returns a string and takes two integers as parameters.</a:t>
+            </a:r>
+          </a:p>
+          <a:p>
+            <a:pPr marL="171450" lvl="0" indent="-171450">
+              <a:buFont typeface="Arial" panose="020B0604020202020204" pitchFamily="34" charset="0"/>
+              <a:buChar char="•"/>
+            </a:pPr>
+            <a:r>
+              <a:rPr lang="en-US" sz="1200" kern="1200" dirty="0">
+                <a:solidFill>
+                  <a:schemeClr val="tx1"/>
+                </a:solidFill>
+                <a:effectLst/>
+                <a:latin typeface="+mn-lt"/>
+                <a:ea typeface="+mn-ea"/>
+                <a:cs typeface="+mn-cs"/>
+              </a:rPr>
+              <a:t>Write on the board a class named Car with a variable named miles and a constructor that set miles to 100.</a:t>
+            </a:r>
+          </a:p>
+          <a:p>
+            <a:pPr marL="171450" lvl="0" indent="-171450">
+              <a:buFont typeface="Arial" panose="020B0604020202020204" pitchFamily="34" charset="0"/>
+              <a:buChar char="•"/>
+            </a:pPr>
+            <a:r>
+              <a:rPr lang="en-US" sz="1200" kern="1200" dirty="0">
+                <a:solidFill>
+                  <a:schemeClr val="tx1"/>
+                </a:solidFill>
+                <a:effectLst/>
+                <a:latin typeface="+mn-lt"/>
+                <a:ea typeface="+mn-ea"/>
+                <a:cs typeface="+mn-cs"/>
+              </a:rPr>
+              <a:t>Write on the board a function that returns a number and is passed a number called Miles.  The function should be named Drive.</a:t>
+            </a:r>
+          </a:p>
+          <a:p>
+            <a:pPr marL="457200" lvl="1" indent="0">
+              <a:buFont typeface="Arial" panose="020B0604020202020204" pitchFamily="34" charset="0"/>
+              <a:buNone/>
+            </a:pPr>
+            <a:endParaRPr lang="en-US" dirty="0"/>
+          </a:p>
+        </p:txBody>
+      </p:sp>
+      <p:sp>
+        <p:nvSpPr>
+          <p:cNvPr id="4" name="Slide Number Placeholder 3"/>
+          <p:cNvSpPr>
+            <a:spLocks noGrp="1"/>
+          </p:cNvSpPr>
+          <p:nvPr>
+            <p:ph type="sldNum" sz="quarter" idx="10"/>
+          </p:nvPr>
+        </p:nvSpPr>
+        <p:spPr/>
+        <p:txBody>
+          <a:bodyPr/>
+          <a:lstStyle/>
+          <a:p>
+            <a:fld id="{226FA58D-4B12-4E7B-A2FA-693CE3EACDFD}" type="slidenum">
+              <a:rPr lang="en-US" smtClean="0"/>
+              <a:t>39</a:t>
+            </a:fld>
+            <a:endParaRPr lang="en-US"/>
+          </a:p>
+        </p:txBody>
+      </p:sp>
+    </p:spTree>
+    <p:extLst>
+      <p:ext uri="{BB962C8B-B14F-4D97-AF65-F5344CB8AC3E}">
+        <p14:creationId xmlns:p14="http://schemas.microsoft.com/office/powerpoint/2010/main" val="2157254006"/>
       </p:ext>
     </p:extLst>
   </p:cSld>
@@ -4365,7 +5092,7 @@
               <a:buChar char="•"/>
             </a:pPr>
             <a:r>
-              <a:rPr lang="en-US" baseline="0" dirty="0" smtClean="0"/>
+              <a:rPr lang="en-US" baseline="0" dirty="0"/>
               <a:t>To create a single line comment use //</a:t>
             </a:r>
           </a:p>
@@ -4375,7 +5102,7 @@
               <a:buChar char="•"/>
             </a:pPr>
             <a:r>
-              <a:rPr lang="en-US" baseline="0" dirty="0" smtClean="0"/>
+              <a:rPr lang="en-US" baseline="0" dirty="0"/>
               <a:t>To create multi-line comments use /* */</a:t>
             </a:r>
           </a:p>
@@ -4384,7 +5111,7 @@
               <a:buFont typeface="Arial" panose="020B0604020202020204" pitchFamily="34" charset="0"/>
               <a:buChar char="•"/>
             </a:pPr>
-            <a:endParaRPr lang="en-US" baseline="0" dirty="0" smtClean="0"/>
+            <a:endParaRPr lang="en-US" baseline="0" dirty="0"/>
           </a:p>
         </p:txBody>
       </p:sp>
@@ -4415,6 +5142,94 @@
     <p:extLst>
       <p:ext uri="{BB962C8B-B14F-4D97-AF65-F5344CB8AC3E}">
         <p14:creationId xmlns:p14="http://schemas.microsoft.com/office/powerpoint/2010/main" val="2208337427"/>
+      </p:ext>
+    </p:extLst>
+  </p:cSld>
+  <p:clrMapOvr>
+    <a:masterClrMapping/>
+  </p:clrMapOvr>
+</p:notes>
+</file>
+
+<file path=ppt/notesSlides/notesSlide40.xml><?xml version="1.0" encoding="utf-8"?>
+<p:notes xmlns:a="http://schemas.openxmlformats.org/drawingml/2006/main" xmlns:r="http://schemas.openxmlformats.org/officeDocument/2006/relationships" xmlns:p="http://schemas.openxmlformats.org/presentationml/2006/main">
+  <p:cSld>
+    <p:spTree>
+      <p:nvGrpSpPr>
+        <p:cNvPr id="1" name=""/>
+        <p:cNvGrpSpPr/>
+        <p:nvPr/>
+      </p:nvGrpSpPr>
+      <p:grpSpPr>
+        <a:xfrm>
+          <a:off x="0" y="0"/>
+          <a:ext cx="0" cy="0"/>
+          <a:chOff x="0" y="0"/>
+          <a:chExt cx="0" cy="0"/>
+        </a:xfrm>
+      </p:grpSpPr>
+      <p:sp>
+        <p:nvSpPr>
+          <p:cNvPr id="2" name="Slide Image Placeholder 1"/>
+          <p:cNvSpPr>
+            <a:spLocks noGrp="1" noRot="1" noChangeAspect="1"/>
+          </p:cNvSpPr>
+          <p:nvPr>
+            <p:ph type="sldImg"/>
+          </p:nvPr>
+        </p:nvSpPr>
+        <p:spPr/>
+      </p:sp>
+      <p:sp>
+        <p:nvSpPr>
+          <p:cNvPr id="3" name="Notes Placeholder 2"/>
+          <p:cNvSpPr>
+            <a:spLocks noGrp="1"/>
+          </p:cNvSpPr>
+          <p:nvPr>
+            <p:ph type="body" idx="1"/>
+          </p:nvPr>
+        </p:nvSpPr>
+        <p:spPr/>
+        <p:txBody>
+          <a:bodyPr/>
+          <a:lstStyle/>
+          <a:p>
+            <a:pPr marL="171450" indent="-171450">
+              <a:buFont typeface="Arial" panose="020B0604020202020204" pitchFamily="34" charset="0"/>
+              <a:buChar char="•"/>
+            </a:pPr>
+            <a:endParaRPr lang="en-US" dirty="0"/>
+          </a:p>
+        </p:txBody>
+      </p:sp>
+      <p:sp>
+        <p:nvSpPr>
+          <p:cNvPr id="4" name="Slide Number Placeholder 3"/>
+          <p:cNvSpPr>
+            <a:spLocks noGrp="1"/>
+          </p:cNvSpPr>
+          <p:nvPr>
+            <p:ph type="sldNum" sz="quarter" idx="10"/>
+          </p:nvPr>
+        </p:nvSpPr>
+        <p:spPr/>
+        <p:txBody>
+          <a:bodyPr/>
+          <a:lstStyle/>
+          <a:p>
+            <a:fld id="{226FA58D-4B12-4E7B-A2FA-693CE3EACDFD}" type="slidenum">
+              <a:rPr lang="en-US" smtClean="0"/>
+              <a:t>40</a:t>
+            </a:fld>
+            <a:endParaRPr lang="en-US"/>
+          </a:p>
+        </p:txBody>
+      </p:sp>
+    </p:spTree>
+    <p:extLst>
+      <p:ext uri="{BB962C8B-B14F-4D97-AF65-F5344CB8AC3E}">
+        <p14:creationId xmlns:p14="http://schemas.microsoft.com/office/powerpoint/2010/main" val="2286655880"/>
       </p:ext>
     </p:extLst>
   </p:cSld>
@@ -4473,7 +5288,7 @@
               <a:buChar char="•"/>
             </a:pPr>
             <a:r>
-              <a:rPr lang="en-US" baseline="0" dirty="0" smtClean="0"/>
+              <a:rPr lang="en-US" baseline="0" dirty="0"/>
               <a:t>Variables can be declared with let or var.</a:t>
             </a:r>
           </a:p>
@@ -4483,7 +5298,7 @@
               <a:buChar char="•"/>
             </a:pPr>
             <a:r>
-              <a:rPr lang="en-US" baseline="0" dirty="0" smtClean="0"/>
+              <a:rPr lang="en-US" baseline="0" dirty="0"/>
               <a:t>There is a difference with how scope works.  I’m not really going to go into it.</a:t>
             </a:r>
           </a:p>
@@ -4493,7 +5308,7 @@
               <a:buChar char="•"/>
             </a:pPr>
             <a:r>
-              <a:rPr lang="en-US" baseline="0" dirty="0" smtClean="0"/>
+              <a:rPr lang="en-US" baseline="0" dirty="0"/>
               <a:t>Just use let for now.</a:t>
             </a:r>
           </a:p>
@@ -4503,7 +5318,7 @@
               <a:buChar char="•"/>
             </a:pPr>
             <a:r>
-              <a:rPr lang="en-US" baseline="0" dirty="0" smtClean="0"/>
+              <a:rPr lang="en-US" baseline="0" dirty="0"/>
               <a:t>These are some different ways to declare a variable.</a:t>
             </a:r>
           </a:p>
@@ -4513,7 +5328,7 @@
               <a:buChar char="•"/>
             </a:pPr>
             <a:r>
-              <a:rPr lang="en-US" baseline="0" dirty="0" smtClean="0"/>
+              <a:rPr lang="en-US" baseline="0" dirty="0"/>
               <a:t>You can just specify the name without a value.</a:t>
             </a:r>
           </a:p>
@@ -4523,7 +5338,7 @@
               <a:buChar char="•"/>
             </a:pPr>
             <a:r>
-              <a:rPr lang="en-US" baseline="0" dirty="0" smtClean="0"/>
+              <a:rPr lang="en-US" baseline="0" dirty="0"/>
               <a:t>You can specify the name and the value and you can specify multiple variables.</a:t>
             </a:r>
           </a:p>
@@ -4533,11 +5348,11 @@
               <a:buChar char="•"/>
             </a:pPr>
             <a:r>
-              <a:rPr lang="en-US" baseline="0" dirty="0" err="1" smtClean="0"/>
+              <a:rPr lang="en-US" baseline="0" dirty="0" err="1"/>
               <a:t>const</a:t>
             </a:r>
             <a:r>
-              <a:rPr lang="en-US" baseline="0" dirty="0" smtClean="0"/>
+              <a:rPr lang="en-US" baseline="0" dirty="0"/>
               <a:t> should be used if a variable will be assigned immediately and not changed.</a:t>
             </a:r>
           </a:p>
@@ -4546,7 +5361,7 @@
               <a:buFont typeface="Arial" panose="020B0604020202020204" pitchFamily="34" charset="0"/>
               <a:buChar char="•"/>
             </a:pPr>
-            <a:endParaRPr lang="en-US" baseline="0" dirty="0" smtClean="0"/>
+            <a:endParaRPr lang="en-US" baseline="0" dirty="0"/>
           </a:p>
         </p:txBody>
       </p:sp>
@@ -4635,7 +5450,7 @@
               <a:buChar char="•"/>
             </a:pPr>
             <a:r>
-              <a:rPr lang="en-US" baseline="0" smtClean="0"/>
+              <a:rPr lang="en-US" baseline="0"/>
               <a:t>Here are the data types available in Javascript.</a:t>
             </a:r>
           </a:p>
@@ -4645,7 +5460,7 @@
               <a:buChar char="•"/>
             </a:pPr>
             <a:r>
-              <a:rPr lang="en-US" baseline="0" smtClean="0"/>
+              <a:rPr lang="en-US" baseline="0"/>
               <a:t>There is string, number, boolean, function, object, null, and undefined.</a:t>
             </a:r>
           </a:p>
@@ -4655,7 +5470,7 @@
               <a:buChar char="•"/>
             </a:pPr>
             <a:r>
-              <a:rPr lang="en-US" baseline="0" smtClean="0"/>
+              <a:rPr lang="en-US" baseline="0"/>
               <a:t>You can define many custom objects.</a:t>
             </a:r>
           </a:p>
@@ -4665,10 +5480,10 @@
               <a:buChar char="•"/>
             </a:pPr>
             <a:r>
-              <a:rPr lang="en-US" baseline="0" smtClean="0"/>
+              <a:rPr lang="en-US" baseline="0"/>
               <a:t>Use typeof to find the type of a variable.</a:t>
             </a:r>
-            <a:endParaRPr lang="en-US" baseline="0" dirty="0" smtClean="0"/>
+            <a:endParaRPr lang="en-US" baseline="0" dirty="0"/>
           </a:p>
         </p:txBody>
       </p:sp>
@@ -4757,7 +5572,7 @@
               <a:buChar char="•"/>
             </a:pPr>
             <a:r>
-              <a:rPr lang="en-US" baseline="0" dirty="0" smtClean="0"/>
+              <a:rPr lang="en-US" baseline="0" dirty="0"/>
               <a:t>Variables can have local or function scope, global scope, or lexical scope.</a:t>
             </a:r>
           </a:p>
@@ -4767,7 +5582,7 @@
               <a:buChar char="•"/>
             </a:pPr>
             <a:r>
-              <a:rPr lang="en-US" baseline="0" dirty="0" smtClean="0"/>
+              <a:rPr lang="en-US" baseline="0" dirty="0"/>
               <a:t>Be careful of global scoped variables.</a:t>
             </a:r>
           </a:p>
@@ -4777,15 +5592,15 @@
               <a:buChar char="•"/>
             </a:pPr>
             <a:r>
-              <a:rPr lang="en-US" baseline="0" dirty="0" smtClean="0"/>
+              <a:rPr lang="en-US" baseline="0" dirty="0"/>
               <a:t>You may get unintended consequences if you use the same global variables as other </a:t>
             </a:r>
             <a:r>
-              <a:rPr lang="en-US" baseline="0" dirty="0" err="1" smtClean="0"/>
+              <a:rPr lang="en-US" baseline="0" dirty="0" err="1"/>
               <a:t>Javascript</a:t>
             </a:r>
             <a:r>
-              <a:rPr lang="en-US" baseline="0" dirty="0" smtClean="0"/>
+              <a:rPr lang="en-US" baseline="0" dirty="0"/>
               <a:t> libraries.</a:t>
             </a:r>
           </a:p>
@@ -4795,7 +5610,7 @@
               <a:buChar char="•"/>
             </a:pPr>
             <a:r>
-              <a:rPr lang="en-US" baseline="0" dirty="0" smtClean="0"/>
+              <a:rPr lang="en-US" baseline="0" dirty="0"/>
               <a:t>To avoid this, try to use lexical scope where you create a function and have other functions and variables inside of it.</a:t>
             </a:r>
           </a:p>
@@ -4818,23 +5633,23 @@
               <a:defRPr/>
             </a:pPr>
             <a:r>
-              <a:rPr lang="en-US" dirty="0" smtClean="0"/>
+              <a:rPr lang="en-US" dirty="0"/>
               <a:t>Example:  </a:t>
             </a:r>
             <a:r>
-              <a:rPr lang="en-US" dirty="0" smtClean="0">
+              <a:rPr lang="en-US" dirty="0">
                 <a:hlinkClick r:id="rId3"/>
               </a:rPr>
               <a:t>https://toddmotto.com/everything-you-wanted-to-know-about-javascript-scope/</a:t>
             </a:r>
-            <a:endParaRPr lang="en-US" dirty="0" smtClean="0"/>
+            <a:endParaRPr lang="en-US" dirty="0"/>
           </a:p>
           <a:p>
             <a:pPr marL="171450" indent="-171450">
               <a:buFont typeface="Arial" panose="020B0604020202020204" pitchFamily="34" charset="0"/>
               <a:buChar char="•"/>
             </a:pPr>
-            <a:endParaRPr lang="en-US" baseline="0" dirty="0" smtClean="0"/>
+            <a:endParaRPr lang="en-US" baseline="0" dirty="0"/>
           </a:p>
         </p:txBody>
       </p:sp>
@@ -4923,15 +5738,15 @@
               <a:buChar char="•"/>
             </a:pPr>
             <a:r>
-              <a:rPr lang="en-US" baseline="0" dirty="0" smtClean="0"/>
+              <a:rPr lang="en-US" baseline="0" dirty="0"/>
               <a:t>this is a keyword in </a:t>
             </a:r>
             <a:r>
-              <a:rPr lang="en-US" baseline="0" dirty="0" err="1" smtClean="0"/>
+              <a:rPr lang="en-US" baseline="0" dirty="0" err="1"/>
               <a:t>Javascript</a:t>
             </a:r>
             <a:r>
-              <a:rPr lang="en-US" baseline="0" dirty="0" smtClean="0"/>
+              <a:rPr lang="en-US" baseline="0" dirty="0"/>
               <a:t> that can be sometimes confusing.</a:t>
             </a:r>
           </a:p>
@@ -4941,7 +5756,7 @@
               <a:buChar char="•"/>
             </a:pPr>
             <a:r>
-              <a:rPr lang="en-US" baseline="0" dirty="0" smtClean="0"/>
+              <a:rPr lang="en-US" baseline="0" dirty="0"/>
               <a:t>It can be used instead of the variable name.</a:t>
             </a:r>
           </a:p>
@@ -4951,7 +5766,7 @@
               <a:buChar char="•"/>
             </a:pPr>
             <a:r>
-              <a:rPr lang="en-US" baseline="0" dirty="0" smtClean="0"/>
+              <a:rPr lang="en-US" baseline="0" dirty="0"/>
               <a:t>A different value is bound to this depending on how a function is called.</a:t>
             </a:r>
           </a:p>
@@ -4961,7 +5776,7 @@
               <a:buChar char="•"/>
             </a:pPr>
             <a:r>
-              <a:rPr lang="en-US" baseline="0" dirty="0" smtClean="0"/>
+              <a:rPr lang="en-US" baseline="0" dirty="0"/>
               <a:t>The default is the outer most global object (window) by default.</a:t>
             </a:r>
           </a:p>
@@ -4984,23 +5799,23 @@
               <a:defRPr/>
             </a:pPr>
             <a:r>
-              <a:rPr lang="en-US" dirty="0" smtClean="0"/>
+              <a:rPr lang="en-US" dirty="0"/>
               <a:t>Example:  </a:t>
             </a:r>
             <a:r>
-              <a:rPr lang="en-US" dirty="0" smtClean="0">
+              <a:rPr lang="en-US" dirty="0">
                 <a:hlinkClick r:id="rId3"/>
               </a:rPr>
               <a:t>https://toddmotto.com/everything-you-wanted-to-know-about-javascript-scope/</a:t>
             </a:r>
-            <a:endParaRPr lang="en-US" dirty="0" smtClean="0"/>
+            <a:endParaRPr lang="en-US" dirty="0"/>
           </a:p>
           <a:p>
             <a:pPr marL="171450" indent="-171450">
               <a:buFont typeface="Arial" panose="020B0604020202020204" pitchFamily="34" charset="0"/>
               <a:buChar char="•"/>
             </a:pPr>
-            <a:endParaRPr lang="en-US" baseline="0" dirty="0" smtClean="0"/>
+            <a:endParaRPr lang="en-US" baseline="0" dirty="0"/>
           </a:p>
         </p:txBody>
       </p:sp>
@@ -5085,11 +5900,11 @@
           <a:lstStyle/>
           <a:p>
             <a:r>
-              <a:rPr lang="en-US" dirty="0" smtClean="0"/>
+              <a:rPr lang="en-US" dirty="0"/>
               <a:t>Let’s go</a:t>
             </a:r>
             <a:r>
-              <a:rPr lang="en-US" baseline="0" dirty="0" smtClean="0"/>
+              <a:rPr lang="en-US" baseline="0" dirty="0"/>
               <a:t> through some more examples.</a:t>
             </a:r>
           </a:p>
@@ -5099,7 +5914,7 @@
               <a:buChar char="•"/>
             </a:pPr>
             <a:r>
-              <a:rPr lang="en-US" baseline="0" dirty="0" smtClean="0"/>
+              <a:rPr lang="en-US" baseline="0" dirty="0"/>
               <a:t>Create variables</a:t>
             </a:r>
           </a:p>
@@ -5109,7 +5924,7 @@
               <a:buChar char="•"/>
             </a:pPr>
             <a:r>
-              <a:rPr lang="en-US" baseline="0" dirty="0" smtClean="0"/>
+              <a:rPr lang="en-US" baseline="0" dirty="0"/>
               <a:t>Show conversions</a:t>
             </a:r>
           </a:p>
@@ -5119,7 +5934,7 @@
               <a:buChar char="•"/>
             </a:pPr>
             <a:r>
-              <a:rPr lang="en-US" baseline="0" dirty="0" smtClean="0"/>
+              <a:rPr lang="en-US" baseline="0" dirty="0"/>
               <a:t>Show variable scope</a:t>
             </a:r>
           </a:p>
@@ -5129,7 +5944,7 @@
               <a:buChar char="•"/>
             </a:pPr>
             <a:r>
-              <a:rPr lang="en-US" baseline="0" dirty="0" smtClean="0"/>
+              <a:rPr lang="en-US" baseline="0" dirty="0"/>
               <a:t>Show this examples</a:t>
             </a:r>
             <a:endParaRPr lang="en-US" dirty="0"/>
@@ -5214,7 +6029,7 @@
           </a:lstStyle>
           <a:p>
             <a:r>
-              <a:rPr lang="en-US" smtClean="0"/>
+              <a:rPr lang="en-US"/>
               <a:t>Click to edit Master title style</a:t>
             </a:r>
             <a:endParaRPr lang="en-US" dirty="0"/>
@@ -5334,7 +6149,7 @@
           </a:lstStyle>
           <a:p>
             <a:r>
-              <a:rPr lang="en-US" smtClean="0"/>
+              <a:rPr lang="en-US"/>
               <a:t>Click to edit Master subtitle style</a:t>
             </a:r>
             <a:endParaRPr lang="en-US" dirty="0"/>
@@ -5358,7 +6173,7 @@
           <a:p>
             <a:fld id="{96FB5D56-0812-4ED5-8B52-3D0DCBF578CB}" type="datetimeFigureOut">
               <a:rPr lang="en-US" smtClean="0"/>
-              <a:t>2/24/2018</a:t>
+              <a:t>6/22/2018</a:t>
             </a:fld>
             <a:endParaRPr lang="en-US"/>
           </a:p>
@@ -5463,7 +6278,7 @@
           </a:lstStyle>
           <a:p>
             <a:r>
-              <a:rPr lang="en-US" smtClean="0"/>
+              <a:rPr lang="en-US"/>
               <a:t>Click to edit Master title style</a:t>
             </a:r>
             <a:endParaRPr lang="en-US" dirty="0"/>
@@ -5542,7 +6357,7 @@
           </a:lstStyle>
           <a:p>
             <a:r>
-              <a:rPr lang="en-US" smtClean="0"/>
+              <a:rPr lang="en-US"/>
               <a:t>Click icon to add picture</a:t>
             </a:r>
             <a:endParaRPr lang="en-US" dirty="0"/>
@@ -5610,7 +6425,7 @@
           <a:p>
             <a:pPr lvl="0"/>
             <a:r>
-              <a:rPr lang="en-US" smtClean="0"/>
+              <a:rPr lang="en-US"/>
               <a:t>Click to edit Master text styles</a:t>
             </a:r>
           </a:p>
@@ -5633,7 +6448,7 @@
           <a:p>
             <a:fld id="{96FB5D56-0812-4ED5-8B52-3D0DCBF578CB}" type="datetimeFigureOut">
               <a:rPr lang="en-US" smtClean="0"/>
-              <a:t>2/24/2018</a:t>
+              <a:t>6/22/2018</a:t>
             </a:fld>
             <a:endParaRPr lang="en-US"/>
           </a:p>
@@ -5736,7 +6551,7 @@
           </a:lstStyle>
           <a:p>
             <a:r>
-              <a:rPr lang="en-US" smtClean="0"/>
+              <a:rPr lang="en-US"/>
               <a:t>Click to edit Master title style</a:t>
             </a:r>
             <a:endParaRPr lang="en-US" dirty="0"/>
@@ -5804,7 +6619,7 @@
           <a:p>
             <a:pPr lvl="0"/>
             <a:r>
-              <a:rPr lang="en-US" smtClean="0"/>
+              <a:rPr lang="en-US"/>
               <a:t>Click to edit Master text styles</a:t>
             </a:r>
           </a:p>
@@ -5827,7 +6642,7 @@
           <a:p>
             <a:fld id="{96FB5D56-0812-4ED5-8B52-3D0DCBF578CB}" type="datetimeFigureOut">
               <a:rPr lang="en-US" smtClean="0"/>
-              <a:t>2/24/2018</a:t>
+              <a:t>6/22/2018</a:t>
             </a:fld>
             <a:endParaRPr lang="en-US"/>
           </a:p>
@@ -5930,7 +6745,7 @@
           </a:lstStyle>
           <a:p>
             <a:r>
-              <a:rPr lang="en-US" smtClean="0"/>
+              <a:rPr lang="en-US"/>
               <a:t>Click to edit Master title style</a:t>
             </a:r>
             <a:endParaRPr lang="en-US" dirty="0"/>
@@ -6010,7 +6825,7 @@
               <a:buNone/>
             </a:pPr>
             <a:r>
-              <a:rPr lang="en-US" smtClean="0"/>
+              <a:rPr lang="en-US"/>
               <a:t>Click to edit Master text styles</a:t>
             </a:r>
           </a:p>
@@ -6077,7 +6892,7 @@
           <a:p>
             <a:pPr lvl="0"/>
             <a:r>
-              <a:rPr lang="en-US" smtClean="0"/>
+              <a:rPr lang="en-US"/>
               <a:t>Click to edit Master text styles</a:t>
             </a:r>
           </a:p>
@@ -6100,7 +6915,7 @@
           <a:p>
             <a:fld id="{96FB5D56-0812-4ED5-8B52-3D0DCBF578CB}" type="datetimeFigureOut">
               <a:rPr lang="en-US" smtClean="0"/>
-              <a:t>2/24/2018</a:t>
+              <a:t>6/22/2018</a:t>
             </a:fld>
             <a:endParaRPr lang="en-US"/>
           </a:p>
@@ -6297,7 +7112,7 @@
           </a:lstStyle>
           <a:p>
             <a:r>
-              <a:rPr lang="en-US" smtClean="0"/>
+              <a:rPr lang="en-US"/>
               <a:t>Click to edit Master title style</a:t>
             </a:r>
             <a:endParaRPr lang="en-US" dirty="0"/>
@@ -6418,7 +7233,7 @@
           <a:p>
             <a:pPr lvl="0"/>
             <a:r>
-              <a:rPr lang="en-US" smtClean="0"/>
+              <a:rPr lang="en-US"/>
               <a:t>Click to edit Master text styles</a:t>
             </a:r>
           </a:p>
@@ -6441,7 +7256,7 @@
           <a:p>
             <a:fld id="{96FB5D56-0812-4ED5-8B52-3D0DCBF578CB}" type="datetimeFigureOut">
               <a:rPr lang="en-US" smtClean="0"/>
-              <a:t>2/24/2018</a:t>
+              <a:t>6/22/2018</a:t>
             </a:fld>
             <a:endParaRPr lang="en-US"/>
           </a:p>
@@ -6539,7 +7354,7 @@
           </a:lstStyle>
           <a:p>
             <a:r>
-              <a:rPr lang="en-US" smtClean="0"/>
+              <a:rPr lang="en-US"/>
               <a:t>Click to edit Master title style</a:t>
             </a:r>
             <a:endParaRPr lang="en-US" dirty="0"/>
@@ -6614,7 +7429,7 @@
           <a:p>
             <a:pPr lvl="0"/>
             <a:r>
-              <a:rPr lang="en-US" smtClean="0"/>
+              <a:rPr lang="en-US"/>
               <a:t>Click to edit Master text styles</a:t>
             </a:r>
           </a:p>
@@ -6681,7 +7496,7 @@
           <a:p>
             <a:pPr lvl="0"/>
             <a:r>
-              <a:rPr lang="en-US" smtClean="0"/>
+              <a:rPr lang="en-US"/>
               <a:t>Click to edit Master text styles</a:t>
             </a:r>
           </a:p>
@@ -6755,7 +7570,7 @@
           <a:p>
             <a:pPr lvl="0"/>
             <a:r>
-              <a:rPr lang="en-US" smtClean="0"/>
+              <a:rPr lang="en-US"/>
               <a:t>Click to edit Master text styles</a:t>
             </a:r>
           </a:p>
@@ -6822,7 +7637,7 @@
           <a:p>
             <a:pPr lvl="0"/>
             <a:r>
-              <a:rPr lang="en-US" smtClean="0"/>
+              <a:rPr lang="en-US"/>
               <a:t>Click to edit Master text styles</a:t>
             </a:r>
           </a:p>
@@ -6896,7 +7711,7 @@
           <a:p>
             <a:pPr lvl="0"/>
             <a:r>
-              <a:rPr lang="en-US" smtClean="0"/>
+              <a:rPr lang="en-US"/>
               <a:t>Click to edit Master text styles</a:t>
             </a:r>
           </a:p>
@@ -6963,7 +7778,7 @@
           <a:p>
             <a:pPr lvl="0"/>
             <a:r>
-              <a:rPr lang="en-US" smtClean="0"/>
+              <a:rPr lang="en-US"/>
               <a:t>Click to edit Master text styles</a:t>
             </a:r>
           </a:p>
@@ -7064,7 +7879,7 @@
           <a:p>
             <a:fld id="{96FB5D56-0812-4ED5-8B52-3D0DCBF578CB}" type="datetimeFigureOut">
               <a:rPr lang="en-US" smtClean="0"/>
-              <a:t>2/24/2018</a:t>
+              <a:t>6/22/2018</a:t>
             </a:fld>
             <a:endParaRPr lang="en-US"/>
           </a:p>
@@ -7162,7 +7977,7 @@
           </a:lstStyle>
           <a:p>
             <a:r>
-              <a:rPr lang="en-US" smtClean="0"/>
+              <a:rPr lang="en-US"/>
               <a:t>Click to edit Master title style</a:t>
             </a:r>
             <a:endParaRPr lang="en-US" dirty="0"/>
@@ -7237,7 +8052,7 @@
           <a:p>
             <a:pPr lvl="0"/>
             <a:r>
-              <a:rPr lang="en-US" smtClean="0"/>
+              <a:rPr lang="en-US"/>
               <a:t>Click to edit Master text styles</a:t>
             </a:r>
           </a:p>
@@ -7315,7 +8130,7 @@
           </a:lstStyle>
           <a:p>
             <a:r>
-              <a:rPr lang="en-US" smtClean="0"/>
+              <a:rPr lang="en-US"/>
               <a:t>Click icon to add picture</a:t>
             </a:r>
             <a:endParaRPr lang="en-US" dirty="0"/>
@@ -7383,7 +8198,7 @@
           <a:p>
             <a:pPr lvl="0"/>
             <a:r>
-              <a:rPr lang="en-US" smtClean="0"/>
+              <a:rPr lang="en-US"/>
               <a:t>Click to edit Master text styles</a:t>
             </a:r>
           </a:p>
@@ -7457,7 +8272,7 @@
           <a:p>
             <a:pPr lvl="0"/>
             <a:r>
-              <a:rPr lang="en-US" smtClean="0"/>
+              <a:rPr lang="en-US"/>
               <a:t>Click to edit Master text styles</a:t>
             </a:r>
           </a:p>
@@ -7535,7 +8350,7 @@
           </a:lstStyle>
           <a:p>
             <a:r>
-              <a:rPr lang="en-US" smtClean="0"/>
+              <a:rPr lang="en-US"/>
               <a:t>Click icon to add picture</a:t>
             </a:r>
             <a:endParaRPr lang="en-US" dirty="0"/>
@@ -7603,7 +8418,7 @@
           <a:p>
             <a:pPr lvl="0"/>
             <a:r>
-              <a:rPr lang="en-US" smtClean="0"/>
+              <a:rPr lang="en-US"/>
               <a:t>Click to edit Master text styles</a:t>
             </a:r>
           </a:p>
@@ -7677,7 +8492,7 @@
           <a:p>
             <a:pPr lvl="0"/>
             <a:r>
-              <a:rPr lang="en-US" smtClean="0"/>
+              <a:rPr lang="en-US"/>
               <a:t>Click to edit Master text styles</a:t>
             </a:r>
           </a:p>
@@ -7755,7 +8570,7 @@
           </a:lstStyle>
           <a:p>
             <a:r>
-              <a:rPr lang="en-US" smtClean="0"/>
+              <a:rPr lang="en-US"/>
               <a:t>Click icon to add picture</a:t>
             </a:r>
             <a:endParaRPr lang="en-US" dirty="0"/>
@@ -7823,7 +8638,7 @@
           <a:p>
             <a:pPr lvl="0"/>
             <a:r>
-              <a:rPr lang="en-US" smtClean="0"/>
+              <a:rPr lang="en-US"/>
               <a:t>Click to edit Master text styles</a:t>
             </a:r>
           </a:p>
@@ -7924,7 +8739,7 @@
           <a:p>
             <a:fld id="{96FB5D56-0812-4ED5-8B52-3D0DCBF578CB}" type="datetimeFigureOut">
               <a:rPr lang="en-US" smtClean="0"/>
-              <a:t>2/24/2018</a:t>
+              <a:t>6/22/2018</a:t>
             </a:fld>
             <a:endParaRPr lang="en-US"/>
           </a:p>
@@ -8018,7 +8833,7 @@
           <a:lstStyle/>
           <a:p>
             <a:r>
-              <a:rPr lang="en-US" smtClean="0"/>
+              <a:rPr lang="en-US"/>
               <a:t>Click to edit Master title style</a:t>
             </a:r>
             <a:endParaRPr lang="en-US" dirty="0"/>
@@ -8042,35 +8857,35 @@
           <a:p>
             <a:pPr lvl="0"/>
             <a:r>
-              <a:rPr lang="en-US" smtClean="0"/>
+              <a:rPr lang="en-US"/>
               <a:t>Click to edit Master text styles</a:t>
             </a:r>
           </a:p>
           <a:p>
             <a:pPr lvl="1"/>
             <a:r>
-              <a:rPr lang="en-US" smtClean="0"/>
+              <a:rPr lang="en-US"/>
               <a:t>Second level</a:t>
             </a:r>
           </a:p>
           <a:p>
             <a:pPr lvl="2"/>
             <a:r>
-              <a:rPr lang="en-US" smtClean="0"/>
+              <a:rPr lang="en-US"/>
               <a:t>Third level</a:t>
             </a:r>
           </a:p>
           <a:p>
             <a:pPr lvl="3"/>
             <a:r>
-              <a:rPr lang="en-US" smtClean="0"/>
+              <a:rPr lang="en-US"/>
               <a:t>Fourth level</a:t>
             </a:r>
           </a:p>
           <a:p>
             <a:pPr lvl="4"/>
             <a:r>
-              <a:rPr lang="en-US" smtClean="0"/>
+              <a:rPr lang="en-US"/>
               <a:t>Fifth level</a:t>
             </a:r>
             <a:endParaRPr lang="en-US" dirty="0"/>
@@ -8094,7 +8909,7 @@
           <a:p>
             <a:fld id="{96FB5D56-0812-4ED5-8B52-3D0DCBF578CB}" type="datetimeFigureOut">
               <a:rPr lang="en-US" smtClean="0"/>
-              <a:t>2/24/2018</a:t>
+              <a:t>6/22/2018</a:t>
             </a:fld>
             <a:endParaRPr lang="en-US"/>
           </a:p>
@@ -8193,7 +9008,7 @@
           <a:lstStyle/>
           <a:p>
             <a:r>
-              <a:rPr lang="en-US" smtClean="0"/>
+              <a:rPr lang="en-US"/>
               <a:t>Click to edit Master title style</a:t>
             </a:r>
             <a:endParaRPr lang="en-US" dirty="0"/>
@@ -8222,35 +9037,35 @@
           <a:p>
             <a:pPr lvl="0"/>
             <a:r>
-              <a:rPr lang="en-US" smtClean="0"/>
+              <a:rPr lang="en-US"/>
               <a:t>Click to edit Master text styles</a:t>
             </a:r>
           </a:p>
           <a:p>
             <a:pPr lvl="1"/>
             <a:r>
-              <a:rPr lang="en-US" smtClean="0"/>
+              <a:rPr lang="en-US"/>
               <a:t>Second level</a:t>
             </a:r>
           </a:p>
           <a:p>
             <a:pPr lvl="2"/>
             <a:r>
-              <a:rPr lang="en-US" smtClean="0"/>
+              <a:rPr lang="en-US"/>
               <a:t>Third level</a:t>
             </a:r>
           </a:p>
           <a:p>
             <a:pPr lvl="3"/>
             <a:r>
-              <a:rPr lang="en-US" smtClean="0"/>
+              <a:rPr lang="en-US"/>
               <a:t>Fourth level</a:t>
             </a:r>
           </a:p>
           <a:p>
             <a:pPr lvl="4"/>
             <a:r>
-              <a:rPr lang="en-US" smtClean="0"/>
+              <a:rPr lang="en-US"/>
               <a:t>Fifth level</a:t>
             </a:r>
             <a:endParaRPr lang="en-US" dirty="0"/>
@@ -8274,7 +9089,7 @@
           <a:p>
             <a:fld id="{96FB5D56-0812-4ED5-8B52-3D0DCBF578CB}" type="datetimeFigureOut">
               <a:rPr lang="en-US" smtClean="0"/>
-              <a:t>2/24/2018</a:t>
+              <a:t>6/22/2018</a:t>
             </a:fld>
             <a:endParaRPr lang="en-US"/>
           </a:p>
@@ -8368,7 +9183,7 @@
           <a:lstStyle/>
           <a:p>
             <a:r>
-              <a:rPr lang="en-US" smtClean="0"/>
+              <a:rPr lang="en-US"/>
               <a:t>Click to edit Master title style</a:t>
             </a:r>
             <a:endParaRPr lang="en-US" dirty="0"/>
@@ -8392,35 +9207,35 @@
           <a:p>
             <a:pPr lvl="0"/>
             <a:r>
-              <a:rPr lang="en-US" smtClean="0"/>
+              <a:rPr lang="en-US"/>
               <a:t>Click to edit Master text styles</a:t>
             </a:r>
           </a:p>
           <a:p>
             <a:pPr lvl="1"/>
             <a:r>
-              <a:rPr lang="en-US" smtClean="0"/>
+              <a:rPr lang="en-US"/>
               <a:t>Second level</a:t>
             </a:r>
           </a:p>
           <a:p>
             <a:pPr lvl="2"/>
             <a:r>
-              <a:rPr lang="en-US" smtClean="0"/>
+              <a:rPr lang="en-US"/>
               <a:t>Third level</a:t>
             </a:r>
           </a:p>
           <a:p>
             <a:pPr lvl="3"/>
             <a:r>
-              <a:rPr lang="en-US" smtClean="0"/>
+              <a:rPr lang="en-US"/>
               <a:t>Fourth level</a:t>
             </a:r>
           </a:p>
           <a:p>
             <a:pPr lvl="4"/>
             <a:r>
-              <a:rPr lang="en-US" smtClean="0"/>
+              <a:rPr lang="en-US"/>
               <a:t>Fifth level</a:t>
             </a:r>
             <a:endParaRPr lang="en-US" dirty="0"/>
@@ -8444,7 +9259,7 @@
           <a:p>
             <a:fld id="{96FB5D56-0812-4ED5-8B52-3D0DCBF578CB}" type="datetimeFigureOut">
               <a:rPr lang="en-US" smtClean="0"/>
-              <a:t>2/24/2018</a:t>
+              <a:t>6/22/2018</a:t>
             </a:fld>
             <a:endParaRPr lang="en-US"/>
           </a:p>
@@ -8547,7 +9362,7 @@
           </a:lstStyle>
           <a:p>
             <a:r>
-              <a:rPr lang="en-US" smtClean="0"/>
+              <a:rPr lang="en-US"/>
               <a:t>Click to edit Master title style</a:t>
             </a:r>
             <a:endParaRPr lang="en-US" dirty="0"/>
@@ -8668,7 +9483,7 @@
           <a:p>
             <a:pPr lvl="0"/>
             <a:r>
-              <a:rPr lang="en-US" smtClean="0"/>
+              <a:rPr lang="en-US"/>
               <a:t>Click to edit Master text styles</a:t>
             </a:r>
           </a:p>
@@ -8691,7 +9506,7 @@
           <a:p>
             <a:fld id="{96FB5D56-0812-4ED5-8B52-3D0DCBF578CB}" type="datetimeFigureOut">
               <a:rPr lang="en-US" smtClean="0"/>
-              <a:t>2/24/2018</a:t>
+              <a:t>6/22/2018</a:t>
             </a:fld>
             <a:endParaRPr lang="en-US"/>
           </a:p>
@@ -8785,7 +9600,7 @@
           <a:lstStyle/>
           <a:p>
             <a:r>
-              <a:rPr lang="en-US" smtClean="0"/>
+              <a:rPr lang="en-US"/>
               <a:t>Click to edit Master title style</a:t>
             </a:r>
             <a:endParaRPr lang="en-US" dirty="0"/>
@@ -8844,35 +9659,35 @@
           <a:p>
             <a:pPr lvl="0"/>
             <a:r>
-              <a:rPr lang="en-US" smtClean="0"/>
+              <a:rPr lang="en-US"/>
               <a:t>Click to edit Master text styles</a:t>
             </a:r>
           </a:p>
           <a:p>
             <a:pPr lvl="1"/>
             <a:r>
-              <a:rPr lang="en-US" smtClean="0"/>
+              <a:rPr lang="en-US"/>
               <a:t>Second level</a:t>
             </a:r>
           </a:p>
           <a:p>
             <a:pPr lvl="2"/>
             <a:r>
-              <a:rPr lang="en-US" smtClean="0"/>
+              <a:rPr lang="en-US"/>
               <a:t>Third level</a:t>
             </a:r>
           </a:p>
           <a:p>
             <a:pPr lvl="3"/>
             <a:r>
-              <a:rPr lang="en-US" smtClean="0"/>
+              <a:rPr lang="en-US"/>
               <a:t>Fourth level</a:t>
             </a:r>
           </a:p>
           <a:p>
             <a:pPr lvl="4"/>
             <a:r>
-              <a:rPr lang="en-US" smtClean="0"/>
+              <a:rPr lang="en-US"/>
               <a:t>Fifth level</a:t>
             </a:r>
             <a:endParaRPr lang="en-US" dirty="0"/>
@@ -8931,35 +9746,35 @@
           <a:p>
             <a:pPr lvl="0"/>
             <a:r>
-              <a:rPr lang="en-US" smtClean="0"/>
+              <a:rPr lang="en-US"/>
               <a:t>Click to edit Master text styles</a:t>
             </a:r>
           </a:p>
           <a:p>
             <a:pPr lvl="1"/>
             <a:r>
-              <a:rPr lang="en-US" smtClean="0"/>
+              <a:rPr lang="en-US"/>
               <a:t>Second level</a:t>
             </a:r>
           </a:p>
           <a:p>
             <a:pPr lvl="2"/>
             <a:r>
-              <a:rPr lang="en-US" smtClean="0"/>
+              <a:rPr lang="en-US"/>
               <a:t>Third level</a:t>
             </a:r>
           </a:p>
           <a:p>
             <a:pPr lvl="3"/>
             <a:r>
-              <a:rPr lang="en-US" smtClean="0"/>
+              <a:rPr lang="en-US"/>
               <a:t>Fourth level</a:t>
             </a:r>
           </a:p>
           <a:p>
             <a:pPr lvl="4"/>
             <a:r>
-              <a:rPr lang="en-US" smtClean="0"/>
+              <a:rPr lang="en-US"/>
               <a:t>Fifth level</a:t>
             </a:r>
             <a:endParaRPr lang="en-US" dirty="0"/>
@@ -8983,7 +9798,7 @@
           <a:p>
             <a:fld id="{96FB5D56-0812-4ED5-8B52-3D0DCBF578CB}" type="datetimeFigureOut">
               <a:rPr lang="en-US" smtClean="0"/>
-              <a:t>2/24/2018</a:t>
+              <a:t>6/22/2018</a:t>
             </a:fld>
             <a:endParaRPr lang="en-US"/>
           </a:p>
@@ -9081,7 +9896,7 @@
           </a:lstStyle>
           <a:p>
             <a:r>
-              <a:rPr lang="en-US" smtClean="0"/>
+              <a:rPr lang="en-US"/>
               <a:t>Click to edit Master title style</a:t>
             </a:r>
             <a:endParaRPr lang="en-US" dirty="0"/>
@@ -9156,7 +9971,7 @@
           <a:p>
             <a:pPr lvl="0"/>
             <a:r>
-              <a:rPr lang="en-US" smtClean="0"/>
+              <a:rPr lang="en-US"/>
               <a:t>Click to edit Master text styles</a:t>
             </a:r>
           </a:p>
@@ -9214,35 +10029,35 @@
           <a:p>
             <a:pPr lvl="0"/>
             <a:r>
-              <a:rPr lang="en-US" smtClean="0"/>
+              <a:rPr lang="en-US"/>
               <a:t>Click to edit Master text styles</a:t>
             </a:r>
           </a:p>
           <a:p>
             <a:pPr lvl="1"/>
             <a:r>
-              <a:rPr lang="en-US" smtClean="0"/>
+              <a:rPr lang="en-US"/>
               <a:t>Second level</a:t>
             </a:r>
           </a:p>
           <a:p>
             <a:pPr lvl="2"/>
             <a:r>
-              <a:rPr lang="en-US" smtClean="0"/>
+              <a:rPr lang="en-US"/>
               <a:t>Third level</a:t>
             </a:r>
           </a:p>
           <a:p>
             <a:pPr lvl="3"/>
             <a:r>
-              <a:rPr lang="en-US" smtClean="0"/>
+              <a:rPr lang="en-US"/>
               <a:t>Fourth level</a:t>
             </a:r>
           </a:p>
           <a:p>
             <a:pPr lvl="4"/>
             <a:r>
-              <a:rPr lang="en-US" smtClean="0"/>
+              <a:rPr lang="en-US"/>
               <a:t>Fifth level</a:t>
             </a:r>
             <a:endParaRPr lang="en-US" dirty="0"/>
@@ -9317,7 +10132,7 @@
           <a:p>
             <a:pPr lvl="0"/>
             <a:r>
-              <a:rPr lang="en-US" smtClean="0"/>
+              <a:rPr lang="en-US"/>
               <a:t>Click to edit Master text styles</a:t>
             </a:r>
           </a:p>
@@ -9375,35 +10190,35 @@
           <a:p>
             <a:pPr lvl="0"/>
             <a:r>
-              <a:rPr lang="en-US" smtClean="0"/>
+              <a:rPr lang="en-US"/>
               <a:t>Click to edit Master text styles</a:t>
             </a:r>
           </a:p>
           <a:p>
             <a:pPr lvl="1"/>
             <a:r>
-              <a:rPr lang="en-US" smtClean="0"/>
+              <a:rPr lang="en-US"/>
               <a:t>Second level</a:t>
             </a:r>
           </a:p>
           <a:p>
             <a:pPr lvl="2"/>
             <a:r>
-              <a:rPr lang="en-US" smtClean="0"/>
+              <a:rPr lang="en-US"/>
               <a:t>Third level</a:t>
             </a:r>
           </a:p>
           <a:p>
             <a:pPr lvl="3"/>
             <a:r>
-              <a:rPr lang="en-US" smtClean="0"/>
+              <a:rPr lang="en-US"/>
               <a:t>Fourth level</a:t>
             </a:r>
           </a:p>
           <a:p>
             <a:pPr lvl="4"/>
             <a:r>
-              <a:rPr lang="en-US" smtClean="0"/>
+              <a:rPr lang="en-US"/>
               <a:t>Fifth level</a:t>
             </a:r>
             <a:endParaRPr lang="en-US" dirty="0"/>
@@ -9427,7 +10242,7 @@
           <a:p>
             <a:fld id="{96FB5D56-0812-4ED5-8B52-3D0DCBF578CB}" type="datetimeFigureOut">
               <a:rPr lang="en-US" smtClean="0"/>
-              <a:t>2/24/2018</a:t>
+              <a:t>6/22/2018</a:t>
             </a:fld>
             <a:endParaRPr lang="en-US"/>
           </a:p>
@@ -9521,7 +10336,7 @@
           <a:lstStyle/>
           <a:p>
             <a:r>
-              <a:rPr lang="en-US" smtClean="0"/>
+              <a:rPr lang="en-US"/>
               <a:t>Click to edit Master title style</a:t>
             </a:r>
             <a:endParaRPr lang="en-US" dirty="0"/>
@@ -9545,7 +10360,7 @@
           <a:p>
             <a:fld id="{96FB5D56-0812-4ED5-8B52-3D0DCBF578CB}" type="datetimeFigureOut">
               <a:rPr lang="en-US" smtClean="0"/>
-              <a:t>2/24/2018</a:t>
+              <a:t>6/22/2018</a:t>
             </a:fld>
             <a:endParaRPr lang="en-US"/>
           </a:p>
@@ -9640,7 +10455,7 @@
           <a:p>
             <a:fld id="{96FB5D56-0812-4ED5-8B52-3D0DCBF578CB}" type="datetimeFigureOut">
               <a:rPr lang="en-US" smtClean="0"/>
-              <a:t>2/24/2018</a:t>
+              <a:t>6/22/2018</a:t>
             </a:fld>
             <a:endParaRPr lang="en-US"/>
           </a:p>
@@ -9743,7 +10558,7 @@
           </a:lstStyle>
           <a:p>
             <a:r>
-              <a:rPr lang="en-US" smtClean="0"/>
+              <a:rPr lang="en-US"/>
               <a:t>Click to edit Master title style</a:t>
             </a:r>
             <a:endParaRPr lang="en-US" dirty="0"/>
@@ -9802,35 +10617,35 @@
           <a:p>
             <a:pPr lvl="0"/>
             <a:r>
-              <a:rPr lang="en-US" smtClean="0"/>
+              <a:rPr lang="en-US"/>
               <a:t>Click to edit Master text styles</a:t>
             </a:r>
           </a:p>
           <a:p>
             <a:pPr lvl="1"/>
             <a:r>
-              <a:rPr lang="en-US" smtClean="0"/>
+              <a:rPr lang="en-US"/>
               <a:t>Second level</a:t>
             </a:r>
           </a:p>
           <a:p>
             <a:pPr lvl="2"/>
             <a:r>
-              <a:rPr lang="en-US" smtClean="0"/>
+              <a:rPr lang="en-US"/>
               <a:t>Third level</a:t>
             </a:r>
           </a:p>
           <a:p>
             <a:pPr lvl="3"/>
             <a:r>
-              <a:rPr lang="en-US" smtClean="0"/>
+              <a:rPr lang="en-US"/>
               <a:t>Fourth level</a:t>
             </a:r>
           </a:p>
           <a:p>
             <a:pPr lvl="4"/>
             <a:r>
-              <a:rPr lang="en-US" smtClean="0"/>
+              <a:rPr lang="en-US"/>
               <a:t>Fifth level</a:t>
             </a:r>
             <a:endParaRPr lang="en-US" dirty="0"/>
@@ -9896,7 +10711,7 @@
           <a:p>
             <a:pPr lvl="0"/>
             <a:r>
-              <a:rPr lang="en-US" smtClean="0"/>
+              <a:rPr lang="en-US"/>
               <a:t>Click to edit Master text styles</a:t>
             </a:r>
           </a:p>
@@ -9919,7 +10734,7 @@
           <a:p>
             <a:fld id="{96FB5D56-0812-4ED5-8B52-3D0DCBF578CB}" type="datetimeFigureOut">
               <a:rPr lang="en-US" smtClean="0"/>
-              <a:t>2/24/2018</a:t>
+              <a:t>6/22/2018</a:t>
             </a:fld>
             <a:endParaRPr lang="en-US"/>
           </a:p>
@@ -10024,7 +10839,7 @@
           </a:lstStyle>
           <a:p>
             <a:r>
-              <a:rPr lang="en-US" smtClean="0"/>
+              <a:rPr lang="en-US"/>
               <a:t>Click to edit Master title style</a:t>
             </a:r>
             <a:endParaRPr lang="en-US" dirty="0"/>
@@ -10103,7 +10918,7 @@
           </a:lstStyle>
           <a:p>
             <a:r>
-              <a:rPr lang="en-US" smtClean="0"/>
+              <a:rPr lang="en-US"/>
               <a:t>Click icon to add picture</a:t>
             </a:r>
             <a:endParaRPr lang="en-US" dirty="0"/>
@@ -10171,7 +10986,7 @@
           <a:p>
             <a:pPr lvl="0"/>
             <a:r>
-              <a:rPr lang="en-US" smtClean="0"/>
+              <a:rPr lang="en-US"/>
               <a:t>Click to edit Master text styles</a:t>
             </a:r>
           </a:p>
@@ -10194,7 +11009,7 @@
           <a:p>
             <a:fld id="{96FB5D56-0812-4ED5-8B52-3D0DCBF578CB}" type="datetimeFigureOut">
               <a:rPr lang="en-US" smtClean="0"/>
-              <a:t>2/24/2018</a:t>
+              <a:t>6/22/2018</a:t>
             </a:fld>
             <a:endParaRPr lang="en-US"/>
           </a:p>
@@ -10518,7 +11333,7 @@
           <a:lstStyle/>
           <a:p>
             <a:r>
-              <a:rPr lang="en-US" smtClean="0"/>
+              <a:rPr lang="en-US"/>
               <a:t>Click to edit Master title style</a:t>
             </a:r>
             <a:endParaRPr lang="en-US" dirty="0"/>
@@ -10552,35 +11367,35 @@
           <a:p>
             <a:pPr lvl="0"/>
             <a:r>
-              <a:rPr lang="en-US" smtClean="0"/>
+              <a:rPr lang="en-US"/>
               <a:t>Click to edit Master text styles</a:t>
             </a:r>
           </a:p>
           <a:p>
             <a:pPr lvl="1"/>
             <a:r>
-              <a:rPr lang="en-US" smtClean="0"/>
+              <a:rPr lang="en-US"/>
               <a:t>Second level</a:t>
             </a:r>
           </a:p>
           <a:p>
             <a:pPr lvl="2"/>
             <a:r>
-              <a:rPr lang="en-US" smtClean="0"/>
+              <a:rPr lang="en-US"/>
               <a:t>Third level</a:t>
             </a:r>
           </a:p>
           <a:p>
             <a:pPr lvl="3"/>
             <a:r>
-              <a:rPr lang="en-US" smtClean="0"/>
+              <a:rPr lang="en-US"/>
               <a:t>Fourth level</a:t>
             </a:r>
           </a:p>
           <a:p>
             <a:pPr lvl="4"/>
             <a:r>
-              <a:rPr lang="en-US" smtClean="0"/>
+              <a:rPr lang="en-US"/>
               <a:t>Fifth level</a:t>
             </a:r>
             <a:endParaRPr lang="en-US" dirty="0"/>
@@ -10623,7 +11438,7 @@
           <a:p>
             <a:fld id="{96FB5D56-0812-4ED5-8B52-3D0DCBF578CB}" type="datetimeFigureOut">
               <a:rPr lang="en-US" smtClean="0"/>
-              <a:t>2/24/2018</a:t>
+              <a:t>6/22/2018</a:t>
             </a:fld>
             <a:endParaRPr lang="en-US"/>
           </a:p>
@@ -11167,14 +11982,13 @@
           <a:lstStyle/>
           <a:p>
             <a:r>
-              <a:rPr lang="en-US" dirty="0" err="1" smtClean="0"/>
+              <a:rPr lang="en-US" dirty="0" err="1"/>
               <a:t>Logols</a:t>
             </a:r>
             <a:r>
-              <a:rPr lang="en-US" dirty="0" smtClean="0"/>
+              <a:rPr lang="en-US" dirty="0"/>
               <a:t> Learning</a:t>
             </a:r>
-            <a:endParaRPr lang="en-US" dirty="0"/>
           </a:p>
         </p:txBody>
       </p:sp>
@@ -11194,25 +12008,23 @@
           <a:lstStyle/>
           <a:p>
             <a:r>
-              <a:rPr lang="en-US" dirty="0" smtClean="0"/>
+              <a:rPr lang="en-US" dirty="0"/>
               <a:t>Weekend web Development Boot Camp</a:t>
             </a:r>
-            <a:endParaRPr lang="en-US" dirty="0"/>
-          </a:p>
-          <a:p>
-            <a:r>
-              <a:rPr lang="en-US" dirty="0" smtClean="0"/>
+          </a:p>
+          <a:p>
+            <a:r>
+              <a:rPr lang="en-US" dirty="0"/>
               <a:t>Training:  </a:t>
             </a:r>
             <a:r>
-              <a:rPr lang="en-US" dirty="0" err="1" smtClean="0"/>
+              <a:rPr lang="en-US" dirty="0" err="1"/>
               <a:t>Javascript</a:t>
             </a:r>
             <a:r>
-              <a:rPr lang="en-US" dirty="0" smtClean="0"/>
+              <a:rPr lang="en-US" dirty="0"/>
               <a:t>/typescript</a:t>
             </a:r>
-            <a:endParaRPr lang="en-US" dirty="0"/>
           </a:p>
         </p:txBody>
       </p:sp>
@@ -11226,13 +12038,6 @@
   <p:clrMapOvr>
     <a:masterClrMapping/>
   </p:clrMapOvr>
-  <p:timing>
-    <p:tnLst>
-      <p:par>
-        <p:cTn id="1" dur="indefinite" restart="never" nodeType="tmRoot"/>
-      </p:par>
-    </p:tnLst>
-  </p:timing>
 </p:sld>
 </file>
 
@@ -11269,10 +12074,9 @@
           <a:lstStyle/>
           <a:p>
             <a:r>
-              <a:rPr lang="en-US" dirty="0" smtClean="0"/>
+              <a:rPr lang="en-US" dirty="0"/>
               <a:t>ASSESSMENT</a:t>
             </a:r>
-            <a:endParaRPr lang="en-US" dirty="0"/>
           </a:p>
         </p:txBody>
       </p:sp>
@@ -11292,10 +12096,9 @@
           <a:lstStyle/>
           <a:p>
             <a:r>
-              <a:rPr lang="en-US" dirty="0" smtClean="0"/>
+              <a:rPr lang="en-US" dirty="0"/>
               <a:t>variables</a:t>
             </a:r>
-            <a:endParaRPr lang="en-US" dirty="0"/>
           </a:p>
         </p:txBody>
       </p:sp>
@@ -11339,13 +12142,6 @@
   <p:clrMapOvr>
     <a:masterClrMapping/>
   </p:clrMapOvr>
-  <p:timing>
-    <p:tnLst>
-      <p:par>
-        <p:cTn id="1" dur="indefinite" restart="never" nodeType="tmRoot"/>
-      </p:par>
-    </p:tnLst>
-  </p:timing>
 </p:sld>
 </file>
 
@@ -11382,10 +12178,9 @@
           <a:lstStyle/>
           <a:p>
             <a:r>
-              <a:rPr lang="en-US" dirty="0" smtClean="0"/>
+              <a:rPr lang="en-US" dirty="0"/>
               <a:t>Comparison Operators</a:t>
             </a:r>
-            <a:endParaRPr lang="en-US" dirty="0"/>
           </a:p>
         </p:txBody>
       </p:sp>
@@ -11406,50 +12201,82 @@
           </a:bodyPr>
           <a:lstStyle/>
           <a:p>
-            <a:r>
-              <a:rPr lang="en-US" sz="2400" dirty="0" smtClean="0"/>
+            <a:pPr>
+              <a:buFont typeface="Arial" panose="020B0604020202020204" pitchFamily="34" charset="0"/>
+              <a:buChar char="•"/>
+            </a:pPr>
+            <a:r>
+              <a:rPr lang="en-US" sz="2400" dirty="0"/>
               <a:t>== equal to</a:t>
             </a:r>
           </a:p>
           <a:p>
-            <a:r>
-              <a:rPr lang="en-US" sz="2400" dirty="0" smtClean="0"/>
+            <a:pPr>
+              <a:buFont typeface="Arial" panose="020B0604020202020204" pitchFamily="34" charset="0"/>
+              <a:buChar char="•"/>
+            </a:pPr>
+            <a:r>
+              <a:rPr lang="en-US" sz="2400" dirty="0"/>
               <a:t>=== equal value and equal type</a:t>
             </a:r>
           </a:p>
           <a:p>
-            <a:r>
-              <a:rPr lang="en-US" sz="2400" dirty="0" smtClean="0"/>
+            <a:pPr>
+              <a:buFont typeface="Arial" panose="020B0604020202020204" pitchFamily="34" charset="0"/>
+              <a:buChar char="•"/>
+            </a:pPr>
+            <a:r>
+              <a:rPr lang="en-US" sz="2400" dirty="0"/>
               <a:t>!= not equal</a:t>
             </a:r>
           </a:p>
           <a:p>
-            <a:r>
-              <a:rPr lang="en-US" sz="2400" dirty="0" smtClean="0"/>
+            <a:pPr>
+              <a:buFont typeface="Arial" panose="020B0604020202020204" pitchFamily="34" charset="0"/>
+              <a:buChar char="•"/>
+            </a:pPr>
+            <a:r>
+              <a:rPr lang="en-US" sz="2400" dirty="0"/>
               <a:t>!== not equal value or not equal type</a:t>
             </a:r>
           </a:p>
           <a:p>
-            <a:r>
-              <a:rPr lang="en-US" sz="2400" dirty="0" smtClean="0"/>
+            <a:pPr>
+              <a:buFont typeface="Arial" panose="020B0604020202020204" pitchFamily="34" charset="0"/>
+              <a:buChar char="•"/>
+            </a:pPr>
+            <a:r>
+              <a:rPr lang="en-US" sz="2400" dirty="0"/>
               <a:t>&gt; greater than</a:t>
             </a:r>
           </a:p>
           <a:p>
-            <a:r>
-              <a:rPr lang="en-US" sz="2400" dirty="0" smtClean="0"/>
+            <a:pPr>
+              <a:buFont typeface="Arial" panose="020B0604020202020204" pitchFamily="34" charset="0"/>
+              <a:buChar char="•"/>
+            </a:pPr>
+            <a:r>
+              <a:rPr lang="en-US" sz="2400" dirty="0"/>
               <a:t>&lt; less than</a:t>
             </a:r>
           </a:p>
           <a:p>
-            <a:r>
-              <a:rPr lang="en-US" sz="2400" dirty="0" smtClean="0"/>
+            <a:pPr>
+              <a:buFont typeface="Arial" panose="020B0604020202020204" pitchFamily="34" charset="0"/>
+              <a:buChar char="•"/>
+            </a:pPr>
+            <a:r>
+              <a:rPr lang="en-US" sz="2400" dirty="0"/>
               <a:t>&gt;= greater than or equal to</a:t>
             </a:r>
           </a:p>
           <a:p>
-            <a:r>
-              <a:rPr lang="en-US" sz="2400" dirty="0" smtClean="0"/>
+            <a:pPr>
+              <a:buFont typeface="Arial" panose="020B0604020202020204" pitchFamily="34" charset="0"/>
+              <a:buChar char="•"/>
+            </a:pPr>
+            <a:r>
+              <a:rPr lang="en-US" sz="2400" dirty="0"/>
               <a:t>&lt;= less than or equal to</a:t>
             </a:r>
           </a:p>
@@ -11501,10 +12328,9 @@
           <a:lstStyle/>
           <a:p>
             <a:r>
-              <a:rPr lang="en-US" dirty="0" smtClean="0"/>
+              <a:rPr lang="en-US" dirty="0"/>
               <a:t>Logical Operators</a:t>
             </a:r>
-            <a:endParaRPr lang="en-US" dirty="0"/>
           </a:p>
         </p:txBody>
       </p:sp>
@@ -11525,23 +12351,34 @@
           </a:bodyPr>
           <a:lstStyle/>
           <a:p>
-            <a:r>
-              <a:rPr lang="en-US" sz="2800" dirty="0" smtClean="0"/>
+            <a:pPr>
+              <a:buFont typeface="Arial" panose="020B0604020202020204" pitchFamily="34" charset="0"/>
+              <a:buChar char="•"/>
+            </a:pPr>
+            <a:r>
+              <a:rPr lang="en-US" sz="2800" dirty="0"/>
               <a:t>&amp;&amp; logical and</a:t>
             </a:r>
           </a:p>
           <a:p>
-            <a:r>
-              <a:rPr lang="en-US" sz="2800" dirty="0" smtClean="0"/>
+            <a:pPr>
+              <a:buFont typeface="Arial" panose="020B0604020202020204" pitchFamily="34" charset="0"/>
+              <a:buChar char="•"/>
+            </a:pPr>
+            <a:r>
+              <a:rPr lang="en-US" sz="2800" dirty="0"/>
               <a:t>|| logical or</a:t>
             </a:r>
           </a:p>
           <a:p>
-            <a:r>
-              <a:rPr lang="en-US" sz="2800" dirty="0" smtClean="0"/>
+            <a:pPr>
+              <a:buFont typeface="Arial" panose="020B0604020202020204" pitchFamily="34" charset="0"/>
+              <a:buChar char="•"/>
+            </a:pPr>
+            <a:r>
+              <a:rPr lang="en-US" sz="2800" dirty="0"/>
               <a:t>! Logical not</a:t>
             </a:r>
-            <a:endParaRPr lang="en-US" sz="2800" dirty="0"/>
           </a:p>
         </p:txBody>
       </p:sp>
@@ -11591,10 +12428,9 @@
           <a:lstStyle/>
           <a:p>
             <a:r>
-              <a:rPr lang="en-US" dirty="0" smtClean="0"/>
+              <a:rPr lang="en-US" dirty="0"/>
               <a:t>Conditional Statements</a:t>
             </a:r>
-            <a:endParaRPr lang="en-US" dirty="0"/>
           </a:p>
         </p:txBody>
       </p:sp>
@@ -11615,30 +12451,42 @@
           </a:bodyPr>
           <a:lstStyle/>
           <a:p>
-            <a:r>
-              <a:rPr lang="en-US" sz="2800" dirty="0" smtClean="0"/>
+            <a:pPr>
+              <a:buFont typeface="Arial" panose="020B0604020202020204" pitchFamily="34" charset="0"/>
+              <a:buChar char="•"/>
+            </a:pPr>
+            <a:r>
+              <a:rPr lang="en-US" sz="2800" dirty="0"/>
               <a:t>If</a:t>
             </a:r>
           </a:p>
           <a:p>
+            <a:pPr>
+              <a:buFont typeface="Arial" panose="020B0604020202020204" pitchFamily="34" charset="0"/>
+              <a:buChar char="•"/>
+            </a:pPr>
             <a:r>
               <a:rPr lang="en-US" sz="2800" dirty="0"/>
-              <a:t>e</a:t>
-            </a:r>
-            <a:r>
-              <a:rPr lang="en-US" sz="2800" dirty="0" smtClean="0"/>
-              <a:t>lse</a:t>
-            </a:r>
-          </a:p>
-          <a:p>
-            <a:r>
-              <a:rPr lang="en-US" sz="2800" dirty="0" smtClean="0"/>
+              <a:t>else</a:t>
+            </a:r>
+          </a:p>
+          <a:p>
+            <a:pPr>
+              <a:buFont typeface="Arial" panose="020B0604020202020204" pitchFamily="34" charset="0"/>
+              <a:buChar char="•"/>
+            </a:pPr>
+            <a:r>
+              <a:rPr lang="en-US" sz="2800" dirty="0"/>
               <a:t>else if</a:t>
             </a:r>
           </a:p>
           <a:p>
-            <a:r>
-              <a:rPr lang="en-US" sz="2800" dirty="0" smtClean="0"/>
+            <a:pPr>
+              <a:buFont typeface="Arial" panose="020B0604020202020204" pitchFamily="34" charset="0"/>
+              <a:buChar char="•"/>
+            </a:pPr>
+            <a:r>
+              <a:rPr lang="en-US" sz="2800" dirty="0"/>
               <a:t>switch</a:t>
             </a:r>
           </a:p>
@@ -11712,10 +12560,9 @@
           <a:lstStyle/>
           <a:p>
             <a:r>
-              <a:rPr lang="en-US" dirty="0" smtClean="0"/>
+              <a:rPr lang="en-US" dirty="0"/>
               <a:t>Conditions</a:t>
             </a:r>
-            <a:endParaRPr lang="en-US" dirty="0"/>
           </a:p>
         </p:txBody>
       </p:sp>
@@ -11759,13 +12606,6 @@
   <p:clrMapOvr>
     <a:masterClrMapping/>
   </p:clrMapOvr>
-  <p:timing>
-    <p:tnLst>
-      <p:par>
-        <p:cTn id="1" dur="indefinite" restart="never" nodeType="tmRoot"/>
-      </p:par>
-    </p:tnLst>
-  </p:timing>
 </p:sld>
 </file>
 
@@ -11802,10 +12642,9 @@
           <a:lstStyle/>
           <a:p>
             <a:r>
-              <a:rPr lang="en-US" dirty="0" smtClean="0"/>
+              <a:rPr lang="en-US" dirty="0"/>
               <a:t>ASSESSMENT</a:t>
             </a:r>
-            <a:endParaRPr lang="en-US" dirty="0"/>
           </a:p>
         </p:txBody>
       </p:sp>
@@ -11825,10 +12664,9 @@
           <a:lstStyle/>
           <a:p>
             <a:r>
-              <a:rPr lang="en-US" dirty="0" smtClean="0"/>
+              <a:rPr lang="en-US" dirty="0"/>
               <a:t>Conditions</a:t>
             </a:r>
-            <a:endParaRPr lang="en-US" dirty="0"/>
           </a:p>
         </p:txBody>
       </p:sp>
@@ -11872,13 +12710,6 @@
   <p:clrMapOvr>
     <a:masterClrMapping/>
   </p:clrMapOvr>
-  <p:timing>
-    <p:tnLst>
-      <p:par>
-        <p:cTn id="1" dur="indefinite" restart="never" nodeType="tmRoot"/>
-      </p:par>
-    </p:tnLst>
-  </p:timing>
 </p:sld>
 </file>
 
@@ -11915,10 +12746,9 @@
           <a:lstStyle/>
           <a:p>
             <a:r>
-              <a:rPr lang="en-US" dirty="0" smtClean="0"/>
+              <a:rPr lang="en-US" dirty="0"/>
               <a:t>Assignment</a:t>
             </a:r>
-            <a:endParaRPr lang="en-US" dirty="0"/>
           </a:p>
         </p:txBody>
       </p:sp>
@@ -11944,33 +12774,44 @@
           </a:bodyPr>
           <a:lstStyle/>
           <a:p>
-            <a:r>
-              <a:rPr lang="en-US" sz="2800" dirty="0" smtClean="0"/>
+            <a:pPr>
+              <a:buFont typeface="Arial" panose="020B0604020202020204" pitchFamily="34" charset="0"/>
+              <a:buChar char="•"/>
+            </a:pPr>
+            <a:r>
+              <a:rPr lang="en-US" sz="2800" dirty="0"/>
               <a:t>A status report is needed of all government employees.  Statuses are:</a:t>
             </a:r>
           </a:p>
           <a:p>
-            <a:pPr lvl="1"/>
-            <a:r>
-              <a:rPr lang="en-US" sz="2800" dirty="0" smtClean="0"/>
+            <a:pPr lvl="1">
+              <a:buFont typeface="Courier New" panose="02070309020205020404" pitchFamily="49" charset="0"/>
+              <a:buChar char="o"/>
+            </a:pPr>
+            <a:r>
+              <a:rPr lang="en-US" sz="2800" dirty="0"/>
               <a:t>1: Alive, 2: Zombie, 3: Dead, 4: Unknown</a:t>
             </a:r>
-            <a:endParaRPr lang="en-US" sz="2800" dirty="0"/>
-          </a:p>
-          <a:p>
-            <a:pPr lvl="0"/>
-            <a:r>
-              <a:rPr lang="en-US" sz="2800" dirty="0" smtClean="0"/>
+          </a:p>
+          <a:p>
+            <a:pPr lvl="0">
+              <a:buFont typeface="Arial" panose="020B0604020202020204" pitchFamily="34" charset="0"/>
+              <a:buChar char="•"/>
+            </a:pPr>
+            <a:r>
+              <a:rPr lang="en-US" sz="2800" dirty="0"/>
               <a:t>Given a number variable, write if else statements and console out the persons status.</a:t>
             </a:r>
           </a:p>
           <a:p>
-            <a:pPr lvl="0"/>
-            <a:r>
-              <a:rPr lang="en-US" sz="2800" dirty="0" smtClean="0"/>
+            <a:pPr lvl="0">
+              <a:buFont typeface="Arial" panose="020B0604020202020204" pitchFamily="34" charset="0"/>
+              <a:buChar char="•"/>
+            </a:pPr>
+            <a:r>
+              <a:rPr lang="en-US" sz="2800" dirty="0"/>
               <a:t>Using the same number variable, modify your code to perform the same operation with a switch statement.</a:t>
             </a:r>
-            <a:endParaRPr lang="en-US" sz="2800" dirty="0"/>
           </a:p>
         </p:txBody>
       </p:sp>
@@ -12049,10 +12890,9 @@
           <a:lstStyle/>
           <a:p>
             <a:r>
-              <a:rPr lang="en-US" dirty="0" smtClean="0"/>
+              <a:rPr lang="en-US" dirty="0"/>
               <a:t>Loops</a:t>
             </a:r>
-            <a:endParaRPr lang="en-US" dirty="0"/>
           </a:p>
         </p:txBody>
       </p:sp>
@@ -12073,26 +12913,42 @@
           </a:bodyPr>
           <a:lstStyle/>
           <a:p>
-            <a:r>
-              <a:rPr lang="en-US" sz="2800" dirty="0" smtClean="0"/>
+            <a:pPr>
+              <a:buFont typeface="Arial" panose="020B0604020202020204" pitchFamily="34" charset="0"/>
+              <a:buChar char="•"/>
+            </a:pPr>
+            <a:r>
+              <a:rPr lang="en-US" sz="2800" dirty="0"/>
               <a:t>for</a:t>
             </a:r>
           </a:p>
           <a:p>
-            <a:r>
-              <a:rPr lang="en-US" sz="2800" dirty="0" smtClean="0"/>
+            <a:pPr>
+              <a:buFont typeface="Arial" panose="020B0604020202020204" pitchFamily="34" charset="0"/>
+              <a:buChar char="•"/>
+            </a:pPr>
+            <a:r>
+              <a:rPr lang="en-US" sz="2800" dirty="0"/>
               <a:t>for / of</a:t>
             </a:r>
           </a:p>
           <a:p>
-            <a:r>
-              <a:rPr lang="en-US" sz="2800" dirty="0" smtClean="0"/>
+            <a:pPr>
+              <a:buFont typeface="Arial" panose="020B0604020202020204" pitchFamily="34" charset="0"/>
+              <a:buChar char="•"/>
+            </a:pPr>
+            <a:r>
+              <a:rPr lang="en-US" sz="2800" dirty="0"/>
               <a:t>while</a:t>
             </a:r>
           </a:p>
           <a:p>
-            <a:r>
-              <a:rPr lang="en-US" sz="2800" dirty="0" smtClean="0"/>
+            <a:pPr>
+              <a:buFont typeface="Arial" panose="020B0604020202020204" pitchFamily="34" charset="0"/>
+              <a:buChar char="•"/>
+            </a:pPr>
+            <a:r>
+              <a:rPr lang="en-US" sz="2800" dirty="0"/>
               <a:t>do / while</a:t>
             </a:r>
           </a:p>
@@ -12166,10 +13022,9 @@
           <a:lstStyle/>
           <a:p>
             <a:r>
-              <a:rPr lang="en-US" dirty="0" smtClean="0"/>
+              <a:rPr lang="en-US" dirty="0"/>
               <a:t>Loops</a:t>
             </a:r>
-            <a:endParaRPr lang="en-US" dirty="0"/>
           </a:p>
         </p:txBody>
       </p:sp>
@@ -12213,13 +13068,6 @@
   <p:clrMapOvr>
     <a:masterClrMapping/>
   </p:clrMapOvr>
-  <p:timing>
-    <p:tnLst>
-      <p:par>
-        <p:cTn id="1" dur="indefinite" restart="never" nodeType="tmRoot"/>
-      </p:par>
-    </p:tnLst>
-  </p:timing>
 </p:sld>
 </file>
 
@@ -12256,10 +13104,9 @@
           <a:lstStyle/>
           <a:p>
             <a:r>
-              <a:rPr lang="en-US" dirty="0" smtClean="0"/>
+              <a:rPr lang="en-US" dirty="0"/>
               <a:t>ASSESSMENT</a:t>
             </a:r>
-            <a:endParaRPr lang="en-US" dirty="0"/>
           </a:p>
         </p:txBody>
       </p:sp>
@@ -12279,10 +13126,9 @@
           <a:lstStyle/>
           <a:p>
             <a:r>
-              <a:rPr lang="en-US" dirty="0" smtClean="0"/>
+              <a:rPr lang="en-US" dirty="0"/>
               <a:t>Loops</a:t>
             </a:r>
-            <a:endParaRPr lang="en-US" dirty="0"/>
           </a:p>
         </p:txBody>
       </p:sp>
@@ -12326,13 +13172,6 @@
   <p:clrMapOvr>
     <a:masterClrMapping/>
   </p:clrMapOvr>
-  <p:timing>
-    <p:tnLst>
-      <p:par>
-        <p:cTn id="1" dur="indefinite" restart="never" nodeType="tmRoot"/>
-      </p:par>
-    </p:tnLst>
-  </p:timing>
 </p:sld>
 </file>
 
@@ -12369,18 +13208,17 @@
           <a:lstStyle/>
           <a:p>
             <a:r>
-              <a:rPr lang="en-US" dirty="0" smtClean="0"/>
+              <a:rPr lang="en-US" dirty="0"/>
               <a:t>What is </a:t>
             </a:r>
             <a:r>
-              <a:rPr lang="en-US" dirty="0" err="1" smtClean="0"/>
+              <a:rPr lang="en-US" dirty="0" err="1"/>
               <a:t>Javascript</a:t>
             </a:r>
             <a:r>
-              <a:rPr lang="en-US" dirty="0" smtClean="0"/>
+              <a:rPr lang="en-US" dirty="0"/>
               <a:t>?</a:t>
             </a:r>
-            <a:endParaRPr lang="en-US" dirty="0"/>
           </a:p>
         </p:txBody>
       </p:sp>
@@ -12401,53 +13239,66 @@
           </a:bodyPr>
           <a:lstStyle/>
           <a:p>
-            <a:r>
-              <a:rPr lang="en-US" sz="2800" dirty="0" err="1" smtClean="0"/>
+            <a:pPr>
+              <a:buFont typeface="Arial" panose="020B0604020202020204" pitchFamily="34" charset="0"/>
+              <a:buChar char="•"/>
+            </a:pPr>
+            <a:r>
+              <a:rPr lang="en-US" sz="2800" dirty="0" err="1"/>
               <a:t>Javascript</a:t>
             </a:r>
             <a:r>
-              <a:rPr lang="en-US" sz="2800" dirty="0" smtClean="0"/>
+              <a:rPr lang="en-US" sz="2800" dirty="0"/>
               <a:t> != Java</a:t>
             </a:r>
           </a:p>
           <a:p>
-            <a:r>
-              <a:rPr lang="en-US" sz="2800" dirty="0" err="1" smtClean="0"/>
+            <a:pPr>
+              <a:buFont typeface="Arial" panose="020B0604020202020204" pitchFamily="34" charset="0"/>
+              <a:buChar char="•"/>
+            </a:pPr>
+            <a:r>
+              <a:rPr lang="en-US" sz="2800" dirty="0" err="1"/>
               <a:t>LiveScript</a:t>
             </a:r>
             <a:r>
-              <a:rPr lang="en-US" sz="2800" dirty="0" smtClean="0"/>
+              <a:rPr lang="en-US" sz="2800" dirty="0"/>
               <a:t> vs. ECMAScript vs. JavaScript</a:t>
             </a:r>
           </a:p>
           <a:p>
-            <a:r>
-              <a:rPr lang="en-US" sz="2800" dirty="0" smtClean="0"/>
+            <a:pPr>
+              <a:buFont typeface="Arial" panose="020B0604020202020204" pitchFamily="34" charset="0"/>
+              <a:buChar char="•"/>
+            </a:pPr>
+            <a:r>
+              <a:rPr lang="en-US" sz="2800" dirty="0"/>
               <a:t>Client Side Scripting vs. Full Language</a:t>
             </a:r>
           </a:p>
           <a:p>
-            <a:r>
-              <a:rPr lang="en-US" sz="2800" dirty="0" err="1" smtClean="0"/>
+            <a:pPr>
+              <a:buFont typeface="Arial" panose="020B0604020202020204" pitchFamily="34" charset="0"/>
+              <a:buChar char="•"/>
+            </a:pPr>
+            <a:r>
+              <a:rPr lang="en-US" sz="2800" dirty="0" err="1"/>
               <a:t>Javascript</a:t>
             </a:r>
             <a:r>
-              <a:rPr lang="en-US" sz="2800" dirty="0" smtClean="0"/>
+              <a:rPr lang="en-US" sz="2800" dirty="0"/>
               <a:t> Engine or Virtual Machine</a:t>
             </a:r>
           </a:p>
           <a:p>
-            <a:r>
-              <a:rPr lang="en-US" sz="2800" dirty="0" smtClean="0"/>
+            <a:pPr>
+              <a:buFont typeface="Arial" panose="020B0604020202020204" pitchFamily="34" charset="0"/>
+              <a:buChar char="•"/>
+            </a:pPr>
+            <a:r>
+              <a:rPr lang="en-US" sz="2800" dirty="0"/>
               <a:t>“Safe” Programming Language – Ignores Memory/CPU</a:t>
             </a:r>
-          </a:p>
-          <a:p>
-            <a:r>
-              <a:rPr lang="en-US" sz="2800" dirty="0" smtClean="0"/>
-              <a:t>Objects, but not really object oriented</a:t>
-            </a:r>
-            <a:endParaRPr lang="en-US" sz="2800" dirty="0"/>
           </a:p>
         </p:txBody>
       </p:sp>
@@ -12497,10 +13348,9 @@
           <a:lstStyle/>
           <a:p>
             <a:r>
-              <a:rPr lang="en-US" dirty="0" smtClean="0"/>
+              <a:rPr lang="en-US" dirty="0"/>
               <a:t>Assignment</a:t>
             </a:r>
-            <a:endParaRPr lang="en-US" dirty="0"/>
           </a:p>
         </p:txBody>
       </p:sp>
@@ -12522,44 +13372,58 @@
         </p:spPr>
         <p:txBody>
           <a:bodyPr>
-            <a:normAutofit lnSpcReduction="10000"/>
+            <a:normAutofit/>
           </a:bodyPr>
           <a:lstStyle/>
           <a:p>
-            <a:r>
-              <a:rPr lang="en-US" sz="2800" dirty="0" smtClean="0"/>
+            <a:pPr>
+              <a:buFont typeface="Arial" panose="020B0604020202020204" pitchFamily="34" charset="0"/>
+              <a:buChar char="•"/>
+            </a:pPr>
+            <a:r>
+              <a:rPr lang="en-US" sz="2800" dirty="0"/>
               <a:t>A status report is needed of all government employees.  Statuses are:</a:t>
             </a:r>
           </a:p>
           <a:p>
-            <a:pPr lvl="1"/>
-            <a:r>
-              <a:rPr lang="en-US" sz="2800" dirty="0" smtClean="0"/>
+            <a:pPr lvl="1">
+              <a:buFont typeface="Courier New" panose="02070309020205020404" pitchFamily="49" charset="0"/>
+              <a:buChar char="o"/>
+            </a:pPr>
+            <a:r>
+              <a:rPr lang="en-US" sz="2800" dirty="0"/>
               <a:t>1: Alive, 2: Zombie, 3: Dead, 4: Unknown</a:t>
             </a:r>
-            <a:endParaRPr lang="en-US" sz="2800" dirty="0"/>
-          </a:p>
-          <a:p>
-            <a:pPr lvl="0"/>
-            <a:r>
-              <a:rPr lang="en-US" sz="2800" dirty="0" smtClean="0"/>
+          </a:p>
+          <a:p>
+            <a:pPr lvl="0">
+              <a:buFont typeface="Arial" panose="020B0604020202020204" pitchFamily="34" charset="0"/>
+              <a:buChar char="•"/>
+            </a:pPr>
+            <a:r>
+              <a:rPr lang="en-US" sz="2800" dirty="0"/>
               <a:t>Given an array of number variable, write loops with if else statements and console out everyone’s status.</a:t>
             </a:r>
           </a:p>
           <a:p>
-            <a:pPr lvl="0"/>
-            <a:r>
-              <a:rPr lang="en-US" sz="2800" dirty="0" smtClean="0"/>
+            <a:pPr lvl="0">
+              <a:buFont typeface="Arial" panose="020B0604020202020204" pitchFamily="34" charset="0"/>
+              <a:buChar char="•"/>
+            </a:pPr>
+            <a:r>
+              <a:rPr lang="en-US" sz="2800" dirty="0"/>
               <a:t>Use all loop types.</a:t>
             </a:r>
           </a:p>
           <a:p>
-            <a:pPr lvl="0"/>
-            <a:r>
-              <a:rPr lang="en-US" sz="2800" dirty="0" smtClean="0"/>
+            <a:pPr lvl="0">
+              <a:buFont typeface="Arial" panose="020B0604020202020204" pitchFamily="34" charset="0"/>
+              <a:buChar char="•"/>
+            </a:pPr>
+            <a:r>
+              <a:rPr lang="en-US" sz="2800" dirty="0"/>
               <a:t>Given another array of string variables with names, write out the name and their status.</a:t>
             </a:r>
-            <a:endParaRPr lang="en-US" sz="2800" dirty="0"/>
           </a:p>
         </p:txBody>
       </p:sp>
@@ -12639,13 +13503,8 @@
           <a:p>
             <a:r>
               <a:rPr lang="en-US" dirty="0"/>
-              <a:t>f</a:t>
-            </a:r>
-            <a:r>
-              <a:rPr lang="en-US" dirty="0" smtClean="0"/>
-              <a:t>unction Syntax</a:t>
-            </a:r>
-            <a:endParaRPr lang="en-US" dirty="0"/>
+              <a:t>function Syntax</a:t>
+            </a:r>
           </a:p>
         </p:txBody>
       </p:sp>
@@ -12666,31 +13525,39 @@
           </a:bodyPr>
           <a:lstStyle/>
           <a:p>
-            <a:r>
-              <a:rPr lang="en-US" sz="2400" dirty="0" smtClean="0"/>
+            <a:pPr>
+              <a:buFont typeface="Arial" panose="020B0604020202020204" pitchFamily="34" charset="0"/>
+              <a:buChar char="•"/>
+            </a:pPr>
+            <a:r>
+              <a:rPr lang="en-US" sz="2400" dirty="0"/>
               <a:t>Function performs an action</a:t>
             </a:r>
           </a:p>
           <a:p>
-            <a:r>
-              <a:rPr lang="en-US" sz="2400" dirty="0" smtClean="0"/>
+            <a:pPr>
+              <a:buFont typeface="Arial" panose="020B0604020202020204" pitchFamily="34" charset="0"/>
+              <a:buChar char="•"/>
+            </a:pPr>
+            <a:r>
+              <a:rPr lang="en-US" sz="2400" dirty="0"/>
               <a:t>Can also be a type in </a:t>
             </a:r>
             <a:r>
-              <a:rPr lang="en-US" sz="2400" dirty="0" err="1" smtClean="0"/>
+              <a:rPr lang="en-US" sz="2400" dirty="0" err="1"/>
               <a:t>Javascript</a:t>
             </a:r>
-            <a:endParaRPr lang="en-US" sz="2400" dirty="0" smtClean="0"/>
-          </a:p>
-          <a:p>
             <a:endParaRPr lang="en-US" sz="2400" dirty="0"/>
           </a:p>
           <a:p>
+            <a:endParaRPr lang="en-US" sz="2400" dirty="0"/>
+          </a:p>
+          <a:p>
             <a:pPr marL="45720" indent="0">
               <a:buNone/>
             </a:pPr>
             <a:r>
-              <a:rPr lang="en-US" sz="2400" dirty="0" smtClean="0"/>
+              <a:rPr lang="en-US" sz="2400" dirty="0"/>
               <a:t>Example:</a:t>
             </a:r>
           </a:p>
@@ -12699,15 +13566,15 @@
               <a:buNone/>
             </a:pPr>
             <a:r>
-              <a:rPr lang="en-US" sz="2400" dirty="0" smtClean="0"/>
+              <a:rPr lang="en-US" sz="2400" dirty="0"/>
               <a:t>function square(</a:t>
             </a:r>
             <a:r>
-              <a:rPr lang="en-US" sz="2400" dirty="0" err="1" smtClean="0"/>
+              <a:rPr lang="en-US" sz="2400" dirty="0" err="1"/>
               <a:t>num</a:t>
             </a:r>
             <a:r>
-              <a:rPr lang="en-US" sz="2400" dirty="0" smtClean="0"/>
+              <a:rPr lang="en-US" sz="2400" dirty="0"/>
               <a:t>) {</a:t>
             </a:r>
           </a:p>
@@ -12717,26 +13584,22 @@
             </a:pPr>
             <a:r>
               <a:rPr lang="en-US" sz="2400" dirty="0"/>
-              <a:t> </a:t>
-            </a:r>
-            <a:r>
-              <a:rPr lang="en-US" sz="2400" dirty="0" smtClean="0"/>
-              <a:t> return </a:t>
-            </a:r>
-            <a:r>
-              <a:rPr lang="en-US" sz="2400" dirty="0" err="1" smtClean="0"/>
+              <a:t>  return </a:t>
+            </a:r>
+            <a:r>
+              <a:rPr lang="en-US" sz="2400" dirty="0" err="1"/>
               <a:t>num</a:t>
             </a:r>
             <a:r>
-              <a:rPr lang="en-US" sz="2400" dirty="0" smtClean="0"/>
+              <a:rPr lang="en-US" sz="2400" dirty="0"/>
               <a:t> * </a:t>
             </a:r>
             <a:r>
-              <a:rPr lang="en-US" sz="2400" dirty="0" err="1" smtClean="0"/>
+              <a:rPr lang="en-US" sz="2400" dirty="0" err="1"/>
               <a:t>num</a:t>
             </a:r>
             <a:r>
-              <a:rPr lang="en-US" sz="2400" dirty="0" smtClean="0"/>
+              <a:rPr lang="en-US" sz="2400" dirty="0"/>
               <a:t>;</a:t>
             </a:r>
           </a:p>
@@ -12745,7 +13608,7 @@
               <a:buNone/>
             </a:pPr>
             <a:r>
-              <a:rPr lang="en-US" sz="2400" dirty="0" smtClean="0"/>
+              <a:rPr lang="en-US" sz="2400" dirty="0"/>
               <a:t>}</a:t>
             </a:r>
           </a:p>
@@ -12754,10 +13617,9 @@
               <a:buNone/>
             </a:pPr>
             <a:r>
-              <a:rPr lang="en-US" sz="2400" dirty="0" smtClean="0"/>
+              <a:rPr lang="en-US" sz="2400" dirty="0"/>
               <a:t>alert(square(4));</a:t>
             </a:r>
-            <a:endParaRPr lang="en-US" sz="2400" dirty="0"/>
           </a:p>
         </p:txBody>
       </p:sp>
@@ -12829,10 +13691,9 @@
           <a:lstStyle/>
           <a:p>
             <a:r>
-              <a:rPr lang="en-US" dirty="0" smtClean="0"/>
+              <a:rPr lang="en-US" dirty="0"/>
               <a:t>Functions</a:t>
             </a:r>
-            <a:endParaRPr lang="en-US" dirty="0"/>
           </a:p>
         </p:txBody>
       </p:sp>
@@ -12876,13 +13737,6 @@
   <p:clrMapOvr>
     <a:masterClrMapping/>
   </p:clrMapOvr>
-  <p:timing>
-    <p:tnLst>
-      <p:par>
-        <p:cTn id="1" dur="indefinite" restart="never" nodeType="tmRoot"/>
-      </p:par>
-    </p:tnLst>
-  </p:timing>
 </p:sld>
 </file>
 
@@ -12919,10 +13773,9 @@
           <a:lstStyle/>
           <a:p>
             <a:r>
-              <a:rPr lang="en-US" dirty="0" smtClean="0"/>
+              <a:rPr lang="en-US" dirty="0"/>
               <a:t>ASSESSMENT</a:t>
             </a:r>
-            <a:endParaRPr lang="en-US" dirty="0"/>
           </a:p>
         </p:txBody>
       </p:sp>
@@ -12942,10 +13795,9 @@
           <a:lstStyle/>
           <a:p>
             <a:r>
-              <a:rPr lang="en-US" dirty="0" smtClean="0"/>
+              <a:rPr lang="en-US" dirty="0"/>
               <a:t>Functions</a:t>
             </a:r>
-            <a:endParaRPr lang="en-US" dirty="0"/>
           </a:p>
         </p:txBody>
       </p:sp>
@@ -12989,13 +13841,6 @@
   <p:clrMapOvr>
     <a:masterClrMapping/>
   </p:clrMapOvr>
-  <p:timing>
-    <p:tnLst>
-      <p:par>
-        <p:cTn id="1" dur="indefinite" restart="never" nodeType="tmRoot"/>
-      </p:par>
-    </p:tnLst>
-  </p:timing>
 </p:sld>
 </file>
 
@@ -13032,10 +13877,9 @@
           <a:lstStyle/>
           <a:p>
             <a:r>
-              <a:rPr lang="en-US" dirty="0" smtClean="0"/>
+              <a:rPr lang="en-US" dirty="0"/>
               <a:t>Assignment</a:t>
             </a:r>
-            <a:endParaRPr lang="en-US" dirty="0"/>
           </a:p>
         </p:txBody>
       </p:sp>
@@ -13057,34 +13901,48 @@
         </p:spPr>
         <p:txBody>
           <a:bodyPr>
-            <a:normAutofit lnSpcReduction="10000"/>
+            <a:normAutofit/>
           </a:bodyPr>
           <a:lstStyle/>
           <a:p>
-            <a:r>
-              <a:rPr lang="en-US" sz="2800" dirty="0" smtClean="0"/>
+            <a:pPr>
+              <a:buFont typeface="Arial" panose="020B0604020202020204" pitchFamily="34" charset="0"/>
+              <a:buChar char="•"/>
+            </a:pPr>
+            <a:r>
+              <a:rPr lang="en-US" sz="2800" dirty="0"/>
               <a:t>A status report is needed of all government employees.  Statuses are:</a:t>
             </a:r>
           </a:p>
           <a:p>
-            <a:pPr lvl="1"/>
-            <a:r>
-              <a:rPr lang="en-US" sz="2800" dirty="0" smtClean="0"/>
+            <a:pPr lvl="1">
+              <a:buFont typeface="Courier New" panose="02070309020205020404" pitchFamily="49" charset="0"/>
+              <a:buChar char="o"/>
+            </a:pPr>
+            <a:r>
+              <a:rPr lang="en-US" sz="2800" dirty="0"/>
               <a:t>1: Alive, 2: Zombie, 3: Dead, 4: Unknown</a:t>
             </a:r>
           </a:p>
           <a:p>
-            <a:r>
-              <a:rPr lang="en-US" sz="3000" dirty="0" smtClean="0"/>
+            <a:pPr>
+              <a:buFont typeface="Arial" panose="020B0604020202020204" pitchFamily="34" charset="0"/>
+              <a:buChar char="•"/>
+            </a:pPr>
+            <a:r>
+              <a:rPr lang="en-US" sz="3000" dirty="0"/>
               <a:t>Modify your previous program to create a method that handles the condition given a parameter for status and for name that returns the concatenated string.</a:t>
             </a:r>
           </a:p>
           <a:p>
-            <a:r>
-              <a:rPr lang="en-US" sz="3000" dirty="0" smtClean="0"/>
+            <a:pPr>
+              <a:buFont typeface="Arial" panose="020B0604020202020204" pitchFamily="34" charset="0"/>
+              <a:buChar char="•"/>
+            </a:pPr>
+            <a:r>
+              <a:rPr lang="en-US" sz="3000" dirty="0"/>
               <a:t>Write a void method that takes a string parameter and writes it to the console.</a:t>
             </a:r>
-            <a:endParaRPr lang="en-US" sz="3000" dirty="0"/>
           </a:p>
         </p:txBody>
       </p:sp>
@@ -13163,18 +14021,17 @@
           <a:lstStyle/>
           <a:p>
             <a:r>
-              <a:rPr lang="en-US" dirty="0" smtClean="0"/>
+              <a:rPr lang="en-US" dirty="0"/>
               <a:t>What is </a:t>
             </a:r>
             <a:r>
-              <a:rPr lang="en-US" dirty="0" err="1" smtClean="0"/>
+              <a:rPr lang="en-US" dirty="0" err="1"/>
               <a:t>TypeScript</a:t>
             </a:r>
             <a:r>
-              <a:rPr lang="en-US" dirty="0" smtClean="0"/>
+              <a:rPr lang="en-US" dirty="0"/>
               <a:t>?</a:t>
             </a:r>
-            <a:endParaRPr lang="en-US" dirty="0"/>
           </a:p>
         </p:txBody>
       </p:sp>
@@ -13195,85 +14052,111 @@
           </a:bodyPr>
           <a:lstStyle/>
           <a:p>
-            <a:r>
-              <a:rPr lang="en-US" sz="2000" dirty="0" smtClean="0"/>
+            <a:pPr>
+              <a:buFont typeface="Arial" panose="020B0604020202020204" pitchFamily="34" charset="0"/>
+              <a:buChar char="•"/>
+            </a:pPr>
+            <a:r>
+              <a:rPr lang="en-US" sz="2000" dirty="0"/>
               <a:t>Superset of the </a:t>
             </a:r>
             <a:r>
-              <a:rPr lang="en-US" sz="2000" dirty="0" err="1" smtClean="0"/>
+              <a:rPr lang="en-US" sz="2000" dirty="0" err="1"/>
               <a:t>Javascript</a:t>
             </a:r>
             <a:r>
-              <a:rPr lang="en-US" sz="2000" dirty="0" smtClean="0"/>
+              <a:rPr lang="en-US" sz="2000" dirty="0"/>
               <a:t> language</a:t>
             </a:r>
           </a:p>
           <a:p>
-            <a:r>
-              <a:rPr lang="en-US" sz="2000" dirty="0" err="1" smtClean="0"/>
+            <a:pPr>
+              <a:buFont typeface="Arial" panose="020B0604020202020204" pitchFamily="34" charset="0"/>
+              <a:buChar char="•"/>
+            </a:pPr>
+            <a:r>
+              <a:rPr lang="en-US" sz="2000" dirty="0" err="1"/>
               <a:t>Transpiler</a:t>
             </a:r>
             <a:r>
-              <a:rPr lang="en-US" sz="2000" dirty="0" smtClean="0"/>
+              <a:rPr lang="en-US" sz="2000" dirty="0"/>
               <a:t> – interprets Typescript to </a:t>
             </a:r>
             <a:r>
-              <a:rPr lang="en-US" sz="2000" dirty="0" err="1" smtClean="0"/>
+              <a:rPr lang="en-US" sz="2000" dirty="0" err="1"/>
               <a:t>Javascript</a:t>
             </a:r>
-            <a:endParaRPr lang="en-US" sz="2000" dirty="0" smtClean="0"/>
-          </a:p>
-          <a:p>
-            <a:r>
-              <a:rPr lang="en-US" sz="2000" dirty="0" smtClean="0"/>
+            <a:endParaRPr lang="en-US" sz="2000" dirty="0"/>
+          </a:p>
+          <a:p>
+            <a:pPr>
+              <a:buFont typeface="Arial" panose="020B0604020202020204" pitchFamily="34" charset="0"/>
+              <a:buChar char="•"/>
+            </a:pPr>
+            <a:r>
+              <a:rPr lang="en-US" sz="2000" dirty="0"/>
               <a:t>Strongly Typed</a:t>
             </a:r>
           </a:p>
           <a:p>
-            <a:r>
-              <a:rPr lang="en-US" sz="2000" dirty="0" smtClean="0"/>
+            <a:pPr>
+              <a:buFont typeface="Arial" panose="020B0604020202020204" pitchFamily="34" charset="0"/>
+              <a:buChar char="•"/>
+            </a:pPr>
+            <a:r>
+              <a:rPr lang="en-US" sz="2000" dirty="0"/>
               <a:t>Also Support for:</a:t>
             </a:r>
           </a:p>
           <a:p>
-            <a:pPr lvl="1"/>
-            <a:r>
-              <a:rPr lang="en-US" sz="2000" dirty="0" smtClean="0"/>
+            <a:pPr lvl="1">
+              <a:buFont typeface="Courier New" panose="02070309020205020404" pitchFamily="49" charset="0"/>
+              <a:buChar char="o"/>
+            </a:pPr>
+            <a:r>
+              <a:rPr lang="en-US" sz="2000" dirty="0"/>
               <a:t>Generics</a:t>
             </a:r>
           </a:p>
           <a:p>
-            <a:pPr lvl="1"/>
-            <a:r>
-              <a:rPr lang="en-US" sz="2000" dirty="0" smtClean="0"/>
+            <a:pPr lvl="1">
+              <a:buFont typeface="Courier New" panose="02070309020205020404" pitchFamily="49" charset="0"/>
+              <a:buChar char="o"/>
+            </a:pPr>
+            <a:r>
+              <a:rPr lang="en-US" sz="2000" dirty="0"/>
               <a:t>Classes</a:t>
             </a:r>
           </a:p>
           <a:p>
-            <a:pPr lvl="1"/>
-            <a:r>
-              <a:rPr lang="en-US" sz="2000" dirty="0" smtClean="0"/>
+            <a:pPr lvl="1">
+              <a:buFont typeface="Courier New" panose="02070309020205020404" pitchFamily="49" charset="0"/>
+              <a:buChar char="o"/>
+            </a:pPr>
+            <a:r>
+              <a:rPr lang="en-US" sz="2000" dirty="0"/>
               <a:t>Interfaces</a:t>
             </a:r>
           </a:p>
           <a:p>
-            <a:pPr lvl="1"/>
-            <a:r>
-              <a:rPr lang="en-US" sz="2000" dirty="0" smtClean="0"/>
+            <a:pPr lvl="1">
+              <a:buFont typeface="Courier New" panose="02070309020205020404" pitchFamily="49" charset="0"/>
+              <a:buChar char="o"/>
+            </a:pPr>
+            <a:r>
+              <a:rPr lang="en-US" sz="2000" dirty="0"/>
               <a:t>Namespaces</a:t>
             </a:r>
           </a:p>
           <a:p>
-            <a:pPr lvl="1"/>
-            <a:r>
-              <a:rPr lang="en-US" sz="2000" dirty="0" err="1" smtClean="0"/>
-              <a:t>Etc</a:t>
-            </a:r>
-            <a:r>
-              <a:rPr lang="en-US" sz="2000" dirty="0" smtClean="0"/>
-              <a:t>…</a:t>
-            </a:r>
-            <a:endParaRPr lang="en-US" sz="2000" dirty="0"/>
+            <a:pPr lvl="1">
+              <a:buFont typeface="Courier New" panose="02070309020205020404" pitchFamily="49" charset="0"/>
+              <a:buChar char="o"/>
+            </a:pPr>
+            <a:r>
+              <a:rPr lang="en-US" sz="2000" dirty="0"/>
+              <a:t>OOP (Extends and Implements)</a:t>
+            </a:r>
           </a:p>
         </p:txBody>
       </p:sp>
@@ -13352,10 +14235,9 @@
           <a:lstStyle/>
           <a:p>
             <a:r>
-              <a:rPr lang="en-US" dirty="0" smtClean="0"/>
+              <a:rPr lang="en-US" dirty="0"/>
               <a:t>Typescript Types</a:t>
             </a:r>
-            <a:endParaRPr lang="en-US" dirty="0"/>
           </a:p>
         </p:txBody>
       </p:sp>
@@ -13376,56 +14258,82 @@
           </a:bodyPr>
           <a:lstStyle/>
           <a:p>
-            <a:r>
-              <a:rPr lang="en-US" sz="2400" dirty="0" smtClean="0"/>
+            <a:pPr>
+              <a:buFont typeface="Arial" panose="020B0604020202020204" pitchFamily="34" charset="0"/>
+              <a:buChar char="•"/>
+            </a:pPr>
+            <a:r>
+              <a:rPr lang="en-US" sz="2400" dirty="0"/>
               <a:t>* - any</a:t>
             </a:r>
           </a:p>
           <a:p>
-            <a:r>
-              <a:rPr lang="en-US" sz="2400" dirty="0" smtClean="0"/>
+            <a:pPr>
+              <a:buFont typeface="Arial" panose="020B0604020202020204" pitchFamily="34" charset="0"/>
+              <a:buChar char="•"/>
+            </a:pPr>
+            <a:r>
+              <a:rPr lang="en-US" sz="2400" dirty="0"/>
               <a:t>Built-in Types</a:t>
             </a:r>
           </a:p>
           <a:p>
-            <a:pPr lvl="1"/>
-            <a:r>
-              <a:rPr lang="en-US" sz="2400" dirty="0" smtClean="0"/>
+            <a:pPr lvl="1">
+              <a:buFont typeface="Courier New" panose="02070309020205020404" pitchFamily="49" charset="0"/>
+              <a:buChar char="o"/>
+            </a:pPr>
+            <a:r>
+              <a:rPr lang="en-US" sz="2400" dirty="0"/>
               <a:t>Number</a:t>
             </a:r>
           </a:p>
           <a:p>
-            <a:pPr lvl="1"/>
-            <a:r>
-              <a:rPr lang="en-US" sz="2400" dirty="0" smtClean="0"/>
+            <a:pPr lvl="1">
+              <a:buFont typeface="Courier New" panose="02070309020205020404" pitchFamily="49" charset="0"/>
+              <a:buChar char="o"/>
+            </a:pPr>
+            <a:r>
+              <a:rPr lang="en-US" sz="2400" dirty="0"/>
               <a:t>String</a:t>
             </a:r>
           </a:p>
           <a:p>
-            <a:pPr lvl="1"/>
-            <a:r>
-              <a:rPr lang="en-US" sz="2400" dirty="0" smtClean="0"/>
+            <a:pPr lvl="1">
+              <a:buFont typeface="Courier New" panose="02070309020205020404" pitchFamily="49" charset="0"/>
+              <a:buChar char="o"/>
+            </a:pPr>
+            <a:r>
+              <a:rPr lang="en-US" sz="2400" dirty="0"/>
               <a:t>Boolean</a:t>
             </a:r>
           </a:p>
           <a:p>
-            <a:pPr lvl="1"/>
-            <a:r>
-              <a:rPr lang="en-US" sz="2400" dirty="0" smtClean="0"/>
+            <a:pPr lvl="1">
+              <a:buFont typeface="Courier New" panose="02070309020205020404" pitchFamily="49" charset="0"/>
+              <a:buChar char="o"/>
+            </a:pPr>
+            <a:r>
+              <a:rPr lang="en-US" sz="2400" dirty="0"/>
               <a:t>Void</a:t>
             </a:r>
           </a:p>
           <a:p>
-            <a:pPr lvl="1"/>
-            <a:r>
-              <a:rPr lang="en-US" sz="2400" dirty="0" smtClean="0"/>
+            <a:pPr lvl="1">
+              <a:buFont typeface="Courier New" panose="02070309020205020404" pitchFamily="49" charset="0"/>
+              <a:buChar char="o"/>
+            </a:pPr>
+            <a:r>
+              <a:rPr lang="en-US" sz="2400" dirty="0"/>
               <a:t>Null</a:t>
             </a:r>
           </a:p>
           <a:p>
-            <a:pPr lvl="1"/>
-            <a:r>
-              <a:rPr lang="en-US" sz="2400" dirty="0" smtClean="0"/>
+            <a:pPr lvl="1">
+              <a:buFont typeface="Courier New" panose="02070309020205020404" pitchFamily="49" charset="0"/>
+              <a:buChar char="o"/>
+            </a:pPr>
+            <a:r>
+              <a:rPr lang="en-US" sz="2400" dirty="0"/>
               <a:t>Undefined</a:t>
             </a:r>
           </a:p>
@@ -13448,13 +14356,20 @@
           </a:bodyPr>
           <a:lstStyle/>
           <a:p>
+            <a:pPr>
+              <a:buFont typeface="Arial" panose="020B0604020202020204" pitchFamily="34" charset="0"/>
+              <a:buChar char="•"/>
+            </a:pPr>
             <a:r>
               <a:rPr lang="en-US" sz="2400" dirty="0"/>
               <a:t>User-defined Types</a:t>
             </a:r>
           </a:p>
           <a:p>
-            <a:pPr lvl="1"/>
+            <a:pPr lvl="1">
+              <a:buFont typeface="Courier New" panose="02070309020205020404" pitchFamily="49" charset="0"/>
+              <a:buChar char="o"/>
+            </a:pPr>
             <a:r>
               <a:rPr lang="en-US" sz="2400" dirty="0" err="1"/>
               <a:t>enum</a:t>
@@ -13462,28 +14377,40 @@
             <a:endParaRPr lang="en-US" sz="2400" dirty="0"/>
           </a:p>
           <a:p>
-            <a:pPr lvl="1"/>
+            <a:pPr lvl="1">
+              <a:buFont typeface="Courier New" panose="02070309020205020404" pitchFamily="49" charset="0"/>
+              <a:buChar char="o"/>
+            </a:pPr>
             <a:r>
               <a:rPr lang="en-US" sz="2400" dirty="0"/>
               <a:t>class</a:t>
             </a:r>
           </a:p>
           <a:p>
-            <a:pPr lvl="1"/>
+            <a:pPr lvl="1">
+              <a:buFont typeface="Courier New" panose="02070309020205020404" pitchFamily="49" charset="0"/>
+              <a:buChar char="o"/>
+            </a:pPr>
             <a:r>
               <a:rPr lang="en-US" sz="2400" dirty="0"/>
               <a:t>Interface</a:t>
             </a:r>
           </a:p>
           <a:p>
-            <a:pPr lvl="1"/>
+            <a:pPr lvl="1">
+              <a:buFont typeface="Courier New" panose="02070309020205020404" pitchFamily="49" charset="0"/>
+              <a:buChar char="o"/>
+            </a:pPr>
             <a:r>
               <a:rPr lang="en-US" sz="2400" dirty="0"/>
               <a:t>array</a:t>
             </a:r>
           </a:p>
           <a:p>
-            <a:pPr lvl="1"/>
+            <a:pPr lvl="1">
+              <a:buFont typeface="Courier New" panose="02070309020205020404" pitchFamily="49" charset="0"/>
+              <a:buChar char="o"/>
+            </a:pPr>
             <a:r>
               <a:rPr lang="en-US" sz="2400" dirty="0"/>
               <a:t>tuple</a:t>
@@ -13540,18 +14467,13 @@
           <a:lstStyle/>
           <a:p>
             <a:r>
-              <a:rPr lang="en-US" dirty="0" err="1" smtClean="0"/>
+              <a:rPr lang="en-US" dirty="0" err="1"/>
               <a:t>TypeScript</a:t>
             </a:r>
             <a:r>
               <a:rPr lang="en-US" dirty="0"/>
-              <a:t> </a:t>
-            </a:r>
-            <a:r>
-              <a:rPr lang="en-US" dirty="0" smtClean="0"/>
-              <a:t>Syntax</a:t>
-            </a:r>
-            <a:endParaRPr lang="en-US" dirty="0"/>
+              <a:t> Syntax</a:t>
+            </a:r>
           </a:p>
         </p:txBody>
       </p:sp>
@@ -13565,64 +14487,81 @@
             <p:ph idx="1"/>
           </p:nvPr>
         </p:nvSpPr>
-        <p:spPr/>
+        <p:spPr>
+          <a:xfrm>
+            <a:off x="1103312" y="1306286"/>
+            <a:ext cx="8946541" cy="5394960"/>
+          </a:xfrm>
+        </p:spPr>
         <p:txBody>
           <a:bodyPr>
-            <a:normAutofit fontScale="55000" lnSpcReduction="20000"/>
+            <a:normAutofit fontScale="47500" lnSpcReduction="20000"/>
           </a:bodyPr>
           <a:lstStyle/>
           <a:p>
-            <a:r>
-              <a:rPr lang="en-US" sz="2900" dirty="0" smtClean="0"/>
+            <a:pPr>
+              <a:buFont typeface="Arial" panose="020B0604020202020204" pitchFamily="34" charset="0"/>
+              <a:buChar char="•"/>
+            </a:pPr>
+            <a:r>
+              <a:rPr lang="en-US" sz="5100" dirty="0"/>
               <a:t>Typescript is written in .</a:t>
             </a:r>
             <a:r>
-              <a:rPr lang="en-US" sz="2900" dirty="0" err="1" smtClean="0"/>
+              <a:rPr lang="en-US" sz="5100" dirty="0" err="1"/>
               <a:t>ts</a:t>
             </a:r>
             <a:r>
-              <a:rPr lang="en-US" sz="2900" dirty="0" smtClean="0"/>
+              <a:rPr lang="en-US" sz="5100" dirty="0"/>
               <a:t> files that are </a:t>
             </a:r>
             <a:r>
-              <a:rPr lang="en-US" sz="2900" dirty="0" err="1" smtClean="0"/>
+              <a:rPr lang="en-US" sz="5100" dirty="0" err="1"/>
               <a:t>transpiled</a:t>
             </a:r>
             <a:r>
-              <a:rPr lang="en-US" sz="2900" dirty="0" smtClean="0"/>
+              <a:rPr lang="en-US" sz="5100" dirty="0"/>
               <a:t> to .</a:t>
             </a:r>
             <a:r>
-              <a:rPr lang="en-US" sz="2900" dirty="0" err="1" smtClean="0"/>
+              <a:rPr lang="en-US" sz="5100" dirty="0" err="1"/>
               <a:t>js</a:t>
             </a:r>
             <a:r>
-              <a:rPr lang="en-US" sz="2900" dirty="0" smtClean="0"/>
+              <a:rPr lang="en-US" sz="5100" dirty="0"/>
               <a:t> files</a:t>
             </a:r>
           </a:p>
           <a:p>
-            <a:r>
-              <a:rPr lang="en-US" sz="2900" dirty="0" smtClean="0"/>
+            <a:pPr>
+              <a:buFont typeface="Arial" panose="020B0604020202020204" pitchFamily="34" charset="0"/>
+              <a:buChar char="•"/>
+            </a:pPr>
+            <a:r>
+              <a:rPr lang="en-US" sz="5100" dirty="0"/>
               <a:t>Also option to create .</a:t>
             </a:r>
             <a:r>
-              <a:rPr lang="en-US" sz="2900" dirty="0" err="1" smtClean="0"/>
+              <a:rPr lang="en-US" sz="5100" dirty="0" err="1"/>
               <a:t>d.ts</a:t>
             </a:r>
             <a:r>
-              <a:rPr lang="en-US" sz="2900" dirty="0" smtClean="0"/>
+              <a:rPr lang="en-US" sz="5100" dirty="0"/>
               <a:t> declaration files for </a:t>
             </a:r>
             <a:r>
-              <a:rPr lang="en-US" sz="2900" dirty="0" err="1" smtClean="0"/>
+              <a:rPr lang="en-US" sz="5100" dirty="0" err="1"/>
               <a:t>intellisense</a:t>
             </a:r>
-            <a:endParaRPr lang="en-US" sz="2900" dirty="0" smtClean="0"/>
-          </a:p>
-          <a:p>
-            <a:r>
-              <a:rPr lang="en-US" sz="2900" dirty="0" smtClean="0"/>
+            <a:endParaRPr lang="en-US" sz="5100" dirty="0"/>
+          </a:p>
+          <a:p>
+            <a:pPr>
+              <a:buFont typeface="Arial" panose="020B0604020202020204" pitchFamily="34" charset="0"/>
+              <a:buChar char="•"/>
+            </a:pPr>
+            <a:r>
+              <a:rPr lang="en-US" sz="5100" dirty="0"/>
               <a:t>Variable Declaration:  let[name] :[type] = [value];</a:t>
             </a:r>
           </a:p>
@@ -13630,14 +14569,14 @@
             <a:pPr marL="0" indent="0">
               <a:buNone/>
             </a:pPr>
-            <a:endParaRPr lang="en-US" sz="2900" dirty="0" smtClean="0"/>
+            <a:endParaRPr lang="en-US" sz="2900" dirty="0"/>
           </a:p>
           <a:p>
             <a:pPr marL="0" indent="0">
               <a:buNone/>
             </a:pPr>
             <a:r>
-              <a:rPr lang="en-US" sz="2900" dirty="0" smtClean="0"/>
+              <a:rPr lang="en-US" sz="4200" dirty="0"/>
               <a:t>Function:  function [name] ([param1]:[type], [param2]:[type]) : [return type] {}</a:t>
             </a:r>
           </a:p>
@@ -13648,7 +14587,7 @@
               </a:spcBef>
               <a:buNone/>
             </a:pPr>
-            <a:endParaRPr lang="en-US" sz="2900" dirty="0" smtClean="0"/>
+            <a:endParaRPr lang="en-US" sz="4200" dirty="0"/>
           </a:p>
           <a:p>
             <a:pPr marL="45720" indent="0">
@@ -13658,7 +14597,7 @@
               <a:buNone/>
             </a:pPr>
             <a:r>
-              <a:rPr lang="en-US" sz="2900" dirty="0" smtClean="0"/>
+              <a:rPr lang="en-US" sz="4200" dirty="0"/>
               <a:t>class [name] {</a:t>
             </a:r>
           </a:p>
@@ -13670,15 +14609,15 @@
               <a:buNone/>
             </a:pPr>
             <a:r>
-              <a:rPr lang="en-US" sz="2900" dirty="0" smtClean="0"/>
+              <a:rPr lang="en-US" sz="4200" dirty="0"/>
               <a:t>  </a:t>
             </a:r>
             <a:r>
-              <a:rPr lang="en-US" sz="2900" dirty="0" err="1" smtClean="0"/>
+              <a:rPr lang="en-US" sz="4200" dirty="0" err="1"/>
               <a:t>name:string</a:t>
             </a:r>
             <a:r>
-              <a:rPr lang="en-US" sz="2900" dirty="0" smtClean="0"/>
+              <a:rPr lang="en-US" sz="4200" dirty="0"/>
               <a:t>;</a:t>
             </a:r>
           </a:p>
@@ -13689,7 +14628,7 @@
               </a:spcBef>
               <a:buNone/>
             </a:pPr>
-            <a:endParaRPr lang="en-US" sz="2900" dirty="0"/>
+            <a:endParaRPr lang="en-US" sz="4200" dirty="0"/>
           </a:p>
           <a:p>
             <a:pPr marL="45720" indent="0">
@@ -13699,15 +14638,15 @@
               <a:buNone/>
             </a:pPr>
             <a:r>
-              <a:rPr lang="en-US" sz="2900" dirty="0" smtClean="0"/>
+              <a:rPr lang="en-US" sz="4200" dirty="0"/>
               <a:t>  constructor(</a:t>
             </a:r>
             <a:r>
-              <a:rPr lang="en-US" sz="2900" dirty="0" err="1" smtClean="0"/>
+              <a:rPr lang="en-US" sz="4200" dirty="0" err="1"/>
               <a:t>name:string</a:t>
             </a:r>
             <a:r>
-              <a:rPr lang="en-US" sz="2900" dirty="0" smtClean="0"/>
+              <a:rPr lang="en-US" sz="4200" dirty="0"/>
               <a:t>) {</a:t>
             </a:r>
           </a:p>
@@ -13719,12 +14658,8 @@
               <a:buNone/>
             </a:pPr>
             <a:r>
-              <a:rPr lang="en-US" sz="2900" dirty="0"/>
-              <a:t> </a:t>
-            </a:r>
-            <a:r>
-              <a:rPr lang="en-US" sz="2900" dirty="0" smtClean="0"/>
-              <a:t>   this.name = name;</a:t>
+              <a:rPr lang="en-US" sz="4200" dirty="0"/>
+              <a:t>    this.name = name;</a:t>
             </a:r>
           </a:p>
           <a:p>
@@ -13735,12 +14670,8 @@
               <a:buNone/>
             </a:pPr>
             <a:r>
-              <a:rPr lang="en-US" sz="2900" dirty="0"/>
-              <a:t> </a:t>
-            </a:r>
-            <a:r>
-              <a:rPr lang="en-US" sz="2900" dirty="0" smtClean="0"/>
-              <a:t> }</a:t>
+              <a:rPr lang="en-US" sz="4200" dirty="0"/>
+              <a:t>  }</a:t>
             </a:r>
           </a:p>
           <a:p>
@@ -13750,7 +14681,7 @@
               </a:spcBef>
               <a:buNone/>
             </a:pPr>
-            <a:endParaRPr lang="en-US" sz="2900" dirty="0"/>
+            <a:endParaRPr lang="en-US" sz="4200" dirty="0"/>
           </a:p>
           <a:p>
             <a:pPr marL="45720" indent="0">
@@ -13760,7 +14691,7 @@
               <a:buNone/>
             </a:pPr>
             <a:r>
-              <a:rPr lang="en-US" sz="2900" dirty="0" smtClean="0"/>
+              <a:rPr lang="en-US" sz="4200" dirty="0"/>
               <a:t>  write():void {</a:t>
             </a:r>
           </a:p>
@@ -13772,10 +14703,9 @@
               <a:buNone/>
             </a:pPr>
             <a:r>
-              <a:rPr lang="en-US" sz="2900" dirty="0" smtClean="0"/>
+              <a:rPr lang="en-US" sz="4200" dirty="0"/>
               <a:t>    console.log(“Name is “ + this.name);</a:t>
             </a:r>
-            <a:endParaRPr lang="en-US" sz="2900" dirty="0"/>
           </a:p>
           <a:p>
             <a:pPr marL="45720" indent="0">
@@ -13785,7 +14715,7 @@
               <a:buNone/>
             </a:pPr>
             <a:r>
-              <a:rPr lang="en-US" sz="2900" dirty="0" smtClean="0"/>
+              <a:rPr lang="en-US" sz="4200" dirty="0"/>
               <a:t>  }</a:t>
             </a:r>
           </a:p>
@@ -13797,7 +14727,7 @@
               <a:buNone/>
             </a:pPr>
             <a:r>
-              <a:rPr lang="en-US" sz="2900" dirty="0" smtClean="0"/>
+              <a:rPr lang="en-US" sz="4200" dirty="0"/>
               <a:t>}</a:t>
             </a:r>
           </a:p>
@@ -13874,7 +14804,7 @@
           <a:lstStyle/>
           <a:p>
             <a:r>
-              <a:rPr lang="en-US" dirty="0" err="1" smtClean="0"/>
+              <a:rPr lang="en-US" dirty="0" err="1"/>
               <a:t>TypeScript</a:t>
             </a:r>
             <a:endParaRPr lang="en-US" dirty="0"/>
@@ -13921,13 +14851,6 @@
   <p:clrMapOvr>
     <a:masterClrMapping/>
   </p:clrMapOvr>
-  <p:timing>
-    <p:tnLst>
-      <p:par>
-        <p:cTn id="1" dur="indefinite" restart="never" nodeType="tmRoot"/>
-      </p:par>
-    </p:tnLst>
-  </p:timing>
 </p:sld>
 </file>
 
@@ -13964,10 +14887,9 @@
           <a:lstStyle/>
           <a:p>
             <a:r>
-              <a:rPr lang="en-US" dirty="0" smtClean="0"/>
+              <a:rPr lang="en-US" dirty="0"/>
               <a:t>ASSESSMENT</a:t>
             </a:r>
-            <a:endParaRPr lang="en-US" dirty="0"/>
           </a:p>
         </p:txBody>
       </p:sp>
@@ -13987,7 +14909,7 @@
           <a:lstStyle/>
           <a:p>
             <a:r>
-              <a:rPr lang="en-US" dirty="0" err="1" smtClean="0"/>
+              <a:rPr lang="en-US" dirty="0" err="1"/>
               <a:t>TypeScript</a:t>
             </a:r>
             <a:endParaRPr lang="en-US" dirty="0"/>
@@ -14034,13 +14956,6 @@
   <p:clrMapOvr>
     <a:masterClrMapping/>
   </p:clrMapOvr>
-  <p:timing>
-    <p:tnLst>
-      <p:par>
-        <p:cTn id="1" dur="indefinite" restart="never" nodeType="tmRoot"/>
-      </p:par>
-    </p:tnLst>
-  </p:timing>
 </p:sld>
 </file>
 
@@ -14077,18 +14992,13 @@
           <a:lstStyle/>
           <a:p>
             <a:r>
-              <a:rPr lang="en-US" dirty="0" err="1" smtClean="0"/>
+              <a:rPr lang="en-US" dirty="0" err="1"/>
               <a:t>Javascript</a:t>
             </a:r>
             <a:r>
               <a:rPr lang="en-US" dirty="0"/>
-              <a:t> </a:t>
-            </a:r>
-            <a:r>
-              <a:rPr lang="en-US" dirty="0" smtClean="0"/>
-              <a:t>Linking</a:t>
-            </a:r>
-            <a:endParaRPr lang="en-US" dirty="0"/>
+              <a:t> Linking</a:t>
+            </a:r>
           </a:p>
         </p:txBody>
       </p:sp>
@@ -14105,39 +15015,97 @@
         <p:spPr/>
         <p:txBody>
           <a:bodyPr>
-            <a:normAutofit fontScale="92500"/>
+            <a:normAutofit fontScale="92500" lnSpcReduction="20000"/>
           </a:bodyPr>
           <a:lstStyle/>
           <a:p>
+            <a:pPr>
+              <a:buFont typeface="Arial" panose="020B0604020202020204" pitchFamily="34" charset="0"/>
+              <a:buChar char="•"/>
+            </a:pPr>
+            <a:r>
+              <a:rPr lang="en-US" sz="3000" dirty="0"/>
+              <a:t>Script tag in html can be used to write </a:t>
+            </a:r>
+            <a:r>
+              <a:rPr lang="en-US" sz="3000" dirty="0" err="1"/>
+              <a:t>Javascript</a:t>
+            </a:r>
+            <a:endParaRPr lang="en-US" sz="3000" dirty="0"/>
+          </a:p>
+          <a:p>
+            <a:pPr lvl="1">
+              <a:buFont typeface="Arial" panose="020B0604020202020204" pitchFamily="34" charset="0"/>
+              <a:buChar char="•"/>
+            </a:pPr>
+            <a:r>
+              <a:rPr lang="en-US" sz="3000" dirty="0"/>
+              <a:t>Runs JavaScript in script tag when page is loading</a:t>
+            </a:r>
+          </a:p>
+          <a:p>
+            <a:pPr>
+              <a:buFont typeface="Arial" panose="020B0604020202020204" pitchFamily="34" charset="0"/>
+              <a:buChar char="•"/>
+            </a:pPr>
+            <a:r>
+              <a:rPr lang="en-US" sz="3000" dirty="0" err="1"/>
+              <a:t>Javascript</a:t>
+            </a:r>
+            <a:r>
+              <a:rPr lang="en-US" sz="3000" dirty="0"/>
+              <a:t> files can be linked in the head element of html</a:t>
+            </a:r>
+          </a:p>
+          <a:p>
+            <a:pPr marL="45720" indent="0">
+              <a:buNone/>
+            </a:pPr>
+            <a:endParaRPr lang="en-US" sz="2400" dirty="0"/>
+          </a:p>
+          <a:p>
+            <a:pPr marL="45720" indent="0">
+              <a:buNone/>
+            </a:pPr>
             <a:r>
               <a:rPr lang="en-US" sz="2400" dirty="0"/>
-              <a:t>Script tag in html can be used to write </a:t>
-            </a:r>
-            <a:r>
-              <a:rPr lang="en-US" sz="2400" dirty="0" err="1" smtClean="0"/>
-              <a:t>Javascript</a:t>
-            </a:r>
-            <a:endParaRPr lang="en-US" sz="2400" dirty="0" smtClean="0"/>
-          </a:p>
-          <a:p>
+              <a:t>Example:</a:t>
+            </a:r>
+          </a:p>
+          <a:p>
+            <a:pPr marL="45720" indent="0">
+              <a:buNone/>
+            </a:pPr>
+            <a:r>
+              <a:rPr lang="en-US" sz="2400" dirty="0"/>
+              <a:t>&lt;script&gt;</a:t>
+            </a:r>
+          </a:p>
+          <a:p>
+            <a:pPr marL="45720" indent="0">
+              <a:buNone/>
+            </a:pPr>
+            <a:r>
+              <a:rPr lang="en-US" sz="2400" dirty="0"/>
+              <a:t>  alert(‘test </a:t>
+            </a:r>
             <a:r>
               <a:rPr lang="en-US" sz="2400" dirty="0" err="1"/>
               <a:t>Javascript</a:t>
             </a:r>
             <a:r>
               <a:rPr lang="en-US" sz="2400" dirty="0"/>
-              <a:t> files can be linked in the head element of </a:t>
-            </a:r>
-            <a:r>
-              <a:rPr lang="en-US" sz="2400" dirty="0" smtClean="0"/>
-              <a:t>html</a:t>
+              <a:t>’);</a:t>
             </a:r>
           </a:p>
           <a:p>
             <a:pPr marL="45720" indent="0">
               <a:buNone/>
             </a:pPr>
-            <a:endParaRPr lang="en-US" sz="2400" dirty="0"/>
+            <a:r>
+              <a:rPr lang="en-US" sz="2400" dirty="0"/>
+              <a:t>&lt;/script&gt;</a:t>
+            </a:r>
           </a:p>
           <a:p>
             <a:pPr marL="45720" indent="0">
@@ -14145,61 +15113,8 @@
             </a:pPr>
             <a:r>
               <a:rPr lang="en-US" sz="2400" dirty="0"/>
-              <a:t>Example</a:t>
-            </a:r>
-            <a:r>
-              <a:rPr lang="en-US" sz="2400" dirty="0" smtClean="0"/>
-              <a:t>:</a:t>
-            </a:r>
-          </a:p>
-          <a:p>
-            <a:pPr marL="45720" indent="0">
-              <a:buNone/>
-            </a:pPr>
-            <a:r>
-              <a:rPr lang="en-US" sz="2400" dirty="0" smtClean="0"/>
-              <a:t>&lt;script&gt;</a:t>
-            </a:r>
-          </a:p>
-          <a:p>
-            <a:pPr marL="45720" indent="0">
-              <a:buNone/>
-            </a:pPr>
-            <a:r>
-              <a:rPr lang="en-US" sz="2400" dirty="0"/>
-              <a:t> </a:t>
-            </a:r>
-            <a:r>
-              <a:rPr lang="en-US" sz="2400" dirty="0" smtClean="0"/>
-              <a:t> alert(‘test </a:t>
-            </a:r>
-            <a:r>
-              <a:rPr lang="en-US" sz="2400" dirty="0" err="1" smtClean="0"/>
-              <a:t>Javascript</a:t>
-            </a:r>
-            <a:r>
-              <a:rPr lang="en-US" sz="2400" dirty="0" smtClean="0"/>
-              <a:t>’);</a:t>
-            </a:r>
-          </a:p>
-          <a:p>
-            <a:pPr marL="45720" indent="0">
-              <a:buNone/>
-            </a:pPr>
-            <a:r>
-              <a:rPr lang="en-US" sz="2400" dirty="0" smtClean="0"/>
-              <a:t>&lt;/script&gt;</a:t>
-            </a:r>
-          </a:p>
-          <a:p>
-            <a:pPr marL="45720" indent="0">
-              <a:buNone/>
-            </a:pPr>
-            <a:r>
-              <a:rPr lang="en-US" sz="2400" dirty="0" smtClean="0"/>
               <a:t>or</a:t>
             </a:r>
-            <a:endParaRPr lang="en-US" sz="2400" dirty="0"/>
           </a:p>
           <a:p>
             <a:pPr marL="45720" indent="0">
@@ -14272,10 +15187,9 @@
           <a:lstStyle/>
           <a:p>
             <a:r>
-              <a:rPr lang="en-US" dirty="0" smtClean="0"/>
+              <a:rPr lang="en-US" dirty="0"/>
               <a:t>Assignment</a:t>
             </a:r>
-            <a:endParaRPr lang="en-US" dirty="0"/>
           </a:p>
         </p:txBody>
       </p:sp>
@@ -14301,32 +15215,42 @@
           </a:bodyPr>
           <a:lstStyle/>
           <a:p>
-            <a:r>
-              <a:rPr lang="en-US" sz="3200" dirty="0" smtClean="0"/>
+            <a:pPr>
+              <a:buFont typeface="Arial" panose="020B0604020202020204" pitchFamily="34" charset="0"/>
+              <a:buChar char="•"/>
+            </a:pPr>
+            <a:r>
+              <a:rPr lang="en-US" sz="3200" dirty="0"/>
               <a:t>A status report is needed of all government employees.  Statuses are:</a:t>
             </a:r>
           </a:p>
           <a:p>
-            <a:pPr lvl="1"/>
-            <a:r>
-              <a:rPr lang="en-US" sz="3200" dirty="0" smtClean="0"/>
+            <a:pPr lvl="1">
+              <a:buFont typeface="Courier New" panose="02070309020205020404" pitchFamily="49" charset="0"/>
+              <a:buChar char="o"/>
+            </a:pPr>
+            <a:r>
+              <a:rPr lang="en-US" sz="3200" dirty="0"/>
               <a:t>1: Alive, 2: Zombie, 3: Dead, 4: Unknown</a:t>
             </a:r>
           </a:p>
           <a:p>
-            <a:r>
-              <a:rPr lang="en-US" sz="3200" dirty="0" smtClean="0"/>
+            <a:pPr>
+              <a:buFont typeface="Arial" panose="020B0604020202020204" pitchFamily="34" charset="0"/>
+              <a:buChar char="•"/>
+            </a:pPr>
+            <a:r>
+              <a:rPr lang="en-US" sz="3200" dirty="0"/>
               <a:t>Write the same program in </a:t>
             </a:r>
             <a:r>
-              <a:rPr lang="en-US" sz="3200" dirty="0" err="1" smtClean="0"/>
+              <a:rPr lang="en-US" sz="3200" dirty="0" err="1"/>
               <a:t>TypeScript</a:t>
             </a:r>
             <a:r>
-              <a:rPr lang="en-US" sz="3200" dirty="0" smtClean="0"/>
+              <a:rPr lang="en-US" sz="3200" dirty="0"/>
               <a:t> Syntax that you just created in JavaScript.  Make use of typing.</a:t>
             </a:r>
-            <a:endParaRPr lang="en-US" sz="3200" dirty="0"/>
           </a:p>
         </p:txBody>
       </p:sp>
@@ -14396,6 +15320,2012 @@
             <a:spLocks noGrp="1"/>
           </p:cNvSpPr>
           <p:nvPr>
+            <p:ph type="title"/>
+          </p:nvPr>
+        </p:nvSpPr>
+        <p:spPr/>
+        <p:txBody>
+          <a:bodyPr/>
+          <a:lstStyle/>
+          <a:p>
+            <a:r>
+              <a:rPr lang="en-US" dirty="0"/>
+              <a:t>DOM – Document Object Model</a:t>
+            </a:r>
+          </a:p>
+        </p:txBody>
+      </p:sp>
+      <p:sp>
+        <p:nvSpPr>
+          <p:cNvPr id="3" name="Content Placeholder 2"/>
+          <p:cNvSpPr>
+            <a:spLocks noGrp="1"/>
+          </p:cNvSpPr>
+          <p:nvPr>
+            <p:ph idx="1"/>
+          </p:nvPr>
+        </p:nvSpPr>
+        <p:spPr/>
+        <p:txBody>
+          <a:bodyPr>
+            <a:normAutofit/>
+          </a:bodyPr>
+          <a:lstStyle/>
+          <a:p>
+            <a:pPr>
+              <a:buFont typeface="Arial" panose="020B0604020202020204" pitchFamily="34" charset="0"/>
+              <a:buChar char="•"/>
+            </a:pPr>
+            <a:r>
+              <a:rPr lang="en-US" sz="2800" dirty="0"/>
+              <a:t>Browser creates the model when the page is loaded</a:t>
+            </a:r>
+          </a:p>
+          <a:p>
+            <a:pPr>
+              <a:buFont typeface="Arial" panose="020B0604020202020204" pitchFamily="34" charset="0"/>
+              <a:buChar char="•"/>
+            </a:pPr>
+            <a:r>
+              <a:rPr lang="en-US" sz="2800" dirty="0"/>
+              <a:t>W3C Standard</a:t>
+            </a:r>
+          </a:p>
+          <a:p>
+            <a:pPr>
+              <a:buFont typeface="Arial" panose="020B0604020202020204" pitchFamily="34" charset="0"/>
+              <a:buChar char="•"/>
+            </a:pPr>
+            <a:r>
+              <a:rPr lang="en-US" sz="2800" dirty="0"/>
+              <a:t>Core DOM, XML DOM, HTML DOM</a:t>
+            </a:r>
+          </a:p>
+          <a:p>
+            <a:pPr>
+              <a:buFont typeface="Arial" panose="020B0604020202020204" pitchFamily="34" charset="0"/>
+              <a:buChar char="•"/>
+            </a:pPr>
+            <a:r>
+              <a:rPr lang="en-US" sz="2800" dirty="0"/>
+              <a:t>Every element is an object</a:t>
+            </a:r>
+          </a:p>
+          <a:p>
+            <a:pPr>
+              <a:buFont typeface="Arial" panose="020B0604020202020204" pitchFamily="34" charset="0"/>
+              <a:buChar char="•"/>
+            </a:pPr>
+            <a:r>
+              <a:rPr lang="en-US" sz="2800" dirty="0"/>
+              <a:t>Property is a value to get or set</a:t>
+            </a:r>
+          </a:p>
+          <a:p>
+            <a:pPr>
+              <a:buFont typeface="Arial" panose="020B0604020202020204" pitchFamily="34" charset="0"/>
+              <a:buChar char="•"/>
+            </a:pPr>
+            <a:r>
+              <a:rPr lang="en-US" sz="2800" dirty="0"/>
+              <a:t>There are also methods and events associated with elements</a:t>
+            </a:r>
+          </a:p>
+        </p:txBody>
+      </p:sp>
+    </p:spTree>
+    <p:extLst>
+      <p:ext uri="{BB962C8B-B14F-4D97-AF65-F5344CB8AC3E}">
+        <p14:creationId xmlns:p14="http://schemas.microsoft.com/office/powerpoint/2010/main" val="700309958"/>
+      </p:ext>
+    </p:extLst>
+  </p:cSld>
+  <p:clrMapOvr>
+    <a:masterClrMapping/>
+  </p:clrMapOvr>
+</p:sld>
+</file>
+
+<file path=ppt/slides/slide32.xml><?xml version="1.0" encoding="utf-8"?>
+<p:sld xmlns:a="http://schemas.openxmlformats.org/drawingml/2006/main" xmlns:r="http://schemas.openxmlformats.org/officeDocument/2006/relationships" xmlns:p="http://schemas.openxmlformats.org/presentationml/2006/main">
+  <p:cSld>
+    <p:spTree>
+      <p:nvGrpSpPr>
+        <p:cNvPr id="1" name=""/>
+        <p:cNvGrpSpPr/>
+        <p:nvPr/>
+      </p:nvGrpSpPr>
+      <p:grpSpPr>
+        <a:xfrm>
+          <a:off x="0" y="0"/>
+          <a:ext cx="0" cy="0"/>
+          <a:chOff x="0" y="0"/>
+          <a:chExt cx="0" cy="0"/>
+        </a:xfrm>
+      </p:grpSpPr>
+      <p:sp>
+        <p:nvSpPr>
+          <p:cNvPr id="2" name="Title 1"/>
+          <p:cNvSpPr>
+            <a:spLocks noGrp="1"/>
+          </p:cNvSpPr>
+          <p:nvPr>
+            <p:ph type="title"/>
+          </p:nvPr>
+        </p:nvSpPr>
+        <p:spPr>
+          <a:xfrm>
+            <a:off x="646111" y="452718"/>
+            <a:ext cx="9404723" cy="814379"/>
+          </a:xfrm>
+        </p:spPr>
+        <p:txBody>
+          <a:bodyPr/>
+          <a:lstStyle/>
+          <a:p>
+            <a:r>
+              <a:rPr lang="en-US" dirty="0"/>
+              <a:t>HTML DOM</a:t>
+            </a:r>
+          </a:p>
+        </p:txBody>
+      </p:sp>
+      <p:sp>
+        <p:nvSpPr>
+          <p:cNvPr id="4" name="Rectangle 3">
+            <a:extLst>
+              <a:ext uri="{FF2B5EF4-FFF2-40B4-BE49-F238E27FC236}">
+                <a16:creationId xmlns:a16="http://schemas.microsoft.com/office/drawing/2014/main" id="{D3504B57-EA87-4DCB-8149-6E00E98314B0}"/>
+              </a:ext>
+            </a:extLst>
+          </p:cNvPr>
+          <p:cNvSpPr/>
+          <p:nvPr/>
+        </p:nvSpPr>
+        <p:spPr>
+          <a:xfrm>
+            <a:off x="4885508" y="1429543"/>
+            <a:ext cx="2037803" cy="692332"/>
+          </a:xfrm>
+          <a:prstGeom prst="rect">
+            <a:avLst/>
+          </a:prstGeom>
+        </p:spPr>
+        <p:style>
+          <a:lnRef idx="2">
+            <a:schemeClr val="accent1">
+              <a:shade val="50000"/>
+            </a:schemeClr>
+          </a:lnRef>
+          <a:fillRef idx="1">
+            <a:schemeClr val="accent1"/>
+          </a:fillRef>
+          <a:effectRef idx="0">
+            <a:schemeClr val="accent1"/>
+          </a:effectRef>
+          <a:fontRef idx="minor">
+            <a:schemeClr val="lt1"/>
+          </a:fontRef>
+        </p:style>
+        <p:txBody>
+          <a:bodyPr rtlCol="0" anchor="ctr"/>
+          <a:lstStyle/>
+          <a:p>
+            <a:pPr algn="ctr"/>
+            <a:r>
+              <a:rPr lang="en-US" dirty="0"/>
+              <a:t>Document</a:t>
+            </a:r>
+          </a:p>
+        </p:txBody>
+      </p:sp>
+      <p:sp>
+        <p:nvSpPr>
+          <p:cNvPr id="5" name="Rectangle 4">
+            <a:extLst>
+              <a:ext uri="{FF2B5EF4-FFF2-40B4-BE49-F238E27FC236}">
+                <a16:creationId xmlns:a16="http://schemas.microsoft.com/office/drawing/2014/main" id="{7670B03A-E9C1-4D83-9B4C-99B50A4C13FE}"/>
+              </a:ext>
+            </a:extLst>
+          </p:cNvPr>
+          <p:cNvSpPr/>
+          <p:nvPr/>
+        </p:nvSpPr>
+        <p:spPr>
+          <a:xfrm>
+            <a:off x="4885508" y="2483907"/>
+            <a:ext cx="2037805" cy="692332"/>
+          </a:xfrm>
+          <a:prstGeom prst="rect">
+            <a:avLst/>
+          </a:prstGeom>
+        </p:spPr>
+        <p:style>
+          <a:lnRef idx="2">
+            <a:schemeClr val="accent1">
+              <a:shade val="50000"/>
+            </a:schemeClr>
+          </a:lnRef>
+          <a:fillRef idx="1">
+            <a:schemeClr val="accent1"/>
+          </a:fillRef>
+          <a:effectRef idx="0">
+            <a:schemeClr val="accent1"/>
+          </a:effectRef>
+          <a:fontRef idx="minor">
+            <a:schemeClr val="lt1"/>
+          </a:fontRef>
+        </p:style>
+        <p:txBody>
+          <a:bodyPr rtlCol="0" anchor="ctr"/>
+          <a:lstStyle/>
+          <a:p>
+            <a:pPr algn="ctr"/>
+            <a:r>
+              <a:rPr lang="en-US" dirty="0"/>
+              <a:t>html element</a:t>
+            </a:r>
+          </a:p>
+        </p:txBody>
+      </p:sp>
+      <p:sp>
+        <p:nvSpPr>
+          <p:cNvPr id="6" name="Rectangle 5">
+            <a:extLst>
+              <a:ext uri="{FF2B5EF4-FFF2-40B4-BE49-F238E27FC236}">
+                <a16:creationId xmlns:a16="http://schemas.microsoft.com/office/drawing/2014/main" id="{10826B05-238C-462B-B2ED-45F3B80826F5}"/>
+              </a:ext>
+            </a:extLst>
+          </p:cNvPr>
+          <p:cNvSpPr/>
+          <p:nvPr/>
+        </p:nvSpPr>
+        <p:spPr>
+          <a:xfrm>
+            <a:off x="4885507" y="3538069"/>
+            <a:ext cx="2037805" cy="692332"/>
+          </a:xfrm>
+          <a:prstGeom prst="rect">
+            <a:avLst/>
+          </a:prstGeom>
+        </p:spPr>
+        <p:style>
+          <a:lnRef idx="2">
+            <a:schemeClr val="accent1">
+              <a:shade val="50000"/>
+            </a:schemeClr>
+          </a:lnRef>
+          <a:fillRef idx="1">
+            <a:schemeClr val="accent1"/>
+          </a:fillRef>
+          <a:effectRef idx="0">
+            <a:schemeClr val="accent1"/>
+          </a:effectRef>
+          <a:fontRef idx="minor">
+            <a:schemeClr val="lt1"/>
+          </a:fontRef>
+        </p:style>
+        <p:txBody>
+          <a:bodyPr rtlCol="0" anchor="ctr"/>
+          <a:lstStyle/>
+          <a:p>
+            <a:pPr algn="ctr"/>
+            <a:r>
+              <a:rPr lang="en-US" dirty="0"/>
+              <a:t>body element</a:t>
+            </a:r>
+          </a:p>
+        </p:txBody>
+      </p:sp>
+      <p:sp>
+        <p:nvSpPr>
+          <p:cNvPr id="7" name="Rectangle 6">
+            <a:extLst>
+              <a:ext uri="{FF2B5EF4-FFF2-40B4-BE49-F238E27FC236}">
+                <a16:creationId xmlns:a16="http://schemas.microsoft.com/office/drawing/2014/main" id="{E8A1CF4B-B42A-4D92-B278-CEB279C2A1DB}"/>
+              </a:ext>
+            </a:extLst>
+          </p:cNvPr>
+          <p:cNvSpPr/>
+          <p:nvPr/>
+        </p:nvSpPr>
+        <p:spPr>
+          <a:xfrm>
+            <a:off x="1528355" y="4553245"/>
+            <a:ext cx="2037805" cy="692332"/>
+          </a:xfrm>
+          <a:prstGeom prst="rect">
+            <a:avLst/>
+          </a:prstGeom>
+        </p:spPr>
+        <p:style>
+          <a:lnRef idx="2">
+            <a:schemeClr val="accent1">
+              <a:shade val="50000"/>
+            </a:schemeClr>
+          </a:lnRef>
+          <a:fillRef idx="1">
+            <a:schemeClr val="accent1"/>
+          </a:fillRef>
+          <a:effectRef idx="0">
+            <a:schemeClr val="accent1"/>
+          </a:effectRef>
+          <a:fontRef idx="minor">
+            <a:schemeClr val="lt1"/>
+          </a:fontRef>
+        </p:style>
+        <p:txBody>
+          <a:bodyPr rtlCol="0" anchor="ctr"/>
+          <a:lstStyle/>
+          <a:p>
+            <a:pPr algn="ctr"/>
+            <a:r>
+              <a:rPr lang="en-US" dirty="0"/>
+              <a:t>Ex. div element</a:t>
+            </a:r>
+          </a:p>
+        </p:txBody>
+      </p:sp>
+      <p:sp>
+        <p:nvSpPr>
+          <p:cNvPr id="8" name="Rectangle 7">
+            <a:extLst>
+              <a:ext uri="{FF2B5EF4-FFF2-40B4-BE49-F238E27FC236}">
+                <a16:creationId xmlns:a16="http://schemas.microsoft.com/office/drawing/2014/main" id="{876CE45C-271A-4C7A-8073-6E786E0EB477}"/>
+              </a:ext>
+            </a:extLst>
+          </p:cNvPr>
+          <p:cNvSpPr/>
+          <p:nvPr/>
+        </p:nvSpPr>
+        <p:spPr>
+          <a:xfrm>
+            <a:off x="4885506" y="4553245"/>
+            <a:ext cx="2037805" cy="692332"/>
+          </a:xfrm>
+          <a:prstGeom prst="rect">
+            <a:avLst/>
+          </a:prstGeom>
+        </p:spPr>
+        <p:style>
+          <a:lnRef idx="2">
+            <a:schemeClr val="accent1">
+              <a:shade val="50000"/>
+            </a:schemeClr>
+          </a:lnRef>
+          <a:fillRef idx="1">
+            <a:schemeClr val="accent1"/>
+          </a:fillRef>
+          <a:effectRef idx="0">
+            <a:schemeClr val="accent1"/>
+          </a:effectRef>
+          <a:fontRef idx="minor">
+            <a:schemeClr val="lt1"/>
+          </a:fontRef>
+        </p:style>
+        <p:txBody>
+          <a:bodyPr rtlCol="0" anchor="ctr"/>
+          <a:lstStyle/>
+          <a:p>
+            <a:pPr algn="ctr"/>
+            <a:r>
+              <a:rPr lang="en-US" dirty="0"/>
+              <a:t>Ex. header element</a:t>
+            </a:r>
+          </a:p>
+        </p:txBody>
+      </p:sp>
+      <p:sp>
+        <p:nvSpPr>
+          <p:cNvPr id="9" name="Rectangle 8">
+            <a:extLst>
+              <a:ext uri="{FF2B5EF4-FFF2-40B4-BE49-F238E27FC236}">
+                <a16:creationId xmlns:a16="http://schemas.microsoft.com/office/drawing/2014/main" id="{591EE151-12CA-437A-8DC6-67E0EE21DBB2}"/>
+              </a:ext>
+            </a:extLst>
+          </p:cNvPr>
+          <p:cNvSpPr/>
+          <p:nvPr/>
+        </p:nvSpPr>
+        <p:spPr>
+          <a:xfrm>
+            <a:off x="8625840" y="4553245"/>
+            <a:ext cx="2037805" cy="692332"/>
+          </a:xfrm>
+          <a:prstGeom prst="rect">
+            <a:avLst/>
+          </a:prstGeom>
+        </p:spPr>
+        <p:style>
+          <a:lnRef idx="2">
+            <a:schemeClr val="accent1">
+              <a:shade val="50000"/>
+            </a:schemeClr>
+          </a:lnRef>
+          <a:fillRef idx="1">
+            <a:schemeClr val="accent1"/>
+          </a:fillRef>
+          <a:effectRef idx="0">
+            <a:schemeClr val="accent1"/>
+          </a:effectRef>
+          <a:fontRef idx="minor">
+            <a:schemeClr val="lt1"/>
+          </a:fontRef>
+        </p:style>
+        <p:txBody>
+          <a:bodyPr rtlCol="0" anchor="ctr"/>
+          <a:lstStyle/>
+          <a:p>
+            <a:pPr algn="ctr"/>
+            <a:r>
+              <a:rPr lang="en-US" dirty="0"/>
+              <a:t>Ex. footer element</a:t>
+            </a:r>
+          </a:p>
+        </p:txBody>
+      </p:sp>
+      <p:sp>
+        <p:nvSpPr>
+          <p:cNvPr id="10" name="Rectangle 9">
+            <a:extLst>
+              <a:ext uri="{FF2B5EF4-FFF2-40B4-BE49-F238E27FC236}">
+                <a16:creationId xmlns:a16="http://schemas.microsoft.com/office/drawing/2014/main" id="{DDFC8C14-4A2B-4487-A019-A03BE6A13222}"/>
+              </a:ext>
+            </a:extLst>
+          </p:cNvPr>
+          <p:cNvSpPr/>
+          <p:nvPr/>
+        </p:nvSpPr>
+        <p:spPr>
+          <a:xfrm>
+            <a:off x="4885506" y="5712950"/>
+            <a:ext cx="2037805" cy="692332"/>
+          </a:xfrm>
+          <a:prstGeom prst="rect">
+            <a:avLst/>
+          </a:prstGeom>
+        </p:spPr>
+        <p:style>
+          <a:lnRef idx="2">
+            <a:schemeClr val="accent1">
+              <a:shade val="50000"/>
+            </a:schemeClr>
+          </a:lnRef>
+          <a:fillRef idx="1">
+            <a:schemeClr val="accent1"/>
+          </a:fillRef>
+          <a:effectRef idx="0">
+            <a:schemeClr val="accent1"/>
+          </a:effectRef>
+          <a:fontRef idx="minor">
+            <a:schemeClr val="lt1"/>
+          </a:fontRef>
+        </p:style>
+        <p:txBody>
+          <a:bodyPr rtlCol="0" anchor="ctr"/>
+          <a:lstStyle/>
+          <a:p>
+            <a:pPr algn="ctr"/>
+            <a:r>
+              <a:rPr lang="en-US" dirty="0"/>
+              <a:t>Ex. h1 element</a:t>
+            </a:r>
+          </a:p>
+        </p:txBody>
+      </p:sp>
+      <p:sp>
+        <p:nvSpPr>
+          <p:cNvPr id="11" name="Rectangle 10">
+            <a:extLst>
+              <a:ext uri="{FF2B5EF4-FFF2-40B4-BE49-F238E27FC236}">
+                <a16:creationId xmlns:a16="http://schemas.microsoft.com/office/drawing/2014/main" id="{BF7101BA-3A9A-41A8-A5C2-20DC64C6471A}"/>
+              </a:ext>
+            </a:extLst>
+          </p:cNvPr>
+          <p:cNvSpPr/>
+          <p:nvPr/>
+        </p:nvSpPr>
+        <p:spPr>
+          <a:xfrm>
+            <a:off x="361403" y="5712950"/>
+            <a:ext cx="2037805" cy="692332"/>
+          </a:xfrm>
+          <a:prstGeom prst="rect">
+            <a:avLst/>
+          </a:prstGeom>
+        </p:spPr>
+        <p:style>
+          <a:lnRef idx="2">
+            <a:schemeClr val="accent1">
+              <a:shade val="50000"/>
+            </a:schemeClr>
+          </a:lnRef>
+          <a:fillRef idx="1">
+            <a:schemeClr val="accent1"/>
+          </a:fillRef>
+          <a:effectRef idx="0">
+            <a:schemeClr val="accent1"/>
+          </a:effectRef>
+          <a:fontRef idx="minor">
+            <a:schemeClr val="lt1"/>
+          </a:fontRef>
+        </p:style>
+        <p:txBody>
+          <a:bodyPr rtlCol="0" anchor="ctr"/>
+          <a:lstStyle/>
+          <a:p>
+            <a:pPr algn="ctr"/>
+            <a:r>
+              <a:rPr lang="en-US" dirty="0"/>
+              <a:t>Ex. p element</a:t>
+            </a:r>
+          </a:p>
+        </p:txBody>
+      </p:sp>
+      <p:sp>
+        <p:nvSpPr>
+          <p:cNvPr id="12" name="Rectangle 11">
+            <a:extLst>
+              <a:ext uri="{FF2B5EF4-FFF2-40B4-BE49-F238E27FC236}">
+                <a16:creationId xmlns:a16="http://schemas.microsoft.com/office/drawing/2014/main" id="{62AAC54F-A373-4CB6-8906-4943CF8A6485}"/>
+              </a:ext>
+            </a:extLst>
+          </p:cNvPr>
+          <p:cNvSpPr/>
+          <p:nvPr/>
+        </p:nvSpPr>
+        <p:spPr>
+          <a:xfrm>
+            <a:off x="2623454" y="5712950"/>
+            <a:ext cx="2037805" cy="692332"/>
+          </a:xfrm>
+          <a:prstGeom prst="rect">
+            <a:avLst/>
+          </a:prstGeom>
+        </p:spPr>
+        <p:style>
+          <a:lnRef idx="2">
+            <a:schemeClr val="accent1">
+              <a:shade val="50000"/>
+            </a:schemeClr>
+          </a:lnRef>
+          <a:fillRef idx="1">
+            <a:schemeClr val="accent1"/>
+          </a:fillRef>
+          <a:effectRef idx="0">
+            <a:schemeClr val="accent1"/>
+          </a:effectRef>
+          <a:fontRef idx="minor">
+            <a:schemeClr val="lt1"/>
+          </a:fontRef>
+        </p:style>
+        <p:txBody>
+          <a:bodyPr rtlCol="0" anchor="ctr"/>
+          <a:lstStyle/>
+          <a:p>
+            <a:pPr algn="ctr"/>
+            <a:r>
+              <a:rPr lang="en-US" dirty="0"/>
+              <a:t>Ex. a element</a:t>
+            </a:r>
+          </a:p>
+        </p:txBody>
+      </p:sp>
+      <p:sp>
+        <p:nvSpPr>
+          <p:cNvPr id="13" name="Rectangle 12">
+            <a:extLst>
+              <a:ext uri="{FF2B5EF4-FFF2-40B4-BE49-F238E27FC236}">
+                <a16:creationId xmlns:a16="http://schemas.microsoft.com/office/drawing/2014/main" id="{6C121F07-3DA0-45FE-A05D-4D29B456AB8D}"/>
+              </a:ext>
+            </a:extLst>
+          </p:cNvPr>
+          <p:cNvSpPr/>
+          <p:nvPr/>
+        </p:nvSpPr>
+        <p:spPr>
+          <a:xfrm>
+            <a:off x="7624355" y="5712950"/>
+            <a:ext cx="2037805" cy="692332"/>
+          </a:xfrm>
+          <a:prstGeom prst="rect">
+            <a:avLst/>
+          </a:prstGeom>
+        </p:spPr>
+        <p:style>
+          <a:lnRef idx="2">
+            <a:schemeClr val="accent1">
+              <a:shade val="50000"/>
+            </a:schemeClr>
+          </a:lnRef>
+          <a:fillRef idx="1">
+            <a:schemeClr val="accent1"/>
+          </a:fillRef>
+          <a:effectRef idx="0">
+            <a:schemeClr val="accent1"/>
+          </a:effectRef>
+          <a:fontRef idx="minor">
+            <a:schemeClr val="lt1"/>
+          </a:fontRef>
+        </p:style>
+        <p:txBody>
+          <a:bodyPr rtlCol="0" anchor="ctr"/>
+          <a:lstStyle/>
+          <a:p>
+            <a:pPr algn="ctr"/>
+            <a:r>
+              <a:rPr lang="en-US" dirty="0"/>
+              <a:t>Ex. p element</a:t>
+            </a:r>
+          </a:p>
+        </p:txBody>
+      </p:sp>
+      <p:sp>
+        <p:nvSpPr>
+          <p:cNvPr id="14" name="Rectangle 13">
+            <a:extLst>
+              <a:ext uri="{FF2B5EF4-FFF2-40B4-BE49-F238E27FC236}">
+                <a16:creationId xmlns:a16="http://schemas.microsoft.com/office/drawing/2014/main" id="{2AB55DE2-D101-4FA3-A7E0-827943FB6105}"/>
+              </a:ext>
+            </a:extLst>
+          </p:cNvPr>
+          <p:cNvSpPr/>
+          <p:nvPr/>
+        </p:nvSpPr>
+        <p:spPr>
+          <a:xfrm>
+            <a:off x="9892938" y="5712950"/>
+            <a:ext cx="2037805" cy="692332"/>
+          </a:xfrm>
+          <a:prstGeom prst="rect">
+            <a:avLst/>
+          </a:prstGeom>
+        </p:spPr>
+        <p:style>
+          <a:lnRef idx="2">
+            <a:schemeClr val="accent1">
+              <a:shade val="50000"/>
+            </a:schemeClr>
+          </a:lnRef>
+          <a:fillRef idx="1">
+            <a:schemeClr val="accent1"/>
+          </a:fillRef>
+          <a:effectRef idx="0">
+            <a:schemeClr val="accent1"/>
+          </a:effectRef>
+          <a:fontRef idx="minor">
+            <a:schemeClr val="lt1"/>
+          </a:fontRef>
+        </p:style>
+        <p:txBody>
+          <a:bodyPr rtlCol="0" anchor="ctr"/>
+          <a:lstStyle/>
+          <a:p>
+            <a:pPr algn="ctr"/>
+            <a:r>
+              <a:rPr lang="en-US" dirty="0"/>
+              <a:t>Ex. div element</a:t>
+            </a:r>
+          </a:p>
+        </p:txBody>
+      </p:sp>
+      <p:cxnSp>
+        <p:nvCxnSpPr>
+          <p:cNvPr id="16" name="Straight Connector 15">
+            <a:extLst>
+              <a:ext uri="{FF2B5EF4-FFF2-40B4-BE49-F238E27FC236}">
+                <a16:creationId xmlns:a16="http://schemas.microsoft.com/office/drawing/2014/main" id="{9C015CBF-17E6-46E3-96DE-20D8F93E4C92}"/>
+              </a:ext>
+            </a:extLst>
+          </p:cNvPr>
+          <p:cNvCxnSpPr>
+            <a:stCxn id="4" idx="2"/>
+            <a:endCxn id="5" idx="0"/>
+          </p:cNvCxnSpPr>
+          <p:nvPr/>
+        </p:nvCxnSpPr>
+        <p:spPr>
+          <a:xfrm>
+            <a:off x="5904410" y="2121875"/>
+            <a:ext cx="1" cy="362032"/>
+          </a:xfrm>
+          <a:prstGeom prst="line">
+            <a:avLst/>
+          </a:prstGeom>
+        </p:spPr>
+        <p:style>
+          <a:lnRef idx="1">
+            <a:schemeClr val="accent1"/>
+          </a:lnRef>
+          <a:fillRef idx="0">
+            <a:schemeClr val="accent1"/>
+          </a:fillRef>
+          <a:effectRef idx="0">
+            <a:schemeClr val="accent1"/>
+          </a:effectRef>
+          <a:fontRef idx="minor">
+            <a:schemeClr val="tx1"/>
+          </a:fontRef>
+        </p:style>
+      </p:cxnSp>
+      <p:cxnSp>
+        <p:nvCxnSpPr>
+          <p:cNvPr id="18" name="Straight Connector 17">
+            <a:extLst>
+              <a:ext uri="{FF2B5EF4-FFF2-40B4-BE49-F238E27FC236}">
+                <a16:creationId xmlns:a16="http://schemas.microsoft.com/office/drawing/2014/main" id="{C857AEFF-3815-436C-A880-1AE5E122AEA7}"/>
+              </a:ext>
+            </a:extLst>
+          </p:cNvPr>
+          <p:cNvCxnSpPr>
+            <a:stCxn id="5" idx="2"/>
+          </p:cNvCxnSpPr>
+          <p:nvPr/>
+        </p:nvCxnSpPr>
+        <p:spPr>
+          <a:xfrm flipH="1">
+            <a:off x="5904408" y="3176239"/>
+            <a:ext cx="3" cy="505523"/>
+          </a:xfrm>
+          <a:prstGeom prst="line">
+            <a:avLst/>
+          </a:prstGeom>
+        </p:spPr>
+        <p:style>
+          <a:lnRef idx="1">
+            <a:schemeClr val="accent1"/>
+          </a:lnRef>
+          <a:fillRef idx="0">
+            <a:schemeClr val="accent1"/>
+          </a:fillRef>
+          <a:effectRef idx="0">
+            <a:schemeClr val="accent1"/>
+          </a:effectRef>
+          <a:fontRef idx="minor">
+            <a:schemeClr val="tx1"/>
+          </a:fontRef>
+        </p:style>
+      </p:cxnSp>
+      <p:cxnSp>
+        <p:nvCxnSpPr>
+          <p:cNvPr id="20" name="Straight Connector 19">
+            <a:extLst>
+              <a:ext uri="{FF2B5EF4-FFF2-40B4-BE49-F238E27FC236}">
+                <a16:creationId xmlns:a16="http://schemas.microsoft.com/office/drawing/2014/main" id="{18C3091F-5E67-43A6-9615-F7CD2383A9A3}"/>
+              </a:ext>
+            </a:extLst>
+          </p:cNvPr>
+          <p:cNvCxnSpPr>
+            <a:stCxn id="6" idx="2"/>
+          </p:cNvCxnSpPr>
+          <p:nvPr/>
+        </p:nvCxnSpPr>
+        <p:spPr>
+          <a:xfrm flipH="1">
+            <a:off x="5904408" y="4230401"/>
+            <a:ext cx="2" cy="467373"/>
+          </a:xfrm>
+          <a:prstGeom prst="line">
+            <a:avLst/>
+          </a:prstGeom>
+        </p:spPr>
+        <p:style>
+          <a:lnRef idx="1">
+            <a:schemeClr val="accent1"/>
+          </a:lnRef>
+          <a:fillRef idx="0">
+            <a:schemeClr val="accent1"/>
+          </a:fillRef>
+          <a:effectRef idx="0">
+            <a:schemeClr val="accent1"/>
+          </a:effectRef>
+          <a:fontRef idx="minor">
+            <a:schemeClr val="tx1"/>
+          </a:fontRef>
+        </p:style>
+      </p:cxnSp>
+      <p:cxnSp>
+        <p:nvCxnSpPr>
+          <p:cNvPr id="22" name="Straight Connector 21">
+            <a:extLst>
+              <a:ext uri="{FF2B5EF4-FFF2-40B4-BE49-F238E27FC236}">
+                <a16:creationId xmlns:a16="http://schemas.microsoft.com/office/drawing/2014/main" id="{3DDF441B-F4C1-4D9C-AFCB-0C53CAF2EA3D}"/>
+              </a:ext>
+            </a:extLst>
+          </p:cNvPr>
+          <p:cNvCxnSpPr>
+            <a:endCxn id="10" idx="0"/>
+          </p:cNvCxnSpPr>
+          <p:nvPr/>
+        </p:nvCxnSpPr>
+        <p:spPr>
+          <a:xfrm>
+            <a:off x="5904408" y="5058768"/>
+            <a:ext cx="1" cy="654182"/>
+          </a:xfrm>
+          <a:prstGeom prst="line">
+            <a:avLst/>
+          </a:prstGeom>
+        </p:spPr>
+        <p:style>
+          <a:lnRef idx="1">
+            <a:schemeClr val="accent1"/>
+          </a:lnRef>
+          <a:fillRef idx="0">
+            <a:schemeClr val="accent1"/>
+          </a:fillRef>
+          <a:effectRef idx="0">
+            <a:schemeClr val="accent1"/>
+          </a:effectRef>
+          <a:fontRef idx="minor">
+            <a:schemeClr val="tx1"/>
+          </a:fontRef>
+        </p:style>
+      </p:cxnSp>
+      <p:cxnSp>
+        <p:nvCxnSpPr>
+          <p:cNvPr id="24" name="Straight Connector 23">
+            <a:extLst>
+              <a:ext uri="{FF2B5EF4-FFF2-40B4-BE49-F238E27FC236}">
+                <a16:creationId xmlns:a16="http://schemas.microsoft.com/office/drawing/2014/main" id="{1BC14661-4B12-4AAB-B64E-C9B5388910B6}"/>
+              </a:ext>
+            </a:extLst>
+          </p:cNvPr>
+          <p:cNvCxnSpPr>
+            <a:cxnSpLocks/>
+            <a:endCxn id="11" idx="0"/>
+          </p:cNvCxnSpPr>
+          <p:nvPr/>
+        </p:nvCxnSpPr>
+        <p:spPr>
+          <a:xfrm flipH="1">
+            <a:off x="1380306" y="5245577"/>
+            <a:ext cx="580212" cy="467373"/>
+          </a:xfrm>
+          <a:prstGeom prst="line">
+            <a:avLst/>
+          </a:prstGeom>
+        </p:spPr>
+        <p:style>
+          <a:lnRef idx="1">
+            <a:schemeClr val="accent1"/>
+          </a:lnRef>
+          <a:fillRef idx="0">
+            <a:schemeClr val="accent1"/>
+          </a:fillRef>
+          <a:effectRef idx="0">
+            <a:schemeClr val="accent1"/>
+          </a:effectRef>
+          <a:fontRef idx="minor">
+            <a:schemeClr val="tx1"/>
+          </a:fontRef>
+        </p:style>
+      </p:cxnSp>
+      <p:cxnSp>
+        <p:nvCxnSpPr>
+          <p:cNvPr id="26" name="Straight Connector 25">
+            <a:extLst>
+              <a:ext uri="{FF2B5EF4-FFF2-40B4-BE49-F238E27FC236}">
+                <a16:creationId xmlns:a16="http://schemas.microsoft.com/office/drawing/2014/main" id="{4F21099B-4C93-4112-B644-056D0523716B}"/>
+              </a:ext>
+            </a:extLst>
+          </p:cNvPr>
+          <p:cNvCxnSpPr>
+            <a:cxnSpLocks/>
+          </p:cNvCxnSpPr>
+          <p:nvPr/>
+        </p:nvCxnSpPr>
+        <p:spPr>
+          <a:xfrm>
+            <a:off x="3093720" y="5245577"/>
+            <a:ext cx="434337" cy="467373"/>
+          </a:xfrm>
+          <a:prstGeom prst="line">
+            <a:avLst/>
+          </a:prstGeom>
+        </p:spPr>
+        <p:style>
+          <a:lnRef idx="1">
+            <a:schemeClr val="accent1"/>
+          </a:lnRef>
+          <a:fillRef idx="0">
+            <a:schemeClr val="accent1"/>
+          </a:fillRef>
+          <a:effectRef idx="0">
+            <a:schemeClr val="accent1"/>
+          </a:effectRef>
+          <a:fontRef idx="minor">
+            <a:schemeClr val="tx1"/>
+          </a:fontRef>
+        </p:style>
+      </p:cxnSp>
+      <p:cxnSp>
+        <p:nvCxnSpPr>
+          <p:cNvPr id="28" name="Straight Connector 27">
+            <a:extLst>
+              <a:ext uri="{FF2B5EF4-FFF2-40B4-BE49-F238E27FC236}">
+                <a16:creationId xmlns:a16="http://schemas.microsoft.com/office/drawing/2014/main" id="{9A312BCF-7868-4D89-91A6-F3D82FE55E24}"/>
+              </a:ext>
+            </a:extLst>
+          </p:cNvPr>
+          <p:cNvCxnSpPr>
+            <a:cxnSpLocks/>
+          </p:cNvCxnSpPr>
+          <p:nvPr/>
+        </p:nvCxnSpPr>
+        <p:spPr>
+          <a:xfrm flipH="1">
+            <a:off x="8739052" y="5222255"/>
+            <a:ext cx="560610" cy="695219"/>
+          </a:xfrm>
+          <a:prstGeom prst="line">
+            <a:avLst/>
+          </a:prstGeom>
+        </p:spPr>
+        <p:style>
+          <a:lnRef idx="1">
+            <a:schemeClr val="accent1"/>
+          </a:lnRef>
+          <a:fillRef idx="0">
+            <a:schemeClr val="accent1"/>
+          </a:fillRef>
+          <a:effectRef idx="0">
+            <a:schemeClr val="accent1"/>
+          </a:effectRef>
+          <a:fontRef idx="minor">
+            <a:schemeClr val="tx1"/>
+          </a:fontRef>
+        </p:style>
+      </p:cxnSp>
+      <p:cxnSp>
+        <p:nvCxnSpPr>
+          <p:cNvPr id="30" name="Straight Connector 29">
+            <a:extLst>
+              <a:ext uri="{FF2B5EF4-FFF2-40B4-BE49-F238E27FC236}">
+                <a16:creationId xmlns:a16="http://schemas.microsoft.com/office/drawing/2014/main" id="{A7756BB1-CA66-4A47-9DE3-6711163033ED}"/>
+              </a:ext>
+            </a:extLst>
+          </p:cNvPr>
+          <p:cNvCxnSpPr>
+            <a:cxnSpLocks/>
+          </p:cNvCxnSpPr>
+          <p:nvPr/>
+        </p:nvCxnSpPr>
+        <p:spPr>
+          <a:xfrm>
+            <a:off x="10335443" y="5222255"/>
+            <a:ext cx="576397" cy="616842"/>
+          </a:xfrm>
+          <a:prstGeom prst="line">
+            <a:avLst/>
+          </a:prstGeom>
+        </p:spPr>
+        <p:style>
+          <a:lnRef idx="1">
+            <a:schemeClr val="accent1"/>
+          </a:lnRef>
+          <a:fillRef idx="0">
+            <a:schemeClr val="accent1"/>
+          </a:fillRef>
+          <a:effectRef idx="0">
+            <a:schemeClr val="accent1"/>
+          </a:effectRef>
+          <a:fontRef idx="minor">
+            <a:schemeClr val="tx1"/>
+          </a:fontRef>
+        </p:style>
+      </p:cxnSp>
+      <p:cxnSp>
+        <p:nvCxnSpPr>
+          <p:cNvPr id="32" name="Straight Connector 31">
+            <a:extLst>
+              <a:ext uri="{FF2B5EF4-FFF2-40B4-BE49-F238E27FC236}">
+                <a16:creationId xmlns:a16="http://schemas.microsoft.com/office/drawing/2014/main" id="{6586F896-5179-40E4-ACC7-5739AC44380F}"/>
+              </a:ext>
+            </a:extLst>
+          </p:cNvPr>
+          <p:cNvCxnSpPr>
+            <a:stCxn id="6" idx="3"/>
+            <a:endCxn id="9" idx="0"/>
+          </p:cNvCxnSpPr>
+          <p:nvPr/>
+        </p:nvCxnSpPr>
+        <p:spPr>
+          <a:xfrm>
+            <a:off x="6923312" y="3884235"/>
+            <a:ext cx="2721431" cy="669010"/>
+          </a:xfrm>
+          <a:prstGeom prst="line">
+            <a:avLst/>
+          </a:prstGeom>
+        </p:spPr>
+        <p:style>
+          <a:lnRef idx="1">
+            <a:schemeClr val="accent1"/>
+          </a:lnRef>
+          <a:fillRef idx="0">
+            <a:schemeClr val="accent1"/>
+          </a:fillRef>
+          <a:effectRef idx="0">
+            <a:schemeClr val="accent1"/>
+          </a:effectRef>
+          <a:fontRef idx="minor">
+            <a:schemeClr val="tx1"/>
+          </a:fontRef>
+        </p:style>
+      </p:cxnSp>
+      <p:cxnSp>
+        <p:nvCxnSpPr>
+          <p:cNvPr id="34" name="Straight Connector 33">
+            <a:extLst>
+              <a:ext uri="{FF2B5EF4-FFF2-40B4-BE49-F238E27FC236}">
+                <a16:creationId xmlns:a16="http://schemas.microsoft.com/office/drawing/2014/main" id="{F7C4FE27-A6A1-4B40-96C1-5C5ED33C22FF}"/>
+              </a:ext>
+            </a:extLst>
+          </p:cNvPr>
+          <p:cNvCxnSpPr>
+            <a:stCxn id="6" idx="1"/>
+            <a:endCxn id="7" idx="0"/>
+          </p:cNvCxnSpPr>
+          <p:nvPr/>
+        </p:nvCxnSpPr>
+        <p:spPr>
+          <a:xfrm flipH="1">
+            <a:off x="2547258" y="3884235"/>
+            <a:ext cx="2338249" cy="669010"/>
+          </a:xfrm>
+          <a:prstGeom prst="line">
+            <a:avLst/>
+          </a:prstGeom>
+        </p:spPr>
+        <p:style>
+          <a:lnRef idx="1">
+            <a:schemeClr val="accent1"/>
+          </a:lnRef>
+          <a:fillRef idx="0">
+            <a:schemeClr val="accent1"/>
+          </a:fillRef>
+          <a:effectRef idx="0">
+            <a:schemeClr val="accent1"/>
+          </a:effectRef>
+          <a:fontRef idx="minor">
+            <a:schemeClr val="tx1"/>
+          </a:fontRef>
+        </p:style>
+      </p:cxnSp>
+    </p:spTree>
+    <p:extLst>
+      <p:ext uri="{BB962C8B-B14F-4D97-AF65-F5344CB8AC3E}">
+        <p14:creationId xmlns:p14="http://schemas.microsoft.com/office/powerpoint/2010/main" val="1392002584"/>
+      </p:ext>
+    </p:extLst>
+  </p:cSld>
+  <p:clrMapOvr>
+    <a:masterClrMapping/>
+  </p:clrMapOvr>
+</p:sld>
+</file>
+
+<file path=ppt/slides/slide33.xml><?xml version="1.0" encoding="utf-8"?>
+<p:sld xmlns:a="http://schemas.openxmlformats.org/drawingml/2006/main" xmlns:r="http://schemas.openxmlformats.org/officeDocument/2006/relationships" xmlns:p="http://schemas.openxmlformats.org/presentationml/2006/main">
+  <p:cSld>
+    <p:spTree>
+      <p:nvGrpSpPr>
+        <p:cNvPr id="1" name=""/>
+        <p:cNvGrpSpPr/>
+        <p:nvPr/>
+      </p:nvGrpSpPr>
+      <p:grpSpPr>
+        <a:xfrm>
+          <a:off x="0" y="0"/>
+          <a:ext cx="0" cy="0"/>
+          <a:chOff x="0" y="0"/>
+          <a:chExt cx="0" cy="0"/>
+        </a:xfrm>
+      </p:grpSpPr>
+      <p:sp>
+        <p:nvSpPr>
+          <p:cNvPr id="2" name="Title 1"/>
+          <p:cNvSpPr>
+            <a:spLocks noGrp="1"/>
+          </p:cNvSpPr>
+          <p:nvPr>
+            <p:ph type="title"/>
+          </p:nvPr>
+        </p:nvSpPr>
+        <p:spPr/>
+        <p:txBody>
+          <a:bodyPr/>
+          <a:lstStyle/>
+          <a:p>
+            <a:r>
+              <a:rPr lang="en-US" dirty="0"/>
+              <a:t>Getting DOM Elements/Objects</a:t>
+            </a:r>
+          </a:p>
+        </p:txBody>
+      </p:sp>
+      <p:sp>
+        <p:nvSpPr>
+          <p:cNvPr id="3" name="Content Placeholder 2"/>
+          <p:cNvSpPr>
+            <a:spLocks noGrp="1"/>
+          </p:cNvSpPr>
+          <p:nvPr>
+            <p:ph idx="1"/>
+          </p:nvPr>
+        </p:nvSpPr>
+        <p:spPr/>
+        <p:txBody>
+          <a:bodyPr>
+            <a:normAutofit/>
+          </a:bodyPr>
+          <a:lstStyle/>
+          <a:p>
+            <a:pPr>
+              <a:buFont typeface="Arial" panose="020B0604020202020204" pitchFamily="34" charset="0"/>
+              <a:buChar char="•"/>
+            </a:pPr>
+            <a:r>
+              <a:rPr lang="en-US" sz="2800" dirty="0" err="1"/>
+              <a:t>document.getElementById</a:t>
+            </a:r>
+            <a:endParaRPr lang="en-US" sz="2800" dirty="0"/>
+          </a:p>
+          <a:p>
+            <a:pPr>
+              <a:buFont typeface="Arial" panose="020B0604020202020204" pitchFamily="34" charset="0"/>
+              <a:buChar char="•"/>
+            </a:pPr>
+            <a:r>
+              <a:rPr lang="en-US" sz="2800" dirty="0" err="1"/>
+              <a:t>document.getElementsByTagName</a:t>
+            </a:r>
+            <a:endParaRPr lang="en-US" sz="2800" dirty="0"/>
+          </a:p>
+          <a:p>
+            <a:pPr>
+              <a:buFont typeface="Arial" panose="020B0604020202020204" pitchFamily="34" charset="0"/>
+              <a:buChar char="•"/>
+            </a:pPr>
+            <a:r>
+              <a:rPr lang="en-US" sz="2800" dirty="0" err="1"/>
+              <a:t>document.getElementsByClassName</a:t>
+            </a:r>
+            <a:endParaRPr lang="en-US" sz="2800" dirty="0"/>
+          </a:p>
+          <a:p>
+            <a:pPr>
+              <a:buFont typeface="Arial" panose="020B0604020202020204" pitchFamily="34" charset="0"/>
+              <a:buChar char="•"/>
+            </a:pPr>
+            <a:r>
+              <a:rPr lang="en-US" sz="2800" dirty="0" err="1"/>
+              <a:t>document.querySelectorAll</a:t>
+            </a:r>
+            <a:endParaRPr lang="en-US" sz="2800" dirty="0"/>
+          </a:p>
+          <a:p>
+            <a:pPr>
+              <a:buFont typeface="Arial" panose="020B0604020202020204" pitchFamily="34" charset="0"/>
+              <a:buChar char="•"/>
+            </a:pPr>
+            <a:r>
+              <a:rPr lang="en-US" sz="2800" dirty="0" err="1"/>
+              <a:t>document.querySelectorAll</a:t>
+            </a:r>
+            <a:endParaRPr lang="en-US" sz="2800" dirty="0"/>
+          </a:p>
+        </p:txBody>
+      </p:sp>
+    </p:spTree>
+    <p:extLst>
+      <p:ext uri="{BB962C8B-B14F-4D97-AF65-F5344CB8AC3E}">
+        <p14:creationId xmlns:p14="http://schemas.microsoft.com/office/powerpoint/2010/main" val="3446399575"/>
+      </p:ext>
+    </p:extLst>
+  </p:cSld>
+  <p:clrMapOvr>
+    <a:masterClrMapping/>
+  </p:clrMapOvr>
+</p:sld>
+</file>
+
+<file path=ppt/slides/slide34.xml><?xml version="1.0" encoding="utf-8"?>
+<p:sld xmlns:a="http://schemas.openxmlformats.org/drawingml/2006/main" xmlns:r="http://schemas.openxmlformats.org/officeDocument/2006/relationships" xmlns:p="http://schemas.openxmlformats.org/presentationml/2006/main">
+  <p:cSld>
+    <p:spTree>
+      <p:nvGrpSpPr>
+        <p:cNvPr id="1" name=""/>
+        <p:cNvGrpSpPr/>
+        <p:nvPr/>
+      </p:nvGrpSpPr>
+      <p:grpSpPr>
+        <a:xfrm>
+          <a:off x="0" y="0"/>
+          <a:ext cx="0" cy="0"/>
+          <a:chOff x="0" y="0"/>
+          <a:chExt cx="0" cy="0"/>
+        </a:xfrm>
+      </p:grpSpPr>
+      <p:sp>
+        <p:nvSpPr>
+          <p:cNvPr id="2" name="Title 1"/>
+          <p:cNvSpPr>
+            <a:spLocks noGrp="1"/>
+          </p:cNvSpPr>
+          <p:nvPr>
+            <p:ph type="title"/>
+          </p:nvPr>
+        </p:nvSpPr>
+        <p:spPr/>
+        <p:txBody>
+          <a:bodyPr/>
+          <a:lstStyle/>
+          <a:p>
+            <a:r>
+              <a:rPr lang="en-US" dirty="0"/>
+              <a:t>Updating the DOM</a:t>
+            </a:r>
+          </a:p>
+        </p:txBody>
+      </p:sp>
+      <p:sp>
+        <p:nvSpPr>
+          <p:cNvPr id="3" name="Content Placeholder 2"/>
+          <p:cNvSpPr>
+            <a:spLocks noGrp="1"/>
+          </p:cNvSpPr>
+          <p:nvPr>
+            <p:ph idx="1"/>
+          </p:nvPr>
+        </p:nvSpPr>
+        <p:spPr>
+          <a:xfrm>
+            <a:off x="1103312" y="2052918"/>
+            <a:ext cx="9751922" cy="4195481"/>
+          </a:xfrm>
+        </p:spPr>
+        <p:txBody>
+          <a:bodyPr>
+            <a:normAutofit/>
+          </a:bodyPr>
+          <a:lstStyle/>
+          <a:p>
+            <a:pPr>
+              <a:buFont typeface="Arial" panose="020B0604020202020204" pitchFamily="34" charset="0"/>
+              <a:buChar char="•"/>
+            </a:pPr>
+            <a:r>
+              <a:rPr lang="en-US" sz="2800" dirty="0" err="1"/>
+              <a:t>document.getElementById</a:t>
+            </a:r>
+            <a:r>
+              <a:rPr lang="en-US" sz="2800" dirty="0"/>
+              <a:t>([id]).</a:t>
+            </a:r>
+            <a:r>
+              <a:rPr lang="en-US" sz="2800" dirty="0" err="1"/>
+              <a:t>innerHTML</a:t>
+            </a:r>
+            <a:r>
+              <a:rPr lang="en-US" sz="2800" dirty="0"/>
+              <a:t> = “”;</a:t>
+            </a:r>
+          </a:p>
+          <a:p>
+            <a:pPr>
+              <a:buFont typeface="Arial" panose="020B0604020202020204" pitchFamily="34" charset="0"/>
+              <a:buChar char="•"/>
+            </a:pPr>
+            <a:r>
+              <a:rPr lang="en-US" sz="2800" dirty="0" err="1"/>
+              <a:t>document.getElementById</a:t>
+            </a:r>
+            <a:r>
+              <a:rPr lang="en-US" sz="2800" dirty="0"/>
+              <a:t>([id]).[attribute] = “”;</a:t>
+            </a:r>
+          </a:p>
+          <a:p>
+            <a:pPr>
+              <a:buFont typeface="Arial" panose="020B0604020202020204" pitchFamily="34" charset="0"/>
+              <a:buChar char="•"/>
+            </a:pPr>
+            <a:r>
+              <a:rPr lang="en-US" sz="2800" dirty="0" err="1"/>
+              <a:t>document.getElementById</a:t>
+            </a:r>
+            <a:r>
+              <a:rPr lang="en-US" sz="2800" dirty="0"/>
+              <a:t>([id]).</a:t>
+            </a:r>
+            <a:r>
+              <a:rPr lang="en-US" sz="2800" dirty="0" err="1"/>
+              <a:t>setAttribute</a:t>
+            </a:r>
+            <a:r>
+              <a:rPr lang="en-US" sz="2800" dirty="0"/>
+              <a:t>([attribute], “”);</a:t>
+            </a:r>
+          </a:p>
+          <a:p>
+            <a:pPr>
+              <a:buFont typeface="Arial" panose="020B0604020202020204" pitchFamily="34" charset="0"/>
+              <a:buChar char="•"/>
+            </a:pPr>
+            <a:r>
+              <a:rPr lang="en-US" sz="2800" dirty="0" err="1"/>
+              <a:t>document.getElementById</a:t>
+            </a:r>
+            <a:r>
+              <a:rPr lang="en-US" sz="2800" dirty="0"/>
+              <a:t>([id]).style.[property] = “”;</a:t>
+            </a:r>
+          </a:p>
+        </p:txBody>
+      </p:sp>
+    </p:spTree>
+    <p:extLst>
+      <p:ext uri="{BB962C8B-B14F-4D97-AF65-F5344CB8AC3E}">
+        <p14:creationId xmlns:p14="http://schemas.microsoft.com/office/powerpoint/2010/main" val="392876533"/>
+      </p:ext>
+    </p:extLst>
+  </p:cSld>
+  <p:clrMapOvr>
+    <a:masterClrMapping/>
+  </p:clrMapOvr>
+</p:sld>
+</file>
+
+<file path=ppt/slides/slide35.xml><?xml version="1.0" encoding="utf-8"?>
+<p:sld xmlns:a="http://schemas.openxmlformats.org/drawingml/2006/main" xmlns:r="http://schemas.openxmlformats.org/officeDocument/2006/relationships" xmlns:p="http://schemas.openxmlformats.org/presentationml/2006/main">
+  <p:cSld>
+    <p:spTree>
+      <p:nvGrpSpPr>
+        <p:cNvPr id="1" name=""/>
+        <p:cNvGrpSpPr/>
+        <p:nvPr/>
+      </p:nvGrpSpPr>
+      <p:grpSpPr>
+        <a:xfrm>
+          <a:off x="0" y="0"/>
+          <a:ext cx="0" cy="0"/>
+          <a:chOff x="0" y="0"/>
+          <a:chExt cx="0" cy="0"/>
+        </a:xfrm>
+      </p:grpSpPr>
+      <p:sp>
+        <p:nvSpPr>
+          <p:cNvPr id="2" name="Title 1"/>
+          <p:cNvSpPr>
+            <a:spLocks noGrp="1"/>
+          </p:cNvSpPr>
+          <p:nvPr>
+            <p:ph type="title"/>
+          </p:nvPr>
+        </p:nvSpPr>
+        <p:spPr/>
+        <p:txBody>
+          <a:bodyPr/>
+          <a:lstStyle/>
+          <a:p>
+            <a:r>
+              <a:rPr lang="en-US" dirty="0"/>
+              <a:t>Adding to the DOM</a:t>
+            </a:r>
+          </a:p>
+        </p:txBody>
+      </p:sp>
+      <p:sp>
+        <p:nvSpPr>
+          <p:cNvPr id="3" name="Content Placeholder 2"/>
+          <p:cNvSpPr>
+            <a:spLocks noGrp="1"/>
+          </p:cNvSpPr>
+          <p:nvPr>
+            <p:ph idx="1"/>
+          </p:nvPr>
+        </p:nvSpPr>
+        <p:spPr>
+          <a:xfrm>
+            <a:off x="1103312" y="2052918"/>
+            <a:ext cx="9751922" cy="4195481"/>
+          </a:xfrm>
+        </p:spPr>
+        <p:txBody>
+          <a:bodyPr>
+            <a:normAutofit/>
+          </a:bodyPr>
+          <a:lstStyle/>
+          <a:p>
+            <a:pPr>
+              <a:buFont typeface="Arial" panose="020B0604020202020204" pitchFamily="34" charset="0"/>
+              <a:buChar char="•"/>
+            </a:pPr>
+            <a:r>
+              <a:rPr lang="en-US" sz="2800" dirty="0" err="1"/>
+              <a:t>document.createElement</a:t>
+            </a:r>
+            <a:r>
+              <a:rPr lang="en-US" sz="2800" dirty="0"/>
+              <a:t>(“”);</a:t>
+            </a:r>
+          </a:p>
+          <a:p>
+            <a:pPr>
+              <a:buFont typeface="Arial" panose="020B0604020202020204" pitchFamily="34" charset="0"/>
+              <a:buChar char="•"/>
+            </a:pPr>
+            <a:r>
+              <a:rPr lang="en-US" sz="2800" dirty="0" err="1"/>
+              <a:t>document.removeChild</a:t>
+            </a:r>
+            <a:r>
+              <a:rPr lang="en-US" sz="2800" dirty="0"/>
+              <a:t>(“”);</a:t>
+            </a:r>
+          </a:p>
+          <a:p>
+            <a:pPr>
+              <a:buFont typeface="Arial" panose="020B0604020202020204" pitchFamily="34" charset="0"/>
+              <a:buChar char="•"/>
+            </a:pPr>
+            <a:r>
+              <a:rPr lang="en-US" sz="2800" dirty="0" err="1"/>
+              <a:t>document.appendChild</a:t>
+            </a:r>
+            <a:r>
+              <a:rPr lang="en-US" sz="2800" dirty="0"/>
+              <a:t>(“”);</a:t>
+            </a:r>
+          </a:p>
+          <a:p>
+            <a:pPr>
+              <a:buFont typeface="Arial" panose="020B0604020202020204" pitchFamily="34" charset="0"/>
+              <a:buChar char="•"/>
+            </a:pPr>
+            <a:r>
+              <a:rPr lang="en-US" sz="2800" dirty="0" err="1"/>
+              <a:t>document.replaceChild</a:t>
+            </a:r>
+            <a:r>
+              <a:rPr lang="en-US" sz="2800" dirty="0"/>
+              <a:t>(“”);</a:t>
+            </a:r>
+          </a:p>
+          <a:p>
+            <a:pPr>
+              <a:buFont typeface="Arial" panose="020B0604020202020204" pitchFamily="34" charset="0"/>
+              <a:buChar char="•"/>
+            </a:pPr>
+            <a:r>
+              <a:rPr lang="en-US" sz="2800" dirty="0" err="1"/>
+              <a:t>document.write</a:t>
+            </a:r>
+            <a:r>
+              <a:rPr lang="en-US" sz="2800" dirty="0"/>
+              <a:t>(“”);</a:t>
+            </a:r>
+          </a:p>
+        </p:txBody>
+      </p:sp>
+    </p:spTree>
+    <p:extLst>
+      <p:ext uri="{BB962C8B-B14F-4D97-AF65-F5344CB8AC3E}">
+        <p14:creationId xmlns:p14="http://schemas.microsoft.com/office/powerpoint/2010/main" val="4064516485"/>
+      </p:ext>
+    </p:extLst>
+  </p:cSld>
+  <p:clrMapOvr>
+    <a:masterClrMapping/>
+  </p:clrMapOvr>
+</p:sld>
+</file>
+
+<file path=ppt/slides/slide36.xml><?xml version="1.0" encoding="utf-8"?>
+<p:sld xmlns:a="http://schemas.openxmlformats.org/drawingml/2006/main" xmlns:r="http://schemas.openxmlformats.org/officeDocument/2006/relationships" xmlns:p="http://schemas.openxmlformats.org/presentationml/2006/main">
+  <p:cSld>
+    <p:spTree>
+      <p:nvGrpSpPr>
+        <p:cNvPr id="1" name=""/>
+        <p:cNvGrpSpPr/>
+        <p:nvPr/>
+      </p:nvGrpSpPr>
+      <p:grpSpPr>
+        <a:xfrm>
+          <a:off x="0" y="0"/>
+          <a:ext cx="0" cy="0"/>
+          <a:chOff x="0" y="0"/>
+          <a:chExt cx="0" cy="0"/>
+        </a:xfrm>
+      </p:grpSpPr>
+      <p:sp>
+        <p:nvSpPr>
+          <p:cNvPr id="2" name="Title 1"/>
+          <p:cNvSpPr>
+            <a:spLocks noGrp="1"/>
+          </p:cNvSpPr>
+          <p:nvPr>
+            <p:ph type="title"/>
+          </p:nvPr>
+        </p:nvSpPr>
+        <p:spPr/>
+        <p:txBody>
+          <a:bodyPr/>
+          <a:lstStyle/>
+          <a:p>
+            <a:r>
+              <a:rPr lang="en-US" dirty="0"/>
+              <a:t>Handling DOM Events</a:t>
+            </a:r>
+          </a:p>
+        </p:txBody>
+      </p:sp>
+      <p:sp>
+        <p:nvSpPr>
+          <p:cNvPr id="3" name="Content Placeholder 2"/>
+          <p:cNvSpPr>
+            <a:spLocks noGrp="1"/>
+          </p:cNvSpPr>
+          <p:nvPr>
+            <p:ph idx="1"/>
+          </p:nvPr>
+        </p:nvSpPr>
+        <p:spPr>
+          <a:xfrm>
+            <a:off x="1103312" y="2052918"/>
+            <a:ext cx="9751922" cy="4195481"/>
+          </a:xfrm>
+        </p:spPr>
+        <p:txBody>
+          <a:bodyPr>
+            <a:normAutofit lnSpcReduction="10000"/>
+          </a:bodyPr>
+          <a:lstStyle/>
+          <a:p>
+            <a:pPr>
+              <a:buFont typeface="Arial" panose="020B0604020202020204" pitchFamily="34" charset="0"/>
+              <a:buChar char="•"/>
+            </a:pPr>
+            <a:r>
+              <a:rPr lang="en-US" sz="2800" dirty="0"/>
+              <a:t>&lt;a id=“</a:t>
+            </a:r>
+            <a:r>
+              <a:rPr lang="en-US" sz="2800" dirty="0" err="1"/>
+              <a:t>myLink</a:t>
+            </a:r>
+            <a:r>
+              <a:rPr lang="en-US" sz="2800" dirty="0"/>
+              <a:t>” onclick=“</a:t>
+            </a:r>
+            <a:r>
+              <a:rPr lang="en-US" sz="2800" dirty="0" err="1"/>
+              <a:t>linkClicked</a:t>
+            </a:r>
+            <a:r>
+              <a:rPr lang="en-US" sz="2800" dirty="0"/>
+              <a:t>()”&gt;My Link&lt;/a&gt;</a:t>
+            </a:r>
+          </a:p>
+          <a:p>
+            <a:pPr>
+              <a:buFont typeface="Arial" panose="020B0604020202020204" pitchFamily="34" charset="0"/>
+              <a:buChar char="•"/>
+            </a:pPr>
+            <a:r>
+              <a:rPr lang="en-US" sz="2800" dirty="0" err="1"/>
+              <a:t>document.getElementById</a:t>
+            </a:r>
+            <a:r>
+              <a:rPr lang="en-US" sz="2800" dirty="0"/>
+              <a:t>(“</a:t>
+            </a:r>
+            <a:r>
+              <a:rPr lang="en-US" sz="2800" dirty="0" err="1"/>
+              <a:t>myLink</a:t>
+            </a:r>
+            <a:r>
+              <a:rPr lang="en-US" sz="2800" dirty="0"/>
+              <a:t>”).onclick = </a:t>
+            </a:r>
+            <a:r>
+              <a:rPr lang="en-US" sz="2800" dirty="0" err="1"/>
+              <a:t>linkClicked</a:t>
+            </a:r>
+            <a:r>
+              <a:rPr lang="en-US" sz="2800" dirty="0"/>
+              <a:t>;</a:t>
+            </a:r>
+          </a:p>
+          <a:p>
+            <a:pPr>
+              <a:buFont typeface="Arial" panose="020B0604020202020204" pitchFamily="34" charset="0"/>
+              <a:buChar char="•"/>
+            </a:pPr>
+            <a:r>
+              <a:rPr lang="en-US" sz="2800" dirty="0" err="1"/>
+              <a:t>document.getElementById</a:t>
+            </a:r>
+            <a:r>
+              <a:rPr lang="en-US" sz="2800" dirty="0"/>
+              <a:t>(“</a:t>
+            </a:r>
+            <a:r>
+              <a:rPr lang="en-US" sz="2800" dirty="0" err="1"/>
+              <a:t>myLink</a:t>
+            </a:r>
+            <a:r>
+              <a:rPr lang="en-US" sz="2800" dirty="0"/>
+              <a:t>”).</a:t>
+            </a:r>
+            <a:r>
+              <a:rPr lang="en-US" sz="2800" dirty="0" err="1"/>
+              <a:t>addEventListener</a:t>
+            </a:r>
+            <a:r>
+              <a:rPr lang="en-US" sz="2800" dirty="0"/>
+              <a:t>(“click”, </a:t>
+            </a:r>
+            <a:r>
+              <a:rPr lang="en-US" sz="2800" dirty="0" err="1"/>
+              <a:t>linkClicked</a:t>
+            </a:r>
+            <a:r>
+              <a:rPr lang="en-US" sz="2800" dirty="0"/>
+              <a:t>);</a:t>
+            </a:r>
+          </a:p>
+          <a:p>
+            <a:pPr>
+              <a:buFont typeface="Arial" panose="020B0604020202020204" pitchFamily="34" charset="0"/>
+              <a:buChar char="•"/>
+            </a:pPr>
+            <a:endParaRPr lang="en-US" sz="2800" dirty="0"/>
+          </a:p>
+          <a:p>
+            <a:pPr marL="0" indent="0">
+              <a:buNone/>
+            </a:pPr>
+            <a:r>
+              <a:rPr lang="en-US" sz="2800" dirty="0"/>
+              <a:t>function </a:t>
+            </a:r>
+            <a:r>
+              <a:rPr lang="en-US" sz="2800" dirty="0" err="1"/>
+              <a:t>linkClicked</a:t>
+            </a:r>
+            <a:r>
+              <a:rPr lang="en-US" sz="2800" dirty="0"/>
+              <a:t>() {</a:t>
+            </a:r>
+          </a:p>
+          <a:p>
+            <a:pPr marL="0" indent="0">
+              <a:buNone/>
+            </a:pPr>
+            <a:r>
+              <a:rPr lang="en-US" sz="2800" dirty="0"/>
+              <a:t>	alert(“link clicked”);</a:t>
+            </a:r>
+          </a:p>
+          <a:p>
+            <a:pPr marL="0" indent="0">
+              <a:buNone/>
+            </a:pPr>
+            <a:r>
+              <a:rPr lang="en-US" sz="2800" dirty="0"/>
+              <a:t>}</a:t>
+            </a:r>
+          </a:p>
+        </p:txBody>
+      </p:sp>
+    </p:spTree>
+    <p:extLst>
+      <p:ext uri="{BB962C8B-B14F-4D97-AF65-F5344CB8AC3E}">
+        <p14:creationId xmlns:p14="http://schemas.microsoft.com/office/powerpoint/2010/main" val="2452077223"/>
+      </p:ext>
+    </p:extLst>
+  </p:cSld>
+  <p:clrMapOvr>
+    <a:masterClrMapping/>
+  </p:clrMapOvr>
+</p:sld>
+</file>
+
+<file path=ppt/slides/slide37.xml><?xml version="1.0" encoding="utf-8"?>
+<p:sld xmlns:a="http://schemas.openxmlformats.org/drawingml/2006/main" xmlns:r="http://schemas.openxmlformats.org/officeDocument/2006/relationships" xmlns:p="http://schemas.openxmlformats.org/presentationml/2006/main">
+  <p:cSld>
+    <p:spTree>
+      <p:nvGrpSpPr>
+        <p:cNvPr id="1" name=""/>
+        <p:cNvGrpSpPr/>
+        <p:nvPr/>
+      </p:nvGrpSpPr>
+      <p:grpSpPr>
+        <a:xfrm>
+          <a:off x="0" y="0"/>
+          <a:ext cx="0" cy="0"/>
+          <a:chOff x="0" y="0"/>
+          <a:chExt cx="0" cy="0"/>
+        </a:xfrm>
+      </p:grpSpPr>
+      <p:sp>
+        <p:nvSpPr>
+          <p:cNvPr id="2" name="Title 1"/>
+          <p:cNvSpPr>
+            <a:spLocks noGrp="1"/>
+          </p:cNvSpPr>
+          <p:nvPr>
+            <p:ph type="title"/>
+          </p:nvPr>
+        </p:nvSpPr>
+        <p:spPr/>
+        <p:txBody>
+          <a:bodyPr/>
+          <a:lstStyle/>
+          <a:p>
+            <a:r>
+              <a:rPr lang="en-US" dirty="0"/>
+              <a:t>EXAMPLE</a:t>
+            </a:r>
+          </a:p>
+        </p:txBody>
+      </p:sp>
+      <p:sp>
+        <p:nvSpPr>
+          <p:cNvPr id="3" name="Text Placeholder 2"/>
+          <p:cNvSpPr>
+            <a:spLocks noGrp="1"/>
+          </p:cNvSpPr>
+          <p:nvPr>
+            <p:ph type="body" idx="1"/>
+          </p:nvPr>
+        </p:nvSpPr>
+        <p:spPr/>
+        <p:txBody>
+          <a:bodyPr/>
+          <a:lstStyle/>
+          <a:p>
+            <a:r>
+              <a:rPr lang="en-US" dirty="0"/>
+              <a:t>DOM</a:t>
+            </a:r>
+          </a:p>
+        </p:txBody>
+      </p:sp>
+      <p:pic>
+        <p:nvPicPr>
+          <p:cNvPr id="4" name="Content Placeholder 4"/>
+          <p:cNvPicPr>
+            <a:picLocks noChangeAspect="1"/>
+          </p:cNvPicPr>
+          <p:nvPr/>
+        </p:nvPicPr>
+        <p:blipFill>
+          <a:blip r:embed="rId3">
+            <a:extLst>
+              <a:ext uri="{28A0092B-C50C-407E-A947-70E740481C1C}">
+                <a14:useLocalDpi xmlns:a14="http://schemas.microsoft.com/office/drawing/2010/main" val="0"/>
+              </a:ext>
+            </a:extLst>
+          </a:blip>
+          <a:stretch>
+            <a:fillRect/>
+          </a:stretch>
+        </p:blipFill>
+        <p:spPr>
+          <a:xfrm>
+            <a:off x="1154955" y="563880"/>
+            <a:ext cx="3819192" cy="3055354"/>
+          </a:xfrm>
+          <a:prstGeom prst="rect">
+            <a:avLst/>
+          </a:prstGeom>
+        </p:spPr>
+      </p:pic>
+    </p:spTree>
+    <p:extLst>
+      <p:ext uri="{BB962C8B-B14F-4D97-AF65-F5344CB8AC3E}">
+        <p14:creationId xmlns:p14="http://schemas.microsoft.com/office/powerpoint/2010/main" val="2378241170"/>
+      </p:ext>
+    </p:extLst>
+  </p:cSld>
+  <p:clrMapOvr>
+    <a:masterClrMapping/>
+  </p:clrMapOvr>
+</p:sld>
+</file>
+
+<file path=ppt/slides/slide38.xml><?xml version="1.0" encoding="utf-8"?>
+<p:sld xmlns:a="http://schemas.openxmlformats.org/drawingml/2006/main" xmlns:r="http://schemas.openxmlformats.org/officeDocument/2006/relationships" xmlns:p="http://schemas.openxmlformats.org/presentationml/2006/main">
+  <p:cSld>
+    <p:spTree>
+      <p:nvGrpSpPr>
+        <p:cNvPr id="1" name=""/>
+        <p:cNvGrpSpPr/>
+        <p:nvPr/>
+      </p:nvGrpSpPr>
+      <p:grpSpPr>
+        <a:xfrm>
+          <a:off x="0" y="0"/>
+          <a:ext cx="0" cy="0"/>
+          <a:chOff x="0" y="0"/>
+          <a:chExt cx="0" cy="0"/>
+        </a:xfrm>
+      </p:grpSpPr>
+      <p:sp>
+        <p:nvSpPr>
+          <p:cNvPr id="2" name="Title 1"/>
+          <p:cNvSpPr>
+            <a:spLocks noGrp="1"/>
+          </p:cNvSpPr>
+          <p:nvPr>
+            <p:ph type="title"/>
+          </p:nvPr>
+        </p:nvSpPr>
+        <p:spPr/>
+        <p:txBody>
+          <a:bodyPr/>
+          <a:lstStyle/>
+          <a:p>
+            <a:r>
+              <a:rPr lang="en-US" dirty="0"/>
+              <a:t>Assignment</a:t>
+            </a:r>
+          </a:p>
+        </p:txBody>
+      </p:sp>
+      <p:sp>
+        <p:nvSpPr>
+          <p:cNvPr id="3" name="Content Placeholder 2"/>
+          <p:cNvSpPr>
+            <a:spLocks noGrp="1"/>
+          </p:cNvSpPr>
+          <p:nvPr>
+            <p:ph sz="half" idx="1"/>
+          </p:nvPr>
+        </p:nvSpPr>
+        <p:spPr>
+          <a:xfrm>
+            <a:off x="496388" y="1387975"/>
+            <a:ext cx="7772401" cy="5119408"/>
+          </a:xfrm>
+        </p:spPr>
+        <p:txBody>
+          <a:bodyPr>
+            <a:normAutofit/>
+          </a:bodyPr>
+          <a:lstStyle/>
+          <a:p>
+            <a:pPr>
+              <a:buFont typeface="Arial" panose="020B0604020202020204" pitchFamily="34" charset="0"/>
+              <a:buChar char="•"/>
+            </a:pPr>
+            <a:r>
+              <a:rPr lang="en-US" sz="3200" dirty="0"/>
+              <a:t>Create a page through the DOM</a:t>
+            </a:r>
+          </a:p>
+          <a:p>
+            <a:pPr lvl="1">
+              <a:buFont typeface="Courier New" panose="02070309020205020404" pitchFamily="49" charset="0"/>
+              <a:buChar char="o"/>
+            </a:pPr>
+            <a:r>
+              <a:rPr lang="en-US" sz="3200" dirty="0"/>
+              <a:t>Start with an empty html page</a:t>
+            </a:r>
+          </a:p>
+          <a:p>
+            <a:pPr lvl="1">
+              <a:buFont typeface="Courier New" panose="02070309020205020404" pitchFamily="49" charset="0"/>
+              <a:buChar char="o"/>
+            </a:pPr>
+            <a:r>
+              <a:rPr lang="en-US" sz="3200" dirty="0"/>
+              <a:t>On load, create multiple DOM elements and append them to the document.</a:t>
+            </a:r>
+          </a:p>
+          <a:p>
+            <a:pPr lvl="1">
+              <a:buFont typeface="Courier New" panose="02070309020205020404" pitchFamily="49" charset="0"/>
+              <a:buChar char="o"/>
+            </a:pPr>
+            <a:r>
+              <a:rPr lang="en-US" sz="3200" dirty="0"/>
+              <a:t>Create a link, “Add text” </a:t>
+            </a:r>
+          </a:p>
+          <a:p>
+            <a:pPr lvl="1">
+              <a:buFont typeface="Courier New" panose="02070309020205020404" pitchFamily="49" charset="0"/>
+              <a:buChar char="o"/>
+            </a:pPr>
+            <a:r>
+              <a:rPr lang="en-US" sz="3200" dirty="0"/>
+              <a:t>Add an event listener to the element</a:t>
+            </a:r>
+          </a:p>
+          <a:p>
+            <a:pPr lvl="1">
+              <a:buFont typeface="Courier New" panose="02070309020205020404" pitchFamily="49" charset="0"/>
+              <a:buChar char="o"/>
+            </a:pPr>
+            <a:r>
+              <a:rPr lang="en-US" sz="3200" dirty="0"/>
+              <a:t>On click add a div with text “more text”</a:t>
+            </a:r>
+          </a:p>
+        </p:txBody>
+      </p:sp>
+      <p:pic>
+        <p:nvPicPr>
+          <p:cNvPr id="5" name="Content Placeholder 4"/>
+          <p:cNvPicPr>
+            <a:picLocks noGrp="1" noChangeAspect="1"/>
+          </p:cNvPicPr>
+          <p:nvPr>
+            <p:ph sz="half" idx="2"/>
+          </p:nvPr>
+        </p:nvPicPr>
+        <p:blipFill>
+          <a:blip r:embed="rId3">
+            <a:extLst>
+              <a:ext uri="{28A0092B-C50C-407E-A947-70E740481C1C}">
+                <a14:useLocalDpi xmlns:a14="http://schemas.microsoft.com/office/drawing/2010/main" val="0"/>
+              </a:ext>
+            </a:extLst>
+          </a:blip>
+          <a:stretch>
+            <a:fillRect/>
+          </a:stretch>
+        </p:blipFill>
+        <p:spPr>
+          <a:xfrm>
+            <a:off x="8630940" y="1387975"/>
+            <a:ext cx="3179422" cy="5119408"/>
+          </a:xfrm>
+        </p:spPr>
+      </p:pic>
+    </p:spTree>
+    <p:extLst>
+      <p:ext uri="{BB962C8B-B14F-4D97-AF65-F5344CB8AC3E}">
+        <p14:creationId xmlns:p14="http://schemas.microsoft.com/office/powerpoint/2010/main" val="1347191811"/>
+      </p:ext>
+    </p:extLst>
+  </p:cSld>
+  <p:clrMapOvr>
+    <a:masterClrMapping/>
+  </p:clrMapOvr>
+</p:sld>
+</file>
+
+<file path=ppt/slides/slide39.xml><?xml version="1.0" encoding="utf-8"?>
+<p:sld xmlns:a="http://schemas.openxmlformats.org/drawingml/2006/main" xmlns:r="http://schemas.openxmlformats.org/officeDocument/2006/relationships" xmlns:p="http://schemas.openxmlformats.org/presentationml/2006/main">
+  <p:cSld>
+    <p:spTree>
+      <p:nvGrpSpPr>
+        <p:cNvPr id="1" name=""/>
+        <p:cNvGrpSpPr/>
+        <p:nvPr/>
+      </p:nvGrpSpPr>
+      <p:grpSpPr>
+        <a:xfrm>
+          <a:off x="0" y="0"/>
+          <a:ext cx="0" cy="0"/>
+          <a:chOff x="0" y="0"/>
+          <a:chExt cx="0" cy="0"/>
+        </a:xfrm>
+      </p:grpSpPr>
+      <p:sp>
+        <p:nvSpPr>
+          <p:cNvPr id="2" name="Title 1"/>
+          <p:cNvSpPr>
+            <a:spLocks noGrp="1"/>
+          </p:cNvSpPr>
+          <p:nvPr>
             <p:ph type="ctrTitle"/>
           </p:nvPr>
         </p:nvSpPr>
@@ -14405,10 +17335,9 @@
           <a:lstStyle/>
           <a:p>
             <a:r>
-              <a:rPr lang="en-US" dirty="0" smtClean="0"/>
+              <a:rPr lang="en-US" dirty="0"/>
               <a:t>QUICK REVIEW</a:t>
             </a:r>
-            <a:endParaRPr lang="en-US" dirty="0"/>
           </a:p>
         </p:txBody>
       </p:sp>
@@ -14428,11 +17357,11 @@
           <a:lstStyle/>
           <a:p>
             <a:r>
-              <a:rPr lang="en-US" dirty="0" smtClean="0"/>
+              <a:rPr lang="en-US" dirty="0"/>
               <a:t>JavaScript / </a:t>
             </a:r>
             <a:r>
-              <a:rPr lang="en-US" dirty="0" err="1" smtClean="0"/>
+              <a:rPr lang="en-US" dirty="0" err="1"/>
               <a:t>TypeScript</a:t>
             </a:r>
             <a:endParaRPr lang="en-US" dirty="0"/>
@@ -14479,217 +17408,6 @@
   <p:clrMapOvr>
     <a:masterClrMapping/>
   </p:clrMapOvr>
-  <p:timing>
-    <p:tnLst>
-      <p:par>
-        <p:cTn id="1" dur="indefinite" restart="never" nodeType="tmRoot"/>
-      </p:par>
-    </p:tnLst>
-  </p:timing>
-</p:sld>
-</file>
-
-<file path=ppt/slides/slide32.xml><?xml version="1.0" encoding="utf-8"?>
-<p:sld xmlns:a="http://schemas.openxmlformats.org/drawingml/2006/main" xmlns:r="http://schemas.openxmlformats.org/officeDocument/2006/relationships" xmlns:p="http://schemas.openxmlformats.org/presentationml/2006/main">
-  <p:cSld>
-    <p:spTree>
-      <p:nvGrpSpPr>
-        <p:cNvPr id="1" name=""/>
-        <p:cNvGrpSpPr/>
-        <p:nvPr/>
-      </p:nvGrpSpPr>
-      <p:grpSpPr>
-        <a:xfrm>
-          <a:off x="0" y="0"/>
-          <a:ext cx="0" cy="0"/>
-          <a:chOff x="0" y="0"/>
-          <a:chExt cx="0" cy="0"/>
-        </a:xfrm>
-      </p:grpSpPr>
-      <p:sp>
-        <p:nvSpPr>
-          <p:cNvPr id="2" name="Title 1"/>
-          <p:cNvSpPr>
-            <a:spLocks noGrp="1"/>
-          </p:cNvSpPr>
-          <p:nvPr>
-            <p:ph type="title"/>
-          </p:nvPr>
-        </p:nvSpPr>
-        <p:spPr/>
-        <p:txBody>
-          <a:bodyPr/>
-          <a:lstStyle/>
-          <a:p>
-            <a:r>
-              <a:rPr lang="en-US" dirty="0" smtClean="0"/>
-              <a:t>Additional Resources</a:t>
-            </a:r>
-            <a:endParaRPr lang="en-US" dirty="0"/>
-          </a:p>
-        </p:txBody>
-      </p:sp>
-      <p:sp>
-        <p:nvSpPr>
-          <p:cNvPr id="3" name="Content Placeholder 2"/>
-          <p:cNvSpPr>
-            <a:spLocks noGrp="1"/>
-          </p:cNvSpPr>
-          <p:nvPr>
-            <p:ph sz="half" idx="1"/>
-          </p:nvPr>
-        </p:nvSpPr>
-        <p:spPr>
-          <a:xfrm>
-            <a:off x="1103312" y="2060575"/>
-            <a:ext cx="10008033" cy="4195763"/>
-          </a:xfrm>
-        </p:spPr>
-        <p:txBody>
-          <a:bodyPr>
-            <a:normAutofit fontScale="70000" lnSpcReduction="20000"/>
-          </a:bodyPr>
-          <a:lstStyle/>
-          <a:p>
-            <a:pPr lvl="0"/>
-            <a:r>
-              <a:rPr lang="en-US" sz="2800" dirty="0" err="1" smtClean="0"/>
-              <a:t>JSFiddle</a:t>
-            </a:r>
-            <a:endParaRPr lang="en-US" sz="2800" dirty="0" smtClean="0"/>
-          </a:p>
-          <a:p>
-            <a:pPr lvl="1"/>
-            <a:r>
-              <a:rPr lang="en-US" sz="2600" dirty="0">
-                <a:hlinkClick r:id="rId3"/>
-              </a:rPr>
-              <a:t>https://jsfiddle.net</a:t>
-            </a:r>
-            <a:r>
-              <a:rPr lang="en-US" sz="2600" dirty="0" smtClean="0">
-                <a:hlinkClick r:id="rId3"/>
-              </a:rPr>
-              <a:t>/</a:t>
-            </a:r>
-            <a:endParaRPr lang="en-US" sz="2600" dirty="0" smtClean="0"/>
-          </a:p>
-          <a:p>
-            <a:r>
-              <a:rPr lang="en-US" sz="3000" dirty="0" smtClean="0"/>
-              <a:t>free Code Camp</a:t>
-            </a:r>
-          </a:p>
-          <a:p>
-            <a:pPr lvl="1"/>
-            <a:r>
-              <a:rPr lang="en-US" sz="2600" dirty="0">
-                <a:hlinkClick r:id="rId4"/>
-              </a:rPr>
-              <a:t>https://www.freecodecamp.org</a:t>
-            </a:r>
-            <a:r>
-              <a:rPr lang="en-US" sz="2600" dirty="0" smtClean="0">
-                <a:hlinkClick r:id="rId4"/>
-              </a:rPr>
-              <a:t>/</a:t>
-            </a:r>
-            <a:endParaRPr lang="en-US" sz="2600" dirty="0" smtClean="0"/>
-          </a:p>
-          <a:p>
-            <a:r>
-              <a:rPr lang="en-US" sz="2800" dirty="0" smtClean="0"/>
-              <a:t>Microsoft </a:t>
-            </a:r>
-            <a:r>
-              <a:rPr lang="en-US" sz="2800" dirty="0"/>
-              <a:t>Virtual </a:t>
-            </a:r>
-            <a:r>
-              <a:rPr lang="en-US" sz="2800" dirty="0" smtClean="0"/>
-              <a:t>Academy</a:t>
-            </a:r>
-          </a:p>
-          <a:p>
-            <a:pPr lvl="1"/>
-            <a:r>
-              <a:rPr lang="en-US" sz="2600" dirty="0">
-                <a:hlinkClick r:id="rId5"/>
-              </a:rPr>
-              <a:t>https://</a:t>
-            </a:r>
-            <a:r>
-              <a:rPr lang="en-US" sz="2600" dirty="0" smtClean="0">
-                <a:hlinkClick r:id="rId5"/>
-              </a:rPr>
-              <a:t>mva.microsoft.com/en-us/training-courses/javascript-fundamentals-for-absolute-beginners-14194</a:t>
-            </a:r>
-            <a:endParaRPr lang="en-US" sz="2600" dirty="0" smtClean="0"/>
-          </a:p>
-          <a:p>
-            <a:r>
-              <a:rPr lang="en-US" sz="3000" dirty="0" smtClean="0"/>
-              <a:t>MDN Web Docs</a:t>
-            </a:r>
-          </a:p>
-          <a:p>
-            <a:pPr lvl="1"/>
-            <a:r>
-              <a:rPr lang="en-US" sz="2600" dirty="0">
-                <a:hlinkClick r:id="rId6"/>
-              </a:rPr>
-              <a:t>https://</a:t>
-            </a:r>
-            <a:r>
-              <a:rPr lang="en-US" sz="2600" dirty="0" smtClean="0">
-                <a:hlinkClick r:id="rId6"/>
-              </a:rPr>
-              <a:t>developer.mozilla.org/en-US/docs/Web/JavaScript/Language_Resources</a:t>
-            </a:r>
-            <a:endParaRPr lang="en-US" sz="2600" dirty="0" smtClean="0"/>
-          </a:p>
-          <a:p>
-            <a:r>
-              <a:rPr lang="en-US" sz="3000" dirty="0" err="1" smtClean="0"/>
-              <a:t>TypeScript</a:t>
-            </a:r>
-            <a:r>
-              <a:rPr lang="en-US" sz="3000" dirty="0" smtClean="0"/>
-              <a:t> Documentation</a:t>
-            </a:r>
-          </a:p>
-          <a:p>
-            <a:pPr lvl="1"/>
-            <a:r>
-              <a:rPr lang="en-US" sz="2800" dirty="0">
-                <a:hlinkClick r:id="rId7"/>
-              </a:rPr>
-              <a:t>https://</a:t>
-            </a:r>
-            <a:r>
-              <a:rPr lang="en-US" sz="2800" dirty="0" smtClean="0">
-                <a:hlinkClick r:id="rId7"/>
-              </a:rPr>
-              <a:t>www.typescriptlang.org/docs/home.html</a:t>
-            </a:r>
-            <a:endParaRPr lang="en-US" sz="2800" dirty="0"/>
-          </a:p>
-          <a:p>
-            <a:pPr lvl="1"/>
-            <a:endParaRPr lang="en-US" sz="2800" dirty="0" smtClean="0"/>
-          </a:p>
-        </p:txBody>
-      </p:sp>
-    </p:spTree>
-    <p:extLst>
-      <p:ext uri="{BB962C8B-B14F-4D97-AF65-F5344CB8AC3E}">
-        <p14:creationId xmlns:p14="http://schemas.microsoft.com/office/powerpoint/2010/main" val="187092781"/>
-      </p:ext>
-    </p:extLst>
-  </p:cSld>
-  <p:clrMapOvr>
-    <a:masterClrMapping/>
-  </p:clrMapOvr>
 </p:sld>
 </file>
 
@@ -14726,10 +17444,9 @@
           <a:lstStyle/>
           <a:p>
             <a:r>
-              <a:rPr lang="en-US" dirty="0" smtClean="0"/>
+              <a:rPr lang="en-US" dirty="0"/>
               <a:t>Comments</a:t>
             </a:r>
-            <a:endParaRPr lang="en-US" dirty="0"/>
           </a:p>
         </p:txBody>
       </p:sp>
@@ -14750,14 +17467,22 @@
           </a:bodyPr>
           <a:lstStyle/>
           <a:p>
-            <a:r>
-              <a:rPr lang="en-US" sz="2400" dirty="0" smtClean="0"/>
+            <a:pPr>
+              <a:buFont typeface="Arial" panose="020B0604020202020204" pitchFamily="34" charset="0"/>
+              <a:buChar char="•"/>
+            </a:pPr>
+            <a:r>
+              <a:rPr lang="en-US" sz="2400" dirty="0"/>
               <a:t>// - is used for comments</a:t>
             </a:r>
           </a:p>
           <a:p>
-            <a:r>
-              <a:rPr lang="en-US" sz="2400" dirty="0" smtClean="0"/>
+            <a:pPr>
+              <a:buFont typeface="Arial" panose="020B0604020202020204" pitchFamily="34" charset="0"/>
+              <a:buChar char="•"/>
+            </a:pPr>
+            <a:r>
+              <a:rPr lang="en-US" sz="2400" dirty="0"/>
               <a:t>/* *. – is used for multi-line comments</a:t>
             </a:r>
           </a:p>
@@ -14769,7 +17494,7 @@
               <a:buNone/>
             </a:pPr>
             <a:r>
-              <a:rPr lang="en-US" sz="2400" dirty="0" smtClean="0"/>
+              <a:rPr lang="en-US" sz="2400" dirty="0"/>
               <a:t>Example:</a:t>
             </a:r>
           </a:p>
@@ -14778,7 +17503,7 @@
               <a:buNone/>
             </a:pPr>
             <a:r>
-              <a:rPr lang="en-US" sz="2400" dirty="0" smtClean="0"/>
+              <a:rPr lang="en-US" sz="2400" dirty="0"/>
               <a:t>// this is a comment</a:t>
             </a:r>
           </a:p>
@@ -14786,14 +17511,14 @@
             <a:pPr marL="45720" indent="0">
               <a:buNone/>
             </a:pPr>
-            <a:endParaRPr lang="en-US" sz="2400" dirty="0" smtClean="0"/>
+            <a:endParaRPr lang="en-US" sz="2400" dirty="0"/>
           </a:p>
           <a:p>
             <a:pPr marL="45720" indent="0">
               <a:buNone/>
             </a:pPr>
             <a:r>
-              <a:rPr lang="en-US" sz="2400" dirty="0" smtClean="0"/>
+              <a:rPr lang="en-US" sz="2400" dirty="0"/>
               <a:t>/*</a:t>
             </a:r>
           </a:p>
@@ -14802,7 +17527,7 @@
               <a:buNone/>
             </a:pPr>
             <a:r>
-              <a:rPr lang="en-US" sz="2400" dirty="0" smtClean="0"/>
+              <a:rPr lang="en-US" sz="2400" dirty="0"/>
               <a:t>This is a multi-line comment</a:t>
             </a:r>
           </a:p>
@@ -14811,10 +17536,9 @@
               <a:buNone/>
             </a:pPr>
             <a:r>
-              <a:rPr lang="en-US" sz="2400" dirty="0" smtClean="0"/>
+              <a:rPr lang="en-US" sz="2400" dirty="0"/>
               <a:t>*/</a:t>
             </a:r>
-            <a:endParaRPr lang="en-US" sz="2400" dirty="0"/>
           </a:p>
         </p:txBody>
       </p:sp>
@@ -14822,6 +17546,171 @@
     <p:extLst>
       <p:ext uri="{BB962C8B-B14F-4D97-AF65-F5344CB8AC3E}">
         <p14:creationId xmlns:p14="http://schemas.microsoft.com/office/powerpoint/2010/main" val="563764553"/>
+      </p:ext>
+    </p:extLst>
+  </p:cSld>
+  <p:clrMapOvr>
+    <a:masterClrMapping/>
+  </p:clrMapOvr>
+</p:sld>
+</file>
+
+<file path=ppt/slides/slide40.xml><?xml version="1.0" encoding="utf-8"?>
+<p:sld xmlns:a="http://schemas.openxmlformats.org/drawingml/2006/main" xmlns:r="http://schemas.openxmlformats.org/officeDocument/2006/relationships" xmlns:p="http://schemas.openxmlformats.org/presentationml/2006/main">
+  <p:cSld>
+    <p:spTree>
+      <p:nvGrpSpPr>
+        <p:cNvPr id="1" name=""/>
+        <p:cNvGrpSpPr/>
+        <p:nvPr/>
+      </p:nvGrpSpPr>
+      <p:grpSpPr>
+        <a:xfrm>
+          <a:off x="0" y="0"/>
+          <a:ext cx="0" cy="0"/>
+          <a:chOff x="0" y="0"/>
+          <a:chExt cx="0" cy="0"/>
+        </a:xfrm>
+      </p:grpSpPr>
+      <p:sp>
+        <p:nvSpPr>
+          <p:cNvPr id="2" name="Title 1"/>
+          <p:cNvSpPr>
+            <a:spLocks noGrp="1"/>
+          </p:cNvSpPr>
+          <p:nvPr>
+            <p:ph type="title"/>
+          </p:nvPr>
+        </p:nvSpPr>
+        <p:spPr/>
+        <p:txBody>
+          <a:bodyPr/>
+          <a:lstStyle/>
+          <a:p>
+            <a:r>
+              <a:rPr lang="en-US" dirty="0"/>
+              <a:t>Additional Resources</a:t>
+            </a:r>
+          </a:p>
+        </p:txBody>
+      </p:sp>
+      <p:sp>
+        <p:nvSpPr>
+          <p:cNvPr id="3" name="Content Placeholder 2"/>
+          <p:cNvSpPr>
+            <a:spLocks noGrp="1"/>
+          </p:cNvSpPr>
+          <p:nvPr>
+            <p:ph sz="half" idx="1"/>
+          </p:nvPr>
+        </p:nvSpPr>
+        <p:spPr>
+          <a:xfrm>
+            <a:off x="1103312" y="2060575"/>
+            <a:ext cx="10008033" cy="4195763"/>
+          </a:xfrm>
+        </p:spPr>
+        <p:txBody>
+          <a:bodyPr>
+            <a:normAutofit fontScale="77500" lnSpcReduction="20000"/>
+          </a:bodyPr>
+          <a:lstStyle/>
+          <a:p>
+            <a:pPr lvl="0"/>
+            <a:r>
+              <a:rPr lang="en-US" sz="2800" dirty="0" err="1"/>
+              <a:t>JSFiddle</a:t>
+            </a:r>
+            <a:endParaRPr lang="en-US" sz="2800" dirty="0"/>
+          </a:p>
+          <a:p>
+            <a:pPr lvl="1"/>
+            <a:r>
+              <a:rPr lang="en-US" sz="2600" dirty="0">
+                <a:hlinkClick r:id="rId3"/>
+              </a:rPr>
+              <a:t>https://jsfiddle.net/</a:t>
+            </a:r>
+            <a:endParaRPr lang="en-US" sz="2600" dirty="0"/>
+          </a:p>
+          <a:p>
+            <a:r>
+              <a:rPr lang="en-US" sz="3000" dirty="0"/>
+              <a:t>free Code Camp</a:t>
+            </a:r>
+          </a:p>
+          <a:p>
+            <a:pPr lvl="1"/>
+            <a:r>
+              <a:rPr lang="en-US" sz="2600" dirty="0">
+                <a:hlinkClick r:id="rId4"/>
+              </a:rPr>
+              <a:t>https://www.freecodecamp.org/</a:t>
+            </a:r>
+            <a:endParaRPr lang="en-US" sz="2600" dirty="0"/>
+          </a:p>
+          <a:p>
+            <a:r>
+              <a:rPr lang="en-US" sz="2800" dirty="0"/>
+              <a:t>Microsoft Virtual Academy</a:t>
+            </a:r>
+          </a:p>
+          <a:p>
+            <a:pPr lvl="1"/>
+            <a:r>
+              <a:rPr lang="en-US" sz="2600" dirty="0">
+                <a:hlinkClick r:id="rId5"/>
+              </a:rPr>
+              <a:t>https://mva.microsoft.com/en-us/training-courses/javascript-fundamentals-for-absolute-beginners-14194</a:t>
+            </a:r>
+            <a:endParaRPr lang="en-US" sz="2600" dirty="0"/>
+          </a:p>
+          <a:p>
+            <a:r>
+              <a:rPr lang="en-US" sz="3000" dirty="0"/>
+              <a:t>MDN Web Docs</a:t>
+            </a:r>
+          </a:p>
+          <a:p>
+            <a:pPr lvl="1"/>
+            <a:r>
+              <a:rPr lang="en-US" sz="2600" dirty="0">
+                <a:hlinkClick r:id="rId6"/>
+              </a:rPr>
+              <a:t>https://developer.mozilla.org/en-US/docs/Web/JavaScript/Language_Resources</a:t>
+            </a:r>
+            <a:endParaRPr lang="en-US" sz="2600" dirty="0"/>
+          </a:p>
+          <a:p>
+            <a:r>
+              <a:rPr lang="en-US" sz="3000" dirty="0" err="1"/>
+              <a:t>TypeScript</a:t>
+            </a:r>
+            <a:r>
+              <a:rPr lang="en-US" sz="3000" dirty="0"/>
+              <a:t> Documentation</a:t>
+            </a:r>
+          </a:p>
+          <a:p>
+            <a:pPr lvl="1"/>
+            <a:r>
+              <a:rPr lang="en-US" sz="2800" dirty="0">
+                <a:hlinkClick r:id="rId7"/>
+              </a:rPr>
+              <a:t>https://www.typescriptlang.org/docs/home.html</a:t>
+            </a:r>
+            <a:endParaRPr lang="en-US" sz="2800" dirty="0"/>
+          </a:p>
+          <a:p>
+            <a:pPr lvl="1"/>
+            <a:endParaRPr lang="en-US" sz="2800" dirty="0"/>
+          </a:p>
+        </p:txBody>
+      </p:sp>
+    </p:spTree>
+    <p:extLst>
+      <p:ext uri="{BB962C8B-B14F-4D97-AF65-F5344CB8AC3E}">
+        <p14:creationId xmlns:p14="http://schemas.microsoft.com/office/powerpoint/2010/main" val="187092781"/>
       </p:ext>
     </p:extLst>
   </p:cSld>
@@ -14864,7 +17753,7 @@
           <a:lstStyle/>
           <a:p>
             <a:r>
-              <a:rPr lang="en-US" smtClean="0"/>
+              <a:rPr lang="en-US"/>
               <a:t>Declaring Variables</a:t>
             </a:r>
             <a:endParaRPr lang="en-US" dirty="0"/>
@@ -14888,48 +17777,64 @@
           </a:bodyPr>
           <a:lstStyle/>
           <a:p>
-            <a:r>
-              <a:rPr lang="en-US" sz="2400" dirty="0" smtClean="0"/>
+            <a:pPr>
+              <a:buFont typeface="Arial" panose="020B0604020202020204" pitchFamily="34" charset="0"/>
+              <a:buChar char="•"/>
+            </a:pPr>
+            <a:r>
+              <a:rPr lang="en-US" sz="2400" dirty="0"/>
               <a:t>let [name];</a:t>
             </a:r>
           </a:p>
           <a:p>
-            <a:r>
-              <a:rPr lang="en-US" sz="2400" dirty="0" smtClean="0"/>
+            <a:pPr>
+              <a:buFont typeface="Arial" panose="020B0604020202020204" pitchFamily="34" charset="0"/>
+              <a:buChar char="•"/>
+            </a:pPr>
+            <a:r>
+              <a:rPr lang="en-US" sz="2400" dirty="0"/>
               <a:t>let [name] = [value];</a:t>
             </a:r>
           </a:p>
           <a:p>
+            <a:pPr>
+              <a:buFont typeface="Arial" panose="020B0604020202020204" pitchFamily="34" charset="0"/>
+              <a:buChar char="•"/>
+            </a:pPr>
             <a:r>
               <a:rPr lang="en-US" sz="2400" dirty="0"/>
-              <a:t>l</a:t>
-            </a:r>
-            <a:r>
-              <a:rPr lang="en-US" sz="2400" dirty="0" smtClean="0"/>
-              <a:t>et [name1] = [value1], [name2] = [value2], [name3] = [value3];</a:t>
-            </a:r>
-          </a:p>
-          <a:p>
-            <a:r>
-              <a:rPr lang="en-US" sz="2400" dirty="0" smtClean="0"/>
+              <a:t>let [name1] = [value1], [name2] = [value2], [name3] = [value3];</a:t>
+            </a:r>
+          </a:p>
+          <a:p>
+            <a:pPr>
+              <a:buFont typeface="Arial" panose="020B0604020202020204" pitchFamily="34" charset="0"/>
+              <a:buChar char="•"/>
+            </a:pPr>
+            <a:r>
+              <a:rPr lang="en-US" sz="2400" dirty="0"/>
               <a:t>You could use </a:t>
             </a:r>
             <a:r>
-              <a:rPr lang="en-US" sz="2400" dirty="0" err="1" smtClean="0"/>
+              <a:rPr lang="en-US" sz="2400" dirty="0" err="1"/>
               <a:t>var</a:t>
             </a:r>
             <a:r>
-              <a:rPr lang="en-US" sz="2400" dirty="0" smtClean="0"/>
+              <a:rPr lang="en-US" sz="2400" dirty="0"/>
               <a:t>, but it handles scope differently</a:t>
             </a:r>
           </a:p>
           <a:p>
-            <a:r>
-              <a:rPr lang="en-US" sz="2400" dirty="0" smtClean="0"/>
+            <a:pPr>
+              <a:buFont typeface="Arial" panose="020B0604020202020204" pitchFamily="34" charset="0"/>
+              <a:buChar char="•"/>
+            </a:pPr>
+            <a:r>
+              <a:rPr lang="en-US" sz="2400" dirty="0"/>
               <a:t>Use let or </a:t>
             </a:r>
             <a:r>
-              <a:rPr lang="en-US" sz="2400" dirty="0" err="1" smtClean="0"/>
+              <a:rPr lang="en-US" sz="2400" dirty="0" err="1"/>
               <a:t>const</a:t>
             </a:r>
             <a:endParaRPr lang="en-US" sz="2400" dirty="0"/>
@@ -14939,7 +17844,7 @@
               <a:buNone/>
             </a:pPr>
             <a:r>
-              <a:rPr lang="en-US" sz="2400" dirty="0" smtClean="0"/>
+              <a:rPr lang="en-US" sz="2400" dirty="0"/>
               <a:t>Example:</a:t>
             </a:r>
           </a:p>
@@ -14948,7 +17853,7 @@
               <a:buNone/>
             </a:pPr>
             <a:r>
-              <a:rPr lang="en-US" sz="2400" dirty="0" smtClean="0"/>
+              <a:rPr lang="en-US" sz="2400" dirty="0"/>
               <a:t>let message = “hello”;</a:t>
             </a:r>
           </a:p>
@@ -14957,10 +17862,9 @@
               <a:buNone/>
             </a:pPr>
             <a:r>
-              <a:rPr lang="en-US" sz="2400" dirty="0" smtClean="0"/>
+              <a:rPr lang="en-US" sz="2400" dirty="0"/>
               <a:t>alert(message);</a:t>
             </a:r>
-            <a:endParaRPr lang="en-US" sz="2400" dirty="0"/>
           </a:p>
         </p:txBody>
       </p:sp>
@@ -15010,7 +17914,7 @@
           <a:lstStyle/>
           <a:p>
             <a:r>
-              <a:rPr lang="en-US" smtClean="0"/>
+              <a:rPr lang="en-US"/>
               <a:t>Data Types</a:t>
             </a:r>
             <a:endParaRPr lang="en-US" dirty="0"/>
@@ -15034,31 +17938,43 @@
           </a:bodyPr>
           <a:lstStyle/>
           <a:p>
-            <a:r>
-              <a:rPr lang="en-US" sz="2400" dirty="0" smtClean="0"/>
+            <a:pPr>
+              <a:buFont typeface="Arial" panose="020B0604020202020204" pitchFamily="34" charset="0"/>
+              <a:buChar char="•"/>
+            </a:pPr>
+            <a:r>
+              <a:rPr lang="en-US" sz="2400" dirty="0"/>
               <a:t>string– Use single or double quotes</a:t>
             </a:r>
           </a:p>
           <a:p>
-            <a:r>
-              <a:rPr lang="en-US" sz="2400" dirty="0" smtClean="0"/>
+            <a:pPr>
+              <a:buFont typeface="Arial" panose="020B0604020202020204" pitchFamily="34" charset="0"/>
+              <a:buChar char="•"/>
+            </a:pPr>
+            <a:r>
+              <a:rPr lang="en-US" sz="2400" dirty="0"/>
               <a:t>number</a:t>
             </a:r>
           </a:p>
           <a:p>
+            <a:pPr>
+              <a:buFont typeface="Arial" panose="020B0604020202020204" pitchFamily="34" charset="0"/>
+              <a:buChar char="•"/>
+            </a:pPr>
             <a:r>
               <a:rPr lang="en-US" sz="2400" dirty="0" err="1"/>
-              <a:t>b</a:t>
-            </a:r>
-            <a:r>
-              <a:rPr lang="en-US" sz="2400" dirty="0" err="1" smtClean="0"/>
-              <a:t>oolean</a:t>
-            </a:r>
-            <a:endParaRPr lang="en-US" sz="2400" dirty="0" smtClean="0"/>
-          </a:p>
-          <a:p>
-            <a:r>
-              <a:rPr lang="en-US" sz="2400" dirty="0" smtClean="0"/>
+              <a:t>boolean</a:t>
+            </a:r>
+            <a:endParaRPr lang="en-US" sz="2400" dirty="0"/>
+          </a:p>
+          <a:p>
+            <a:pPr>
+              <a:buFont typeface="Arial" panose="020B0604020202020204" pitchFamily="34" charset="0"/>
+              <a:buChar char="•"/>
+            </a:pPr>
+            <a:r>
+              <a:rPr lang="en-US" sz="2400" dirty="0"/>
               <a:t>function</a:t>
             </a:r>
           </a:p>
@@ -15081,45 +17997,70 @@
           </a:bodyPr>
           <a:lstStyle/>
           <a:p>
+            <a:pPr>
+              <a:buFont typeface="Arial" panose="020B0604020202020204" pitchFamily="34" charset="0"/>
+              <a:buChar char="•"/>
+            </a:pPr>
             <a:r>
               <a:rPr lang="en-US" sz="2400" dirty="0"/>
               <a:t>object</a:t>
             </a:r>
           </a:p>
           <a:p>
-            <a:pPr lvl="1"/>
+            <a:pPr lvl="1">
+              <a:buFont typeface="Courier New" panose="02070309020205020404" pitchFamily="49" charset="0"/>
+              <a:buChar char="o"/>
+            </a:pPr>
             <a:r>
               <a:rPr lang="en-US" sz="2400" dirty="0"/>
               <a:t>Object</a:t>
             </a:r>
           </a:p>
           <a:p>
-            <a:pPr lvl="1"/>
+            <a:pPr lvl="1">
+              <a:buFont typeface="Courier New" panose="02070309020205020404" pitchFamily="49" charset="0"/>
+              <a:buChar char="o"/>
+            </a:pPr>
             <a:r>
               <a:rPr lang="en-US" sz="2400" dirty="0"/>
               <a:t>Date </a:t>
             </a:r>
           </a:p>
           <a:p>
-            <a:pPr lvl="1"/>
+            <a:pPr lvl="1">
+              <a:buFont typeface="Courier New" panose="02070309020205020404" pitchFamily="49" charset="0"/>
+              <a:buChar char="o"/>
+            </a:pPr>
             <a:r>
               <a:rPr lang="en-US" sz="2400" dirty="0"/>
               <a:t>Array</a:t>
             </a:r>
           </a:p>
           <a:p>
+            <a:pPr>
+              <a:buFont typeface="Arial" panose="020B0604020202020204" pitchFamily="34" charset="0"/>
+              <a:buChar char="•"/>
+            </a:pPr>
             <a:r>
               <a:rPr lang="en-US" sz="2400" dirty="0"/>
               <a:t>null – set and doesn’t have a value</a:t>
             </a:r>
           </a:p>
           <a:p>
+            <a:pPr>
+              <a:buFont typeface="Arial" panose="020B0604020202020204" pitchFamily="34" charset="0"/>
+              <a:buChar char="•"/>
+            </a:pPr>
             <a:r>
               <a:rPr lang="en-US" sz="2400" dirty="0"/>
               <a:t>undefined – not yet set</a:t>
             </a:r>
           </a:p>
           <a:p>
+            <a:pPr>
+              <a:buFont typeface="Arial" panose="020B0604020202020204" pitchFamily="34" charset="0"/>
+              <a:buChar char="•"/>
+            </a:pPr>
             <a:r>
               <a:rPr lang="en-US" sz="2400" dirty="0"/>
               <a:t>Use </a:t>
@@ -15184,10 +18125,9 @@
           <a:lstStyle/>
           <a:p>
             <a:r>
-              <a:rPr lang="en-US" smtClean="0"/>
+              <a:rPr lang="en-US" dirty="0"/>
               <a:t>Variable Scope</a:t>
             </a:r>
-            <a:endParaRPr lang="en-US" dirty="0"/>
           </a:p>
         </p:txBody>
       </p:sp>
@@ -15208,41 +18148,62 @@
           </a:bodyPr>
           <a:lstStyle/>
           <a:p>
-            <a:r>
-              <a:rPr lang="en-US" sz="2800" dirty="0" smtClean="0"/>
+            <a:pPr>
+              <a:buFont typeface="Arial" panose="020B0604020202020204" pitchFamily="34" charset="0"/>
+              <a:buChar char="•"/>
+            </a:pPr>
+            <a:r>
+              <a:rPr lang="en-US" sz="2800" dirty="0"/>
               <a:t>Local or function scope </a:t>
             </a:r>
           </a:p>
           <a:p>
-            <a:pPr lvl="1"/>
-            <a:r>
-              <a:rPr lang="en-US" sz="2800" dirty="0" smtClean="0"/>
+            <a:pPr lvl="1">
+              <a:buFont typeface="Courier New" panose="02070309020205020404" pitchFamily="49" charset="0"/>
+              <a:buChar char="o"/>
+            </a:pPr>
+            <a:r>
+              <a:rPr lang="en-US" sz="2800" dirty="0"/>
               <a:t>defined inside a function</a:t>
             </a:r>
           </a:p>
           <a:p>
-            <a:r>
-              <a:rPr lang="en-US" sz="2800" dirty="0" smtClean="0"/>
+            <a:pPr>
+              <a:buFont typeface="Arial" panose="020B0604020202020204" pitchFamily="34" charset="0"/>
+              <a:buChar char="•"/>
+            </a:pPr>
+            <a:r>
+              <a:rPr lang="en-US" sz="2800" dirty="0"/>
               <a:t>Global scope</a:t>
             </a:r>
           </a:p>
           <a:p>
-            <a:pPr lvl="1"/>
-            <a:r>
-              <a:rPr lang="en-US" sz="2800" dirty="0" smtClean="0"/>
+            <a:pPr lvl="1">
+              <a:buFont typeface="Courier New" panose="02070309020205020404" pitchFamily="49" charset="0"/>
+              <a:buChar char="o"/>
+            </a:pPr>
+            <a:r>
+              <a:rPr lang="en-US" sz="2800" dirty="0"/>
               <a:t>The scope is global if the variable is declared outside of a function</a:t>
             </a:r>
           </a:p>
           <a:p>
-            <a:r>
-              <a:rPr lang="en-US" sz="2800" dirty="0" smtClean="0"/>
+            <a:pPr>
+              <a:buFont typeface="Arial" panose="020B0604020202020204" pitchFamily="34" charset="0"/>
+              <a:buChar char="•"/>
+            </a:pPr>
+            <a:r>
+              <a:rPr lang="en-US" sz="2800" dirty="0"/>
               <a:t>Lexical scope </a:t>
             </a:r>
           </a:p>
           <a:p>
-            <a:pPr lvl="1"/>
-            <a:r>
-              <a:rPr lang="en-US" sz="2800" dirty="0" smtClean="0"/>
+            <a:pPr lvl="1">
+              <a:buFont typeface="Courier New" panose="02070309020205020404" pitchFamily="49" charset="0"/>
+              <a:buChar char="o"/>
+            </a:pPr>
+            <a:r>
+              <a:rPr lang="en-US" sz="2800" dirty="0"/>
               <a:t>Function inside a function has access to variables declared in outer function (closure)</a:t>
             </a:r>
           </a:p>
@@ -15294,10 +18255,9 @@
           <a:lstStyle/>
           <a:p>
             <a:r>
-              <a:rPr lang="en-US" dirty="0" smtClean="0"/>
+              <a:rPr lang="en-US" dirty="0"/>
               <a:t>What is this?</a:t>
             </a:r>
-            <a:endParaRPr lang="en-US" dirty="0"/>
           </a:p>
         </p:txBody>
       </p:sp>
@@ -15318,44 +18278,54 @@
           </a:bodyPr>
           <a:lstStyle/>
           <a:p>
-            <a:r>
-              <a:rPr lang="en-US" sz="2800" dirty="0" smtClean="0"/>
+            <a:pPr>
+              <a:buFont typeface="Arial" panose="020B0604020202020204" pitchFamily="34" charset="0"/>
+              <a:buChar char="•"/>
+            </a:pPr>
+            <a:r>
+              <a:rPr lang="en-US" sz="2800" dirty="0"/>
               <a:t>this can be used instead of variable name</a:t>
             </a:r>
           </a:p>
           <a:p>
-            <a:r>
-              <a:rPr lang="en-US" sz="2800" dirty="0" smtClean="0"/>
+            <a:pPr>
+              <a:buFont typeface="Arial" panose="020B0604020202020204" pitchFamily="34" charset="0"/>
+              <a:buChar char="•"/>
+            </a:pPr>
+            <a:r>
+              <a:rPr lang="en-US" sz="2800" dirty="0"/>
               <a:t>Different value bound to this depending on how function is called</a:t>
             </a:r>
           </a:p>
           <a:p>
-            <a:r>
-              <a:rPr lang="en-US" sz="2800" dirty="0" smtClean="0"/>
-              <a:t>Refers to outer most global object (window) by </a:t>
-            </a:r>
-            <a:r>
-              <a:rPr lang="en-US" sz="2800" dirty="0" smtClean="0"/>
-              <a:t>default</a:t>
-            </a:r>
-          </a:p>
-          <a:p>
-            <a:r>
-              <a:rPr lang="en-US" sz="2800" dirty="0" smtClean="0"/>
+            <a:pPr>
+              <a:buFont typeface="Arial" panose="020B0604020202020204" pitchFamily="34" charset="0"/>
+              <a:buChar char="•"/>
+            </a:pPr>
+            <a:r>
+              <a:rPr lang="en-US" sz="2800" dirty="0"/>
+              <a:t>Refers to outer most global object (window) by default</a:t>
+            </a:r>
+          </a:p>
+          <a:p>
+            <a:pPr>
+              <a:buFont typeface="Arial" panose="020B0604020202020204" pitchFamily="34" charset="0"/>
+              <a:buChar char="•"/>
+            </a:pPr>
+            <a:r>
+              <a:rPr lang="en-US" sz="2800" dirty="0"/>
               <a:t>Within a method, defined by the object that calls it.</a:t>
             </a:r>
           </a:p>
           <a:p>
-            <a:pPr lvl="1"/>
-            <a:r>
-              <a:rPr lang="en-US" sz="2600" dirty="0" smtClean="0"/>
-              <a:t>Closures used, this becomes the </a:t>
-            </a:r>
-            <a:r>
-              <a:rPr lang="en-US" sz="2600" smtClean="0"/>
-              <a:t>outer function.</a:t>
-            </a:r>
-            <a:endParaRPr lang="en-US" sz="2600" dirty="0" smtClean="0"/>
+            <a:pPr lvl="1">
+              <a:buFont typeface="Courier New" panose="02070309020205020404" pitchFamily="49" charset="0"/>
+              <a:buChar char="o"/>
+            </a:pPr>
+            <a:r>
+              <a:rPr lang="en-US" sz="2600" dirty="0"/>
+              <a:t>Closures used, this becomes the outer function.</a:t>
+            </a:r>
           </a:p>
           <a:p>
             <a:endParaRPr lang="en-US" dirty="0"/>
@@ -15411,10 +18381,9 @@
           <a:lstStyle/>
           <a:p>
             <a:r>
-              <a:rPr lang="en-US" dirty="0" smtClean="0"/>
+              <a:rPr lang="en-US" dirty="0"/>
               <a:t>EXAMPLE</a:t>
             </a:r>
-            <a:endParaRPr lang="en-US" dirty="0"/>
           </a:p>
         </p:txBody>
       </p:sp>
@@ -15434,7 +18403,7 @@
           <a:lstStyle/>
           <a:p>
             <a:r>
-              <a:rPr lang="en-US" smtClean="0"/>
+              <a:rPr lang="en-US"/>
               <a:t>Variables</a:t>
             </a:r>
             <a:endParaRPr lang="en-US" dirty="0"/>
@@ -15481,13 +18450,6 @@
   <p:clrMapOvr>
     <a:masterClrMapping/>
   </p:clrMapOvr>
-  <p:timing>
-    <p:tnLst>
-      <p:par>
-        <p:cTn id="1" dur="indefinite" restart="never" nodeType="tmRoot"/>
-      </p:par>
-    </p:tnLst>
-  </p:timing>
 </p:sld>
 </file>
 

--- a/Slides/06_JavaScriptTypescript_TrainingPlan.pptx
+++ b/Slides/06_JavaScriptTypescript_TrainingPlan.pptx
@@ -4941,7 +4941,7 @@
                 <a:ea typeface="+mn-ea"/>
                 <a:cs typeface="+mn-cs"/>
               </a:rPr>
-              <a:t>Write a method definition that does not return anything and takes two integers as parameters.</a:t>
+              <a:t>Write a function definition that does not return anything and takes two integers as parameters.</a:t>
             </a:r>
           </a:p>
           <a:p>
@@ -4959,7 +4959,7 @@
                 <a:ea typeface="+mn-ea"/>
                 <a:cs typeface="+mn-cs"/>
               </a:rPr>
-              <a:t>Write a method definition that returns a string and takes two integers as parameters.</a:t>
+              <a:t>Write a function definition that returns a string and takes two integers as parameters.</a:t>
             </a:r>
           </a:p>
           <a:p>
@@ -13901,7 +13901,7 @@
         </p:spPr>
         <p:txBody>
           <a:bodyPr>
-            <a:normAutofit/>
+            <a:normAutofit lnSpcReduction="10000"/>
           </a:bodyPr>
           <a:lstStyle/>
           <a:p>
@@ -13931,7 +13931,7 @@
             </a:pPr>
             <a:r>
               <a:rPr lang="en-US" sz="3000" dirty="0"/>
-              <a:t>Modify your previous program to create a method that handles the condition given a parameter for status and for name that returns the concatenated string.</a:t>
+              <a:t>Modify your previous program to create a function that handles the condition given a parameter for status and for name that returns the concatenated string.</a:t>
             </a:r>
           </a:p>
           <a:p>
@@ -14569,15 +14569,9 @@
             <a:pPr marL="0" indent="0">
               <a:buNone/>
             </a:pPr>
-            <a:endParaRPr lang="en-US" sz="2900" dirty="0"/>
-          </a:p>
-          <a:p>
-            <a:pPr marL="0" indent="0">
-              <a:buNone/>
-            </a:pPr>
             <a:r>
               <a:rPr lang="en-US" sz="4200" dirty="0"/>
-              <a:t>Function:  function [name] ([param1]:[type], [param2]:[type]) : [return type] {}</a:t>
+              <a:t>function [name] ([param1]:[type], [param2]:[type]) : [return type] {}</a:t>
             </a:r>
           </a:p>
           <a:p>
@@ -14598,7 +14592,7 @@
             </a:pPr>
             <a:r>
               <a:rPr lang="en-US" sz="4200" dirty="0"/>
-              <a:t>class [name] {</a:t>
+              <a:t>Ex.</a:t>
             </a:r>
           </a:p>
           <a:p>
@@ -14610,15 +14604,7 @@
             </a:pPr>
             <a:r>
               <a:rPr lang="en-US" sz="4200" dirty="0"/>
-              <a:t>  </a:t>
-            </a:r>
-            <a:r>
-              <a:rPr lang="en-US" sz="4200" dirty="0" err="1"/>
-              <a:t>name:string</a:t>
-            </a:r>
-            <a:r>
-              <a:rPr lang="en-US" sz="4200" dirty="0"/>
-              <a:t>;</a:t>
+              <a:t>class [name] {</a:t>
             </a:r>
           </a:p>
           <a:p>
@@ -14628,7 +14614,18 @@
               </a:spcBef>
               <a:buNone/>
             </a:pPr>
-            <a:endParaRPr lang="en-US" sz="4200" dirty="0"/>
+            <a:r>
+              <a:rPr lang="en-US" sz="4200" dirty="0"/>
+              <a:t>  </a:t>
+            </a:r>
+            <a:r>
+              <a:rPr lang="en-US" sz="4200" dirty="0" err="1"/>
+              <a:t>name:string</a:t>
+            </a:r>
+            <a:r>
+              <a:rPr lang="en-US" sz="4200" dirty="0"/>
+              <a:t>;</a:t>
+            </a:r>
           </a:p>
           <a:p>
             <a:pPr marL="45720" indent="0">
@@ -14637,18 +14634,7 @@
               </a:spcBef>
               <a:buNone/>
             </a:pPr>
-            <a:r>
-              <a:rPr lang="en-US" sz="4200" dirty="0"/>
-              <a:t>  constructor(</a:t>
-            </a:r>
-            <a:r>
-              <a:rPr lang="en-US" sz="4200" dirty="0" err="1"/>
-              <a:t>name:string</a:t>
-            </a:r>
-            <a:r>
-              <a:rPr lang="en-US" sz="4200" dirty="0"/>
-              <a:t>) {</a:t>
-            </a:r>
+            <a:endParaRPr lang="en-US" sz="4200" dirty="0"/>
           </a:p>
           <a:p>
             <a:pPr marL="45720" indent="0">
@@ -14659,7 +14645,15 @@
             </a:pPr>
             <a:r>
               <a:rPr lang="en-US" sz="4200" dirty="0"/>
-              <a:t>    this.name = name;</a:t>
+              <a:t>  constructor(</a:t>
+            </a:r>
+            <a:r>
+              <a:rPr lang="en-US" sz="4200" dirty="0" err="1"/>
+              <a:t>name:string</a:t>
+            </a:r>
+            <a:r>
+              <a:rPr lang="en-US" sz="4200" dirty="0"/>
+              <a:t>) {</a:t>
             </a:r>
           </a:p>
           <a:p>
@@ -14671,7 +14665,7 @@
             </a:pPr>
             <a:r>
               <a:rPr lang="en-US" sz="4200" dirty="0"/>
-              <a:t>  }</a:t>
+              <a:t>    this.name = name;</a:t>
             </a:r>
           </a:p>
           <a:p>
@@ -14681,7 +14675,10 @@
               </a:spcBef>
               <a:buNone/>
             </a:pPr>
-            <a:endParaRPr lang="en-US" sz="4200" dirty="0"/>
+            <a:r>
+              <a:rPr lang="en-US" sz="4200" dirty="0"/>
+              <a:t>  }</a:t>
+            </a:r>
           </a:p>
           <a:p>
             <a:pPr marL="45720" indent="0">
@@ -14690,9 +14687,18 @@
               </a:spcBef>
               <a:buNone/>
             </a:pPr>
+            <a:endParaRPr lang="en-US" sz="4200" dirty="0"/>
+          </a:p>
+          <a:p>
+            <a:pPr marL="45720" indent="0">
+              <a:spcBef>
+                <a:spcPts val="100"/>
+              </a:spcBef>
+              <a:buNone/>
+            </a:pPr>
             <a:r>
               <a:rPr lang="en-US" sz="4200" dirty="0"/>
-              <a:t>  write():void {</a:t>
+              <a:t>  private write():void {</a:t>
             </a:r>
           </a:p>
           <a:p>
@@ -15015,7 +15021,7 @@
         <p:spPr/>
         <p:txBody>
           <a:bodyPr>
-            <a:normAutofit fontScale="92500" lnSpcReduction="20000"/>
+            <a:normAutofit fontScale="85000" lnSpcReduction="10000"/>
           </a:bodyPr>
           <a:lstStyle/>
           <a:p>
@@ -15056,11 +15062,6 @@
               <a:rPr lang="en-US" sz="3000" dirty="0"/>
               <a:t> files can be linked in the head element of html</a:t>
             </a:r>
-          </a:p>
-          <a:p>
-            <a:pPr marL="45720" indent="0">
-              <a:buNone/>
-            </a:pPr>
             <a:endParaRPr lang="en-US" sz="2400" dirty="0"/>
           </a:p>
           <a:p>
@@ -16501,7 +16502,7 @@
             </a:pPr>
             <a:r>
               <a:rPr lang="en-US" sz="2800" dirty="0" err="1"/>
-              <a:t>document.querySelectorAll</a:t>
+              <a:t>document.querySelector</a:t>
             </a:r>
             <a:endParaRPr lang="en-US" sz="2800" dirty="0"/>
           </a:p>
@@ -17483,7 +17484,7 @@
             </a:pPr>
             <a:r>
               <a:rPr lang="en-US" sz="2400" dirty="0"/>
-              <a:t>/* *. – is used for multi-line comments</a:t>
+              <a:t>/* */ – is used for multi-line comments</a:t>
             </a:r>
           </a:p>
           <a:p>
@@ -17803,25 +17804,7 @@
             </a:pPr>
             <a:r>
               <a:rPr lang="en-US" sz="2400" dirty="0"/>
-              <a:t>let [name1] = [value1], [name2] = [value2], [name3] = [value3];</a:t>
-            </a:r>
-          </a:p>
-          <a:p>
-            <a:pPr>
-              <a:buFont typeface="Arial" panose="020B0604020202020204" pitchFamily="34" charset="0"/>
-              <a:buChar char="•"/>
-            </a:pPr>
-            <a:r>
-              <a:rPr lang="en-US" sz="2400" dirty="0"/>
-              <a:t>You could use </a:t>
-            </a:r>
-            <a:r>
-              <a:rPr lang="en-US" sz="2400" dirty="0" err="1"/>
-              <a:t>var</a:t>
-            </a:r>
-            <a:r>
-              <a:rPr lang="en-US" sz="2400" dirty="0"/>
-              <a:t>, but it handles scope differently</a:t>
+              <a:t>You could use var, but it handles scope differently</a:t>
             </a:r>
           </a:p>
           <a:p>
@@ -18223,7 +18206,7 @@
 </file>
 
 <file path=ppt/slides/slide8.xml><?xml version="1.0" encoding="utf-8"?>
-<p:sld xmlns:a="http://schemas.openxmlformats.org/drawingml/2006/main" xmlns:r="http://schemas.openxmlformats.org/officeDocument/2006/relationships" xmlns:p="http://schemas.openxmlformats.org/presentationml/2006/main">
+<p:sld xmlns:a="http://schemas.openxmlformats.org/drawingml/2006/main" xmlns:r="http://schemas.openxmlformats.org/officeDocument/2006/relationships" xmlns:p="http://schemas.openxmlformats.org/presentationml/2006/main" show="0">
   <p:cSld>
     <p:spTree>
       <p:nvGrpSpPr>
